--- a/doc/게임화면(문혜원)/화면설계서_게임화면(문혜원).pptx
+++ b/doc/게임화면(문혜원)/화면설계서_게임화면(문혜원).pptx
@@ -9,6 +9,7 @@
     <p:sldId id="257" r:id="rId3"/>
     <p:sldId id="258" r:id="rId4"/>
     <p:sldId id="259" r:id="rId5"/>
+    <p:sldId id="260" r:id="rId6"/>
   </p:sldIdLst>
   <p:sldSz cx="12192000" cy="6858000"/>
   <p:notesSz cx="6858000" cy="9144000"/>
@@ -262,7 +263,7 @@
           <a:p>
             <a:fld id="{9074BD7F-5C0F-465C-A891-F87FEF347ABB}" type="datetimeFigureOut">
               <a:rPr lang="ko-KR" altLang="en-US" smtClean="0"/>
-              <a:t>2024-10-17</a:t>
+              <a:t>2024-10-18</a:t>
             </a:fld>
             <a:endParaRPr lang="ko-KR" altLang="en-US"/>
           </a:p>
@@ -460,7 +461,7 @@
           <a:p>
             <a:fld id="{9074BD7F-5C0F-465C-A891-F87FEF347ABB}" type="datetimeFigureOut">
               <a:rPr lang="ko-KR" altLang="en-US" smtClean="0"/>
-              <a:t>2024-10-17</a:t>
+              <a:t>2024-10-18</a:t>
             </a:fld>
             <a:endParaRPr lang="ko-KR" altLang="en-US"/>
           </a:p>
@@ -668,7 +669,7 @@
           <a:p>
             <a:fld id="{9074BD7F-5C0F-465C-A891-F87FEF347ABB}" type="datetimeFigureOut">
               <a:rPr lang="ko-KR" altLang="en-US" smtClean="0"/>
-              <a:t>2024-10-17</a:t>
+              <a:t>2024-10-18</a:t>
             </a:fld>
             <a:endParaRPr lang="ko-KR" altLang="en-US"/>
           </a:p>
@@ -866,7 +867,7 @@
           <a:p>
             <a:fld id="{9074BD7F-5C0F-465C-A891-F87FEF347ABB}" type="datetimeFigureOut">
               <a:rPr lang="ko-KR" altLang="en-US" smtClean="0"/>
-              <a:t>2024-10-17</a:t>
+              <a:t>2024-10-18</a:t>
             </a:fld>
             <a:endParaRPr lang="ko-KR" altLang="en-US"/>
           </a:p>
@@ -1141,7 +1142,7 @@
           <a:p>
             <a:fld id="{9074BD7F-5C0F-465C-A891-F87FEF347ABB}" type="datetimeFigureOut">
               <a:rPr lang="ko-KR" altLang="en-US" smtClean="0"/>
-              <a:t>2024-10-17</a:t>
+              <a:t>2024-10-18</a:t>
             </a:fld>
             <a:endParaRPr lang="ko-KR" altLang="en-US"/>
           </a:p>
@@ -1406,7 +1407,7 @@
           <a:p>
             <a:fld id="{9074BD7F-5C0F-465C-A891-F87FEF347ABB}" type="datetimeFigureOut">
               <a:rPr lang="ko-KR" altLang="en-US" smtClean="0"/>
-              <a:t>2024-10-17</a:t>
+              <a:t>2024-10-18</a:t>
             </a:fld>
             <a:endParaRPr lang="ko-KR" altLang="en-US"/>
           </a:p>
@@ -1818,7 +1819,7 @@
           <a:p>
             <a:fld id="{9074BD7F-5C0F-465C-A891-F87FEF347ABB}" type="datetimeFigureOut">
               <a:rPr lang="ko-KR" altLang="en-US" smtClean="0"/>
-              <a:t>2024-10-17</a:t>
+              <a:t>2024-10-18</a:t>
             </a:fld>
             <a:endParaRPr lang="ko-KR" altLang="en-US"/>
           </a:p>
@@ -1959,7 +1960,7 @@
           <a:p>
             <a:fld id="{9074BD7F-5C0F-465C-A891-F87FEF347ABB}" type="datetimeFigureOut">
               <a:rPr lang="ko-KR" altLang="en-US" smtClean="0"/>
-              <a:t>2024-10-17</a:t>
+              <a:t>2024-10-18</a:t>
             </a:fld>
             <a:endParaRPr lang="ko-KR" altLang="en-US"/>
           </a:p>
@@ -2072,7 +2073,7 @@
           <a:p>
             <a:fld id="{9074BD7F-5C0F-465C-A891-F87FEF347ABB}" type="datetimeFigureOut">
               <a:rPr lang="ko-KR" altLang="en-US" smtClean="0"/>
-              <a:t>2024-10-17</a:t>
+              <a:t>2024-10-18</a:t>
             </a:fld>
             <a:endParaRPr lang="ko-KR" altLang="en-US"/>
           </a:p>
@@ -2383,7 +2384,7 @@
           <a:p>
             <a:fld id="{9074BD7F-5C0F-465C-A891-F87FEF347ABB}" type="datetimeFigureOut">
               <a:rPr lang="ko-KR" altLang="en-US" smtClean="0"/>
-              <a:t>2024-10-17</a:t>
+              <a:t>2024-10-18</a:t>
             </a:fld>
             <a:endParaRPr lang="ko-KR" altLang="en-US"/>
           </a:p>
@@ -2671,7 +2672,7 @@
           <a:p>
             <a:fld id="{9074BD7F-5C0F-465C-A891-F87FEF347ABB}" type="datetimeFigureOut">
               <a:rPr lang="ko-KR" altLang="en-US" smtClean="0"/>
-              <a:t>2024-10-17</a:t>
+              <a:t>2024-10-18</a:t>
             </a:fld>
             <a:endParaRPr lang="ko-KR" altLang="en-US"/>
           </a:p>
@@ -2912,7 +2913,7 @@
           <a:p>
             <a:fld id="{9074BD7F-5C0F-465C-A891-F87FEF347ABB}" type="datetimeFigureOut">
               <a:rPr lang="ko-KR" altLang="en-US" smtClean="0"/>
-              <a:t>2024-10-17</a:t>
+              <a:t>2024-10-18</a:t>
             </a:fld>
             <a:endParaRPr lang="ko-KR" altLang="en-US"/>
           </a:p>
@@ -3383,8 +3384,12 @@
           <a:lstStyle/>
           <a:p>
             <a:r>
+              <a:rPr lang="ko-KR" altLang="en-US"/>
+              <a:t>게임 </a:t>
+            </a:r>
+            <a:r>
               <a:rPr lang="ko-KR" altLang="en-US" dirty="0"/>
-              <a:t>전체 화면</a:t>
+              <a:t>화면</a:t>
             </a:r>
           </a:p>
         </p:txBody>
@@ -3537,7 +3542,7 @@
                   <a:schemeClr val="tx1"/>
                 </a:solidFill>
               </a:rPr>
-              <a:t>M.001 </a:t>
+              <a:t>G.001 </a:t>
             </a:r>
             <a:r>
               <a:rPr lang="ko-KR" altLang="en-US" sz="3200" dirty="0">
@@ -3545,7 +3550,7 @@
                   <a:schemeClr val="tx1"/>
                 </a:solidFill>
               </a:rPr>
-              <a:t>메인 화면</a:t>
+              <a:t>게임 화면</a:t>
             </a:r>
           </a:p>
         </p:txBody>
@@ -3565,7 +3570,7 @@
         <p:spPr>
           <a:xfrm>
             <a:off x="9303026" y="946298"/>
-            <a:ext cx="2459328" cy="1477328"/>
+            <a:ext cx="992579" cy="369332"/>
           </a:xfrm>
           <a:prstGeom prst="rect">
             <a:avLst/>
@@ -3587,80 +3592,13 @@
                   <a:srgbClr val="FF0000"/>
                 </a:solidFill>
               </a:rPr>
-              <a:t>준비화면으로 이동</a:t>
+              <a:t>기능</a:t>
             </a:r>
             <a:endParaRPr lang="en-US" altLang="ko-KR" dirty="0">
               <a:solidFill>
                 <a:srgbClr val="FF0000"/>
               </a:solidFill>
             </a:endParaRPr>
-          </a:p>
-          <a:p>
-            <a:pPr marL="342900" indent="-342900">
-              <a:buAutoNum type="arabicPeriod"/>
-            </a:pPr>
-            <a:endParaRPr lang="en-US" altLang="ko-KR" dirty="0">
-              <a:solidFill>
-                <a:srgbClr val="FF0000"/>
-              </a:solidFill>
-            </a:endParaRPr>
-          </a:p>
-          <a:p>
-            <a:pPr marL="342900" indent="-342900">
-              <a:buAutoNum type="arabicPeriod"/>
-            </a:pPr>
-            <a:r>
-              <a:rPr lang="ko-KR" altLang="en-US" dirty="0">
-                <a:solidFill>
-                  <a:srgbClr val="FF0000"/>
-                </a:solidFill>
-              </a:rPr>
-              <a:t>설정화면으로 이동</a:t>
-            </a:r>
-            <a:endParaRPr lang="en-US" altLang="ko-KR" dirty="0">
-              <a:solidFill>
-                <a:srgbClr val="FF0000"/>
-              </a:solidFill>
-            </a:endParaRPr>
-          </a:p>
-          <a:p>
-            <a:pPr marL="342900" indent="-342900">
-              <a:buAutoNum type="arabicPeriod"/>
-            </a:pPr>
-            <a:endParaRPr lang="en-US" altLang="ko-KR" dirty="0">
-              <a:solidFill>
-                <a:srgbClr val="FF0000"/>
-              </a:solidFill>
-            </a:endParaRPr>
-          </a:p>
-          <a:p>
-            <a:pPr marL="342900" indent="-342900">
-              <a:buAutoNum type="arabicPeriod"/>
-            </a:pPr>
-            <a:r>
-              <a:rPr lang="ko-KR" altLang="en-US" dirty="0">
-                <a:solidFill>
-                  <a:srgbClr val="FF0000"/>
-                </a:solidFill>
-              </a:rPr>
-              <a:t>종료 </a:t>
-            </a:r>
-            <a:r>
-              <a:rPr lang="ko-KR" altLang="en-US" dirty="0" err="1">
-                <a:solidFill>
-                  <a:srgbClr val="FF0000"/>
-                </a:solidFill>
-              </a:rPr>
-              <a:t>팝업창</a:t>
-            </a:r>
-            <a:r>
-              <a:rPr lang="ko-KR" altLang="en-US" dirty="0">
-                <a:solidFill>
-                  <a:srgbClr val="FF0000"/>
-                </a:solidFill>
-              </a:rPr>
-              <a:t> 생성</a:t>
-            </a:r>
           </a:p>
         </p:txBody>
       </p:sp>
@@ -3812,7 +3750,7 @@
                   <a:schemeClr val="tx1"/>
                 </a:solidFill>
               </a:rPr>
-              <a:t>M.002 </a:t>
+              <a:t>G.002 </a:t>
             </a:r>
             <a:r>
               <a:rPr lang="ko-KR" altLang="en-US" sz="3200" dirty="0">
@@ -3820,7 +3758,7 @@
                   <a:schemeClr val="tx1"/>
                 </a:solidFill>
               </a:rPr>
-              <a:t>준비 화면</a:t>
+              <a:t>클리어 화면</a:t>
             </a:r>
             <a:endParaRPr lang="en-US" altLang="ko-KR" sz="3200" dirty="0">
               <a:solidFill>
@@ -4025,15 +3963,7 @@
                   <a:schemeClr val="tx1"/>
                 </a:solidFill>
               </a:rPr>
-              <a:t>M</a:t>
-            </a:r>
-            <a:r>
-              <a:rPr lang="en-US" altLang="ko-KR" sz="3200">
-                <a:solidFill>
-                  <a:schemeClr val="tx1"/>
-                </a:solidFill>
-              </a:rPr>
-              <a:t>.003 </a:t>
+              <a:t>G.003 </a:t>
             </a:r>
             <a:r>
               <a:rPr lang="ko-KR" altLang="en-US" sz="3200" dirty="0">
@@ -4041,7 +3971,7 @@
                   <a:schemeClr val="tx1"/>
                 </a:solidFill>
               </a:rPr>
-              <a:t>설정 화면</a:t>
+              <a:t>실패 화면</a:t>
             </a:r>
             <a:endParaRPr lang="en-US" altLang="ko-KR" sz="3200" dirty="0">
               <a:solidFill>
@@ -4102,6 +4032,225 @@
     <p:extLst>
       <p:ext uri="{BB962C8B-B14F-4D97-AF65-F5344CB8AC3E}">
         <p14:creationId xmlns:p14="http://schemas.microsoft.com/office/powerpoint/2010/main" val="3049905035"/>
+      </p:ext>
+    </p:extLst>
+  </p:cSld>
+  <p:clrMapOvr>
+    <a:masterClrMapping/>
+  </p:clrMapOvr>
+</p:sld>
+</file>
+
+<file path=ppt/slides/slide5.xml><?xml version="1.0" encoding="utf-8"?>
+<p:sld xmlns:a="http://schemas.openxmlformats.org/drawingml/2006/main" xmlns:r="http://schemas.openxmlformats.org/officeDocument/2006/relationships" xmlns:p="http://schemas.openxmlformats.org/presentationml/2006/main">
+  <p:cSld>
+    <p:spTree>
+      <p:nvGrpSpPr>
+        <p:cNvPr id="1" name="">
+          <a:extLst>
+            <a:ext uri="{FF2B5EF4-FFF2-40B4-BE49-F238E27FC236}">
+              <a16:creationId xmlns:a16="http://schemas.microsoft.com/office/drawing/2014/main" id="{287BD0B8-49E9-7A8E-64F9-B9ADB1353E2C}"/>
+            </a:ext>
+          </a:extLst>
+        </p:cNvPr>
+        <p:cNvGrpSpPr/>
+        <p:nvPr/>
+      </p:nvGrpSpPr>
+      <p:grpSpPr>
+        <a:xfrm>
+          <a:off x="0" y="0"/>
+          <a:ext cx="0" cy="0"/>
+          <a:chOff x="0" y="0"/>
+          <a:chExt cx="0" cy="0"/>
+        </a:xfrm>
+      </p:grpSpPr>
+      <p:sp>
+        <p:nvSpPr>
+          <p:cNvPr id="4" name="직사각형 3">
+            <a:extLst>
+              <a:ext uri="{FF2B5EF4-FFF2-40B4-BE49-F238E27FC236}">
+                <a16:creationId xmlns:a16="http://schemas.microsoft.com/office/drawing/2014/main" id="{E516744C-F7C3-35C1-647C-9FCE217B6A23}"/>
+              </a:ext>
+            </a:extLst>
+          </p:cNvPr>
+          <p:cNvSpPr/>
+          <p:nvPr/>
+        </p:nvSpPr>
+        <p:spPr>
+          <a:xfrm>
+            <a:off x="9303026" y="842481"/>
+            <a:ext cx="2888974" cy="6015519"/>
+          </a:xfrm>
+          <a:prstGeom prst="rect">
+            <a:avLst/>
+          </a:prstGeom>
+          <a:noFill/>
+          <a:ln>
+            <a:solidFill>
+              <a:schemeClr val="tx1"/>
+            </a:solidFill>
+          </a:ln>
+        </p:spPr>
+        <p:style>
+          <a:lnRef idx="2">
+            <a:schemeClr val="accent1">
+              <a:shade val="50000"/>
+            </a:schemeClr>
+          </a:lnRef>
+          <a:fillRef idx="1">
+            <a:schemeClr val="accent1"/>
+          </a:fillRef>
+          <a:effectRef idx="0">
+            <a:schemeClr val="accent1"/>
+          </a:effectRef>
+          <a:fontRef idx="minor">
+            <a:schemeClr val="lt1"/>
+          </a:fontRef>
+        </p:style>
+        <p:txBody>
+          <a:bodyPr rtlCol="0" anchor="b"/>
+          <a:lstStyle/>
+          <a:p>
+            <a:pPr algn="l">
+              <a:lnSpc>
+                <a:spcPct val="200000"/>
+              </a:lnSpc>
+            </a:pPr>
+            <a:endParaRPr lang="ko-KR" altLang="en-US" dirty="0">
+              <a:solidFill>
+                <a:schemeClr val="tx1"/>
+              </a:solidFill>
+            </a:endParaRPr>
+          </a:p>
+        </p:txBody>
+      </p:sp>
+      <p:sp>
+        <p:nvSpPr>
+          <p:cNvPr id="5" name="직사각형 4">
+            <a:extLst>
+              <a:ext uri="{FF2B5EF4-FFF2-40B4-BE49-F238E27FC236}">
+                <a16:creationId xmlns:a16="http://schemas.microsoft.com/office/drawing/2014/main" id="{9B604BB6-158A-85F6-5F1F-A3F5182E3406}"/>
+              </a:ext>
+            </a:extLst>
+          </p:cNvPr>
+          <p:cNvSpPr/>
+          <p:nvPr/>
+        </p:nvSpPr>
+        <p:spPr>
+          <a:xfrm>
+            <a:off x="0" y="0"/>
+            <a:ext cx="12192000" cy="842481"/>
+          </a:xfrm>
+          <a:prstGeom prst="rect">
+            <a:avLst/>
+          </a:prstGeom>
+          <a:noFill/>
+          <a:ln>
+            <a:solidFill>
+              <a:schemeClr val="tx1"/>
+            </a:solidFill>
+          </a:ln>
+        </p:spPr>
+        <p:style>
+          <a:lnRef idx="2">
+            <a:schemeClr val="accent1">
+              <a:shade val="50000"/>
+            </a:schemeClr>
+          </a:lnRef>
+          <a:fillRef idx="1">
+            <a:schemeClr val="accent1"/>
+          </a:fillRef>
+          <a:effectRef idx="0">
+            <a:schemeClr val="accent1"/>
+          </a:effectRef>
+          <a:fontRef idx="minor">
+            <a:schemeClr val="lt1"/>
+          </a:fontRef>
+        </p:style>
+        <p:txBody>
+          <a:bodyPr rtlCol="0" anchor="b"/>
+          <a:lstStyle/>
+          <a:p>
+            <a:pPr algn="l">
+              <a:lnSpc>
+                <a:spcPct val="150000"/>
+              </a:lnSpc>
+            </a:pPr>
+            <a:r>
+              <a:rPr lang="en-US" altLang="ko-KR" sz="3200" dirty="0">
+                <a:solidFill>
+                  <a:schemeClr val="tx1"/>
+                </a:solidFill>
+              </a:rPr>
+              <a:t>G.004 </a:t>
+            </a:r>
+            <a:r>
+              <a:rPr lang="ko-KR" altLang="en-US" sz="3200" dirty="0">
+                <a:solidFill>
+                  <a:schemeClr val="tx1"/>
+                </a:solidFill>
+              </a:rPr>
+              <a:t>정지 화면</a:t>
+            </a:r>
+            <a:endParaRPr lang="en-US" altLang="ko-KR" sz="3200" dirty="0">
+              <a:solidFill>
+                <a:schemeClr val="tx1"/>
+              </a:solidFill>
+            </a:endParaRPr>
+          </a:p>
+        </p:txBody>
+      </p:sp>
+      <p:sp>
+        <p:nvSpPr>
+          <p:cNvPr id="6" name="TextBox 5">
+            <a:extLst>
+              <a:ext uri="{FF2B5EF4-FFF2-40B4-BE49-F238E27FC236}">
+                <a16:creationId xmlns:a16="http://schemas.microsoft.com/office/drawing/2014/main" id="{B76DE076-4C10-6EF1-BAD4-98BC2E491BA4}"/>
+              </a:ext>
+            </a:extLst>
+          </p:cNvPr>
+          <p:cNvSpPr txBox="1"/>
+          <p:nvPr/>
+        </p:nvSpPr>
+        <p:spPr>
+          <a:xfrm>
+            <a:off x="9303026" y="946298"/>
+            <a:ext cx="992579" cy="369332"/>
+          </a:xfrm>
+          <a:prstGeom prst="rect">
+            <a:avLst/>
+          </a:prstGeom>
+          <a:noFill/>
+        </p:spPr>
+        <p:txBody>
+          <a:bodyPr wrap="none" rtlCol="0">
+            <a:spAutoFit/>
+          </a:bodyPr>
+          <a:lstStyle/>
+          <a:p>
+            <a:pPr marL="342900" indent="-342900">
+              <a:buAutoNum type="arabicPeriod"/>
+            </a:pPr>
+            <a:r>
+              <a:rPr lang="ko-KR" altLang="en-US" dirty="0">
+                <a:solidFill>
+                  <a:srgbClr val="FF0000"/>
+                </a:solidFill>
+              </a:rPr>
+              <a:t>설명</a:t>
+            </a:r>
+            <a:endParaRPr lang="en-US" altLang="ko-KR" dirty="0">
+              <a:solidFill>
+                <a:srgbClr val="FF0000"/>
+              </a:solidFill>
+            </a:endParaRPr>
+          </a:p>
+        </p:txBody>
+      </p:sp>
+    </p:spTree>
+    <p:extLst>
+      <p:ext uri="{BB962C8B-B14F-4D97-AF65-F5344CB8AC3E}">
+        <p14:creationId xmlns:p14="http://schemas.microsoft.com/office/powerpoint/2010/main" val="697629809"/>
       </p:ext>
     </p:extLst>
   </p:cSld>

--- a/doc/게임화면(문혜원)/화면설계서_게임화면(문혜원).pptx
+++ b/doc/게임화면(문혜원)/화면설계서_게임화면(문혜원).pptx
@@ -6,10 +6,11 @@
   </p:sldMasterIdLst>
   <p:sldIdLst>
     <p:sldId id="256" r:id="rId2"/>
-    <p:sldId id="257" r:id="rId3"/>
-    <p:sldId id="258" r:id="rId4"/>
-    <p:sldId id="259" r:id="rId5"/>
-    <p:sldId id="260" r:id="rId6"/>
+    <p:sldId id="261" r:id="rId3"/>
+    <p:sldId id="257" r:id="rId4"/>
+    <p:sldId id="258" r:id="rId5"/>
+    <p:sldId id="259" r:id="rId6"/>
+    <p:sldId id="260" r:id="rId7"/>
   </p:sldIdLst>
   <p:sldSz cx="12192000" cy="6858000"/>
   <p:notesSz cx="6858000" cy="9144000"/>
@@ -3542,7 +3543,7 @@
                   <a:schemeClr val="tx1"/>
                 </a:solidFill>
               </a:rPr>
-              <a:t>G.001 </a:t>
+              <a:t>G.000 </a:t>
             </a:r>
             <a:r>
               <a:rPr lang="ko-KR" altLang="en-US" sz="3200" dirty="0">
@@ -3550,8 +3551,13 @@
                   <a:schemeClr val="tx1"/>
                 </a:solidFill>
               </a:rPr>
-              <a:t>게임 화면</a:t>
-            </a:r>
+              <a:t>게임 시작 화면</a:t>
+            </a:r>
+            <a:endParaRPr lang="en-US" altLang="ko-KR" sz="3200" dirty="0">
+              <a:solidFill>
+                <a:schemeClr val="tx1"/>
+              </a:solidFill>
+            </a:endParaRPr>
           </a:p>
         </p:txBody>
       </p:sp>
@@ -3592,7 +3598,7 @@
                   <a:srgbClr val="FF0000"/>
                 </a:solidFill>
               </a:rPr>
-              <a:t>기능</a:t>
+              <a:t>설명</a:t>
             </a:r>
             <a:endParaRPr lang="en-US" altLang="ko-KR" dirty="0">
               <a:solidFill>
@@ -3602,10 +3608,520 @@
           </a:p>
         </p:txBody>
       </p:sp>
+      <p:sp>
+        <p:nvSpPr>
+          <p:cNvPr id="9" name="사각형: 둥근 모서리 8">
+            <a:extLst>
+              <a:ext uri="{FF2B5EF4-FFF2-40B4-BE49-F238E27FC236}">
+                <a16:creationId xmlns:a16="http://schemas.microsoft.com/office/drawing/2014/main" id="{2A7C93D3-EFB1-4E8B-A13D-2415D575D2FB}"/>
+              </a:ext>
+            </a:extLst>
+          </p:cNvPr>
+          <p:cNvSpPr/>
+          <p:nvPr/>
+        </p:nvSpPr>
+        <p:spPr>
+          <a:xfrm>
+            <a:off x="2406770" y="1959441"/>
+            <a:ext cx="4080294" cy="1077907"/>
+          </a:xfrm>
+          <a:prstGeom prst="roundRect">
+            <a:avLst/>
+          </a:prstGeom>
+          <a:solidFill>
+            <a:schemeClr val="accent4">
+              <a:lumMod val="20000"/>
+              <a:lumOff val="80000"/>
+            </a:schemeClr>
+          </a:solidFill>
+          <a:ln>
+            <a:solidFill>
+              <a:schemeClr val="tx1"/>
+            </a:solidFill>
+          </a:ln>
+        </p:spPr>
+        <p:style>
+          <a:lnRef idx="2">
+            <a:schemeClr val="accent1">
+              <a:shade val="50000"/>
+            </a:schemeClr>
+          </a:lnRef>
+          <a:fillRef idx="1">
+            <a:schemeClr val="accent1"/>
+          </a:fillRef>
+          <a:effectRef idx="0">
+            <a:schemeClr val="accent1"/>
+          </a:effectRef>
+          <a:fontRef idx="minor">
+            <a:schemeClr val="lt1"/>
+          </a:fontRef>
+        </p:style>
+        <p:txBody>
+          <a:bodyPr rtlCol="0" anchor="b"/>
+          <a:lstStyle/>
+          <a:p>
+            <a:pPr algn="l">
+              <a:lnSpc>
+                <a:spcPct val="200000"/>
+              </a:lnSpc>
+            </a:pPr>
+            <a:endParaRPr lang="ko-KR" altLang="en-US" dirty="0">
+              <a:solidFill>
+                <a:schemeClr val="tx1"/>
+              </a:solidFill>
+            </a:endParaRPr>
+          </a:p>
+        </p:txBody>
+      </p:sp>
+      <p:sp>
+        <p:nvSpPr>
+          <p:cNvPr id="21" name="사각형: 둥근 모서리 20">
+            <a:extLst>
+              <a:ext uri="{FF2B5EF4-FFF2-40B4-BE49-F238E27FC236}">
+                <a16:creationId xmlns:a16="http://schemas.microsoft.com/office/drawing/2014/main" id="{DB6644A4-99F6-4853-AD6D-BFC9A9187794}"/>
+              </a:ext>
+            </a:extLst>
+          </p:cNvPr>
+          <p:cNvSpPr/>
+          <p:nvPr/>
+        </p:nvSpPr>
+        <p:spPr>
+          <a:xfrm>
+            <a:off x="2406770" y="3281699"/>
+            <a:ext cx="4080294" cy="1077907"/>
+          </a:xfrm>
+          <a:prstGeom prst="roundRect">
+            <a:avLst/>
+          </a:prstGeom>
+          <a:solidFill>
+            <a:schemeClr val="accent4">
+              <a:lumMod val="20000"/>
+              <a:lumOff val="80000"/>
+            </a:schemeClr>
+          </a:solidFill>
+          <a:ln>
+            <a:solidFill>
+              <a:schemeClr val="tx1"/>
+            </a:solidFill>
+          </a:ln>
+        </p:spPr>
+        <p:style>
+          <a:lnRef idx="2">
+            <a:schemeClr val="accent1">
+              <a:shade val="50000"/>
+            </a:schemeClr>
+          </a:lnRef>
+          <a:fillRef idx="1">
+            <a:schemeClr val="accent1"/>
+          </a:fillRef>
+          <a:effectRef idx="0">
+            <a:schemeClr val="accent1"/>
+          </a:effectRef>
+          <a:fontRef idx="minor">
+            <a:schemeClr val="lt1"/>
+          </a:fontRef>
+        </p:style>
+        <p:txBody>
+          <a:bodyPr rtlCol="0" anchor="b"/>
+          <a:lstStyle/>
+          <a:p>
+            <a:pPr algn="l">
+              <a:lnSpc>
+                <a:spcPct val="200000"/>
+              </a:lnSpc>
+            </a:pPr>
+            <a:endParaRPr lang="ko-KR" altLang="en-US" dirty="0">
+              <a:solidFill>
+                <a:schemeClr val="tx1"/>
+              </a:solidFill>
+            </a:endParaRPr>
+          </a:p>
+        </p:txBody>
+      </p:sp>
+      <p:sp>
+        <p:nvSpPr>
+          <p:cNvPr id="12" name="직사각형 11">
+            <a:extLst>
+              <a:ext uri="{FF2B5EF4-FFF2-40B4-BE49-F238E27FC236}">
+                <a16:creationId xmlns:a16="http://schemas.microsoft.com/office/drawing/2014/main" id="{7685CFE4-3FAE-4CE7-B9A6-959E7BF58908}"/>
+              </a:ext>
+            </a:extLst>
+          </p:cNvPr>
+          <p:cNvSpPr/>
+          <p:nvPr/>
+        </p:nvSpPr>
+        <p:spPr>
+          <a:xfrm>
+            <a:off x="3567317" y="1959441"/>
+            <a:ext cx="1759200" cy="923330"/>
+          </a:xfrm>
+          <a:prstGeom prst="rect">
+            <a:avLst/>
+          </a:prstGeom>
+          <a:noFill/>
+        </p:spPr>
+        <p:txBody>
+          <a:bodyPr wrap="none" lIns="91440" tIns="45720" rIns="91440" bIns="45720">
+            <a:spAutoFit/>
+          </a:bodyPr>
+          <a:lstStyle/>
+          <a:p>
+            <a:pPr algn="ctr"/>
+            <a:r>
+              <a:rPr lang="en-US" altLang="ko-KR" sz="5400" b="1" cap="none" spc="0" dirty="0">
+                <a:ln w="10160">
+                  <a:solidFill>
+                    <a:schemeClr val="accent5"/>
+                  </a:solidFill>
+                  <a:prstDash val="solid"/>
+                </a:ln>
+                <a:solidFill>
+                  <a:srgbClr val="FFFFFF"/>
+                </a:solidFill>
+                <a:effectLst>
+                  <a:outerShdw blurRad="38100" dist="22860" dir="5400000" algn="tl" rotWithShape="0">
+                    <a:srgbClr val="000000">
+                      <a:alpha val="30000"/>
+                    </a:srgbClr>
+                  </a:outerShdw>
+                </a:effectLst>
+              </a:rPr>
+              <a:t>Start</a:t>
+            </a:r>
+          </a:p>
+        </p:txBody>
+      </p:sp>
+      <p:sp>
+        <p:nvSpPr>
+          <p:cNvPr id="14" name="직사각형 13">
+            <a:extLst>
+              <a:ext uri="{FF2B5EF4-FFF2-40B4-BE49-F238E27FC236}">
+                <a16:creationId xmlns:a16="http://schemas.microsoft.com/office/drawing/2014/main" id="{163C78B6-3F48-4BFD-A305-BFA04EA5C644}"/>
+              </a:ext>
+            </a:extLst>
+          </p:cNvPr>
+          <p:cNvSpPr/>
+          <p:nvPr/>
+        </p:nvSpPr>
+        <p:spPr>
+          <a:xfrm>
+            <a:off x="3472130" y="3281699"/>
+            <a:ext cx="1949573" cy="923330"/>
+          </a:xfrm>
+          <a:prstGeom prst="rect">
+            <a:avLst/>
+          </a:prstGeom>
+          <a:noFill/>
+        </p:spPr>
+        <p:txBody>
+          <a:bodyPr wrap="none" lIns="91440" tIns="45720" rIns="91440" bIns="45720">
+            <a:spAutoFit/>
+          </a:bodyPr>
+          <a:lstStyle/>
+          <a:p>
+            <a:pPr algn="ctr"/>
+            <a:r>
+              <a:rPr lang="en-US" altLang="ko-KR" sz="5400" b="1" cap="none" spc="0" dirty="0">
+                <a:ln w="10160">
+                  <a:solidFill>
+                    <a:schemeClr val="accent5"/>
+                  </a:solidFill>
+                  <a:prstDash val="solid"/>
+                </a:ln>
+                <a:solidFill>
+                  <a:srgbClr val="FFFFFF"/>
+                </a:solidFill>
+                <a:effectLst>
+                  <a:outerShdw blurRad="38100" dist="22860" dir="5400000" algn="tl" rotWithShape="0">
+                    <a:srgbClr val="000000">
+                      <a:alpha val="30000"/>
+                    </a:srgbClr>
+                  </a:outerShdw>
+                </a:effectLst>
+              </a:rPr>
+              <a:t>Close</a:t>
+            </a:r>
+          </a:p>
+        </p:txBody>
+      </p:sp>
+      <p:sp>
+        <p:nvSpPr>
+          <p:cNvPr id="24" name="사각형: 둥근 모서리 23">
+            <a:extLst>
+              <a:ext uri="{FF2B5EF4-FFF2-40B4-BE49-F238E27FC236}">
+                <a16:creationId xmlns:a16="http://schemas.microsoft.com/office/drawing/2014/main" id="{76A65501-D7B0-4F73-828F-8B7F3DDD0B99}"/>
+              </a:ext>
+            </a:extLst>
+          </p:cNvPr>
+          <p:cNvSpPr/>
+          <p:nvPr/>
+        </p:nvSpPr>
+        <p:spPr>
+          <a:xfrm>
+            <a:off x="9414526" y="1531473"/>
+            <a:ext cx="769578" cy="306977"/>
+          </a:xfrm>
+          <a:prstGeom prst="roundRect">
+            <a:avLst/>
+          </a:prstGeom>
+          <a:solidFill>
+            <a:schemeClr val="accent4">
+              <a:lumMod val="20000"/>
+              <a:lumOff val="80000"/>
+            </a:schemeClr>
+          </a:solidFill>
+          <a:ln>
+            <a:solidFill>
+              <a:schemeClr val="tx1"/>
+            </a:solidFill>
+          </a:ln>
+        </p:spPr>
+        <p:style>
+          <a:lnRef idx="2">
+            <a:schemeClr val="accent1">
+              <a:shade val="50000"/>
+            </a:schemeClr>
+          </a:lnRef>
+          <a:fillRef idx="1">
+            <a:schemeClr val="accent1"/>
+          </a:fillRef>
+          <a:effectRef idx="0">
+            <a:schemeClr val="accent1"/>
+          </a:effectRef>
+          <a:fontRef idx="minor">
+            <a:schemeClr val="lt1"/>
+          </a:fontRef>
+        </p:style>
+        <p:txBody>
+          <a:bodyPr rtlCol="0" anchor="b"/>
+          <a:lstStyle/>
+          <a:p>
+            <a:pPr algn="ctr"/>
+            <a:r>
+              <a:rPr lang="en-US" altLang="ko-KR" sz="1800" b="1" cap="none" spc="0">
+                <a:ln w="10160">
+                  <a:solidFill>
+                    <a:schemeClr val="accent5"/>
+                  </a:solidFill>
+                  <a:prstDash val="solid"/>
+                </a:ln>
+                <a:solidFill>
+                  <a:srgbClr val="FFFFFF"/>
+                </a:solidFill>
+                <a:effectLst>
+                  <a:outerShdw blurRad="38100" dist="22860" dir="5400000" algn="tl" rotWithShape="0">
+                    <a:srgbClr val="000000">
+                      <a:alpha val="30000"/>
+                    </a:srgbClr>
+                  </a:outerShdw>
+                </a:effectLst>
+              </a:rPr>
+              <a:t>Start</a:t>
+            </a:r>
+            <a:endParaRPr lang="en-US" altLang="ko-KR" sz="1800" b="1" cap="none" spc="0" dirty="0">
+              <a:ln w="10160">
+                <a:solidFill>
+                  <a:schemeClr val="accent5"/>
+                </a:solidFill>
+                <a:prstDash val="solid"/>
+              </a:ln>
+              <a:solidFill>
+                <a:srgbClr val="FFFFFF"/>
+              </a:solidFill>
+              <a:effectLst>
+                <a:outerShdw blurRad="38100" dist="22860" dir="5400000" algn="tl" rotWithShape="0">
+                  <a:srgbClr val="000000">
+                    <a:alpha val="30000"/>
+                  </a:srgbClr>
+                </a:outerShdw>
+              </a:effectLst>
+            </a:endParaRPr>
+          </a:p>
+        </p:txBody>
+      </p:sp>
+      <p:sp>
+        <p:nvSpPr>
+          <p:cNvPr id="25" name="TextBox 24">
+            <a:extLst>
+              <a:ext uri="{FF2B5EF4-FFF2-40B4-BE49-F238E27FC236}">
+                <a16:creationId xmlns:a16="http://schemas.microsoft.com/office/drawing/2014/main" id="{431C4BBD-EBA9-4897-95BC-C9157D965D92}"/>
+              </a:ext>
+            </a:extLst>
+          </p:cNvPr>
+          <p:cNvSpPr txBox="1"/>
+          <p:nvPr/>
+        </p:nvSpPr>
+        <p:spPr>
+          <a:xfrm>
+            <a:off x="10184104" y="1504063"/>
+            <a:ext cx="2007896" cy="1107996"/>
+          </a:xfrm>
+          <a:prstGeom prst="rect">
+            <a:avLst/>
+          </a:prstGeom>
+          <a:noFill/>
+        </p:spPr>
+        <p:txBody>
+          <a:bodyPr wrap="square" rtlCol="0">
+            <a:spAutoFit/>
+          </a:bodyPr>
+          <a:lstStyle/>
+          <a:p>
+            <a:r>
+              <a:rPr lang="en-US" altLang="ko-KR" dirty="0"/>
+              <a:t>: </a:t>
+            </a:r>
+            <a:r>
+              <a:rPr lang="ko-KR" altLang="en-US" sz="1600" dirty="0"/>
+              <a:t>누르면 </a:t>
+            </a:r>
+            <a:r>
+              <a:rPr lang="ko-KR" altLang="en-US" sz="1600" dirty="0" err="1"/>
+              <a:t>드론</a:t>
+            </a:r>
+            <a:r>
+              <a:rPr lang="ko-KR" altLang="en-US" sz="1600" dirty="0"/>
+              <a:t> 종류나 풍향</a:t>
+            </a:r>
+            <a:r>
+              <a:rPr lang="en-US" altLang="ko-KR" sz="1600" dirty="0"/>
+              <a:t>/</a:t>
+            </a:r>
+            <a:r>
+              <a:rPr lang="ko-KR" altLang="en-US" sz="1600" dirty="0"/>
+              <a:t>풍속 조절 등의 게임 시작 전 </a:t>
+            </a:r>
+            <a:r>
+              <a:rPr lang="ko-KR" altLang="en-US" sz="1600" dirty="0" err="1"/>
+              <a:t>세팅화면이</a:t>
+            </a:r>
+            <a:r>
+              <a:rPr lang="ko-KR" altLang="en-US" sz="1600" dirty="0"/>
+              <a:t> 나옴 </a:t>
+            </a:r>
+          </a:p>
+        </p:txBody>
+      </p:sp>
+      <p:sp>
+        <p:nvSpPr>
+          <p:cNvPr id="26" name="사각형: 둥근 모서리 25">
+            <a:extLst>
+              <a:ext uri="{FF2B5EF4-FFF2-40B4-BE49-F238E27FC236}">
+                <a16:creationId xmlns:a16="http://schemas.microsoft.com/office/drawing/2014/main" id="{C31C4D51-E0F9-44B6-9780-0491714166B4}"/>
+              </a:ext>
+            </a:extLst>
+          </p:cNvPr>
+          <p:cNvSpPr/>
+          <p:nvPr/>
+        </p:nvSpPr>
+        <p:spPr>
+          <a:xfrm>
+            <a:off x="9414526" y="2902053"/>
+            <a:ext cx="769578" cy="306977"/>
+          </a:xfrm>
+          <a:prstGeom prst="roundRect">
+            <a:avLst/>
+          </a:prstGeom>
+          <a:solidFill>
+            <a:schemeClr val="accent4">
+              <a:lumMod val="20000"/>
+              <a:lumOff val="80000"/>
+            </a:schemeClr>
+          </a:solidFill>
+          <a:ln>
+            <a:solidFill>
+              <a:schemeClr val="tx1"/>
+            </a:solidFill>
+          </a:ln>
+        </p:spPr>
+        <p:style>
+          <a:lnRef idx="2">
+            <a:schemeClr val="accent1">
+              <a:shade val="50000"/>
+            </a:schemeClr>
+          </a:lnRef>
+          <a:fillRef idx="1">
+            <a:schemeClr val="accent1"/>
+          </a:fillRef>
+          <a:effectRef idx="0">
+            <a:schemeClr val="accent1"/>
+          </a:effectRef>
+          <a:fontRef idx="minor">
+            <a:schemeClr val="lt1"/>
+          </a:fontRef>
+        </p:style>
+        <p:txBody>
+          <a:bodyPr rtlCol="0" anchor="b"/>
+          <a:lstStyle/>
+          <a:p>
+            <a:pPr algn="ctr"/>
+            <a:r>
+              <a:rPr lang="en-US" altLang="ko-KR" sz="1700" b="1" cap="none" spc="0" dirty="0">
+                <a:ln w="10160">
+                  <a:solidFill>
+                    <a:schemeClr val="accent5"/>
+                  </a:solidFill>
+                  <a:prstDash val="solid"/>
+                </a:ln>
+                <a:solidFill>
+                  <a:srgbClr val="FFFFFF"/>
+                </a:solidFill>
+                <a:effectLst>
+                  <a:outerShdw blurRad="38100" dist="22860" dir="5400000" algn="tl" rotWithShape="0">
+                    <a:srgbClr val="000000">
+                      <a:alpha val="30000"/>
+                    </a:srgbClr>
+                  </a:outerShdw>
+                </a:effectLst>
+              </a:rPr>
+              <a:t>Close</a:t>
+            </a:r>
+          </a:p>
+        </p:txBody>
+      </p:sp>
+      <p:sp>
+        <p:nvSpPr>
+          <p:cNvPr id="27" name="TextBox 26">
+            <a:extLst>
+              <a:ext uri="{FF2B5EF4-FFF2-40B4-BE49-F238E27FC236}">
+                <a16:creationId xmlns:a16="http://schemas.microsoft.com/office/drawing/2014/main" id="{510C413C-6053-4392-9622-59209801D391}"/>
+              </a:ext>
+            </a:extLst>
+          </p:cNvPr>
+          <p:cNvSpPr txBox="1"/>
+          <p:nvPr/>
+        </p:nvSpPr>
+        <p:spPr>
+          <a:xfrm>
+            <a:off x="10295605" y="2902053"/>
+            <a:ext cx="1660606" cy="369332"/>
+          </a:xfrm>
+          <a:prstGeom prst="rect">
+            <a:avLst/>
+          </a:prstGeom>
+          <a:noFill/>
+        </p:spPr>
+        <p:txBody>
+          <a:bodyPr wrap="square" rtlCol="0">
+            <a:spAutoFit/>
+          </a:bodyPr>
+          <a:lstStyle/>
+          <a:p>
+            <a:r>
+              <a:rPr lang="en-US" altLang="ko-KR" dirty="0"/>
+              <a:t>: </a:t>
+            </a:r>
+            <a:r>
+              <a:rPr lang="ko-KR" altLang="en-US" dirty="0"/>
+              <a:t>게임 종료</a:t>
+            </a:r>
+          </a:p>
+        </p:txBody>
+      </p:sp>
     </p:spTree>
     <p:extLst>
       <p:ext uri="{BB962C8B-B14F-4D97-AF65-F5344CB8AC3E}">
-        <p14:creationId xmlns:p14="http://schemas.microsoft.com/office/powerpoint/2010/main" val="1528453822"/>
+        <p14:creationId xmlns:p14="http://schemas.microsoft.com/office/powerpoint/2010/main" val="2786079309"/>
       </p:ext>
     </p:extLst>
   </p:cSld>
@@ -3750,7 +4266,7 @@
                   <a:schemeClr val="tx1"/>
                 </a:solidFill>
               </a:rPr>
-              <a:t>G.002 </a:t>
+              <a:t>G.001 </a:t>
             </a:r>
             <a:r>
               <a:rPr lang="ko-KR" altLang="en-US" sz="3200" dirty="0">
@@ -3758,13 +4274,8 @@
                   <a:schemeClr val="tx1"/>
                 </a:solidFill>
               </a:rPr>
-              <a:t>클리어 화면</a:t>
-            </a:r>
-            <a:endParaRPr lang="en-US" altLang="ko-KR" sz="3200" dirty="0">
-              <a:solidFill>
-                <a:schemeClr val="tx1"/>
-              </a:solidFill>
-            </a:endParaRPr>
+              <a:t>게임 화면</a:t>
+            </a:r>
           </a:p>
         </p:txBody>
       </p:sp>
@@ -3805,7 +4316,7 @@
                   <a:srgbClr val="FF0000"/>
                 </a:solidFill>
               </a:rPr>
-              <a:t>설명</a:t>
+              <a:t>기능</a:t>
             </a:r>
             <a:endParaRPr lang="en-US" altLang="ko-KR" dirty="0">
               <a:solidFill>
@@ -3815,10 +4326,3456 @@
           </a:p>
         </p:txBody>
       </p:sp>
+      <p:sp>
+        <p:nvSpPr>
+          <p:cNvPr id="8" name="정육면체 7">
+            <a:extLst>
+              <a:ext uri="{FF2B5EF4-FFF2-40B4-BE49-F238E27FC236}">
+                <a16:creationId xmlns:a16="http://schemas.microsoft.com/office/drawing/2014/main" id="{9B3B067D-B77D-4DCD-98BE-8D54AEDB57F1}"/>
+              </a:ext>
+            </a:extLst>
+          </p:cNvPr>
+          <p:cNvSpPr/>
+          <p:nvPr/>
+        </p:nvSpPr>
+        <p:spPr>
+          <a:xfrm>
+            <a:off x="8032275" y="1845578"/>
+            <a:ext cx="612397" cy="529948"/>
+          </a:xfrm>
+          <a:prstGeom prst="cube">
+            <a:avLst/>
+          </a:prstGeom>
+          <a:solidFill>
+            <a:schemeClr val="accent4">
+              <a:lumMod val="60000"/>
+              <a:lumOff val="40000"/>
+            </a:schemeClr>
+          </a:solidFill>
+          <a:ln>
+            <a:solidFill>
+              <a:schemeClr val="tx1"/>
+            </a:solidFill>
+          </a:ln>
+        </p:spPr>
+        <p:style>
+          <a:lnRef idx="2">
+            <a:schemeClr val="accent1">
+              <a:shade val="50000"/>
+            </a:schemeClr>
+          </a:lnRef>
+          <a:fillRef idx="1">
+            <a:schemeClr val="accent1"/>
+          </a:fillRef>
+          <a:effectRef idx="0">
+            <a:schemeClr val="accent1"/>
+          </a:effectRef>
+          <a:fontRef idx="minor">
+            <a:schemeClr val="lt1"/>
+          </a:fontRef>
+        </p:style>
+        <p:txBody>
+          <a:bodyPr rtlCol="0" anchor="b"/>
+          <a:lstStyle/>
+          <a:p>
+            <a:pPr algn="l">
+              <a:lnSpc>
+                <a:spcPct val="200000"/>
+              </a:lnSpc>
+            </a:pPr>
+            <a:endParaRPr lang="ko-KR" altLang="en-US" dirty="0">
+              <a:solidFill>
+                <a:schemeClr val="tx1"/>
+              </a:solidFill>
+            </a:endParaRPr>
+          </a:p>
+        </p:txBody>
+      </p:sp>
+      <p:sp>
+        <p:nvSpPr>
+          <p:cNvPr id="9" name="사각형: 둥근 모서리 8">
+            <a:extLst>
+              <a:ext uri="{FF2B5EF4-FFF2-40B4-BE49-F238E27FC236}">
+                <a16:creationId xmlns:a16="http://schemas.microsoft.com/office/drawing/2014/main" id="{4A0330B0-C8F3-4B92-8BE7-4104C8F55445}"/>
+              </a:ext>
+            </a:extLst>
+          </p:cNvPr>
+          <p:cNvSpPr/>
+          <p:nvPr/>
+        </p:nvSpPr>
+        <p:spPr>
+          <a:xfrm>
+            <a:off x="1954635" y="946298"/>
+            <a:ext cx="5016616" cy="369332"/>
+          </a:xfrm>
+          <a:prstGeom prst="roundRect">
+            <a:avLst/>
+          </a:prstGeom>
+          <a:gradFill flip="none" rotWithShape="1">
+            <a:gsLst>
+              <a:gs pos="0">
+                <a:srgbClr val="FF0000">
+                  <a:tint val="66000"/>
+                  <a:satMod val="160000"/>
+                </a:srgbClr>
+              </a:gs>
+              <a:gs pos="50000">
+                <a:srgbClr val="FF0000">
+                  <a:tint val="44500"/>
+                  <a:satMod val="160000"/>
+                </a:srgbClr>
+              </a:gs>
+              <a:gs pos="100000">
+                <a:srgbClr val="FF0000">
+                  <a:tint val="23500"/>
+                  <a:satMod val="160000"/>
+                </a:srgbClr>
+              </a:gs>
+            </a:gsLst>
+            <a:lin ang="0" scaled="1"/>
+            <a:tileRect/>
+          </a:gradFill>
+          <a:ln>
+            <a:solidFill>
+              <a:schemeClr val="tx1"/>
+            </a:solidFill>
+          </a:ln>
+        </p:spPr>
+        <p:style>
+          <a:lnRef idx="2">
+            <a:schemeClr val="accent1">
+              <a:shade val="50000"/>
+            </a:schemeClr>
+          </a:lnRef>
+          <a:fillRef idx="1">
+            <a:schemeClr val="accent1"/>
+          </a:fillRef>
+          <a:effectRef idx="0">
+            <a:schemeClr val="accent1"/>
+          </a:effectRef>
+          <a:fontRef idx="minor">
+            <a:schemeClr val="lt1"/>
+          </a:fontRef>
+        </p:style>
+        <p:txBody>
+          <a:bodyPr rtlCol="0" anchor="b"/>
+          <a:lstStyle/>
+          <a:p>
+            <a:pPr algn="l">
+              <a:lnSpc>
+                <a:spcPct val="200000"/>
+              </a:lnSpc>
+            </a:pPr>
+            <a:endParaRPr lang="ko-KR" altLang="en-US" dirty="0">
+              <a:solidFill>
+                <a:schemeClr val="tx1"/>
+              </a:solidFill>
+            </a:endParaRPr>
+          </a:p>
+        </p:txBody>
+      </p:sp>
+      <p:sp>
+        <p:nvSpPr>
+          <p:cNvPr id="11" name="번개 10">
+            <a:extLst>
+              <a:ext uri="{FF2B5EF4-FFF2-40B4-BE49-F238E27FC236}">
+                <a16:creationId xmlns:a16="http://schemas.microsoft.com/office/drawing/2014/main" id="{34B56129-1AA5-457B-8F5F-8A70E8783EE6}"/>
+              </a:ext>
+            </a:extLst>
+          </p:cNvPr>
+          <p:cNvSpPr/>
+          <p:nvPr/>
+        </p:nvSpPr>
+        <p:spPr>
+          <a:xfrm rot="7143313">
+            <a:off x="1512653" y="980020"/>
+            <a:ext cx="377687" cy="369332"/>
+          </a:xfrm>
+          <a:prstGeom prst="lightningBolt">
+            <a:avLst/>
+          </a:prstGeom>
+          <a:solidFill>
+            <a:schemeClr val="accent1">
+              <a:lumMod val="20000"/>
+              <a:lumOff val="80000"/>
+            </a:schemeClr>
+          </a:solidFill>
+          <a:ln>
+            <a:solidFill>
+              <a:schemeClr val="tx1"/>
+            </a:solidFill>
+          </a:ln>
+        </p:spPr>
+        <p:style>
+          <a:lnRef idx="2">
+            <a:schemeClr val="accent1">
+              <a:shade val="50000"/>
+            </a:schemeClr>
+          </a:lnRef>
+          <a:fillRef idx="1">
+            <a:schemeClr val="accent1"/>
+          </a:fillRef>
+          <a:effectRef idx="0">
+            <a:schemeClr val="accent1"/>
+          </a:effectRef>
+          <a:fontRef idx="minor">
+            <a:schemeClr val="lt1"/>
+          </a:fontRef>
+        </p:style>
+        <p:txBody>
+          <a:bodyPr rtlCol="0" anchor="b"/>
+          <a:lstStyle/>
+          <a:p>
+            <a:pPr algn="l">
+              <a:lnSpc>
+                <a:spcPct val="200000"/>
+              </a:lnSpc>
+            </a:pPr>
+            <a:endParaRPr lang="ko-KR" altLang="en-US" dirty="0">
+              <a:solidFill>
+                <a:schemeClr val="tx1"/>
+              </a:solidFill>
+            </a:endParaRPr>
+          </a:p>
+        </p:txBody>
+      </p:sp>
+      <p:sp>
+        <p:nvSpPr>
+          <p:cNvPr id="12" name="사각형: 둥근 모서리 11">
+            <a:extLst>
+              <a:ext uri="{FF2B5EF4-FFF2-40B4-BE49-F238E27FC236}">
+                <a16:creationId xmlns:a16="http://schemas.microsoft.com/office/drawing/2014/main" id="{79078CF4-568F-44A8-A332-88DE794EAB28}"/>
+              </a:ext>
+            </a:extLst>
+          </p:cNvPr>
+          <p:cNvSpPr/>
+          <p:nvPr/>
+        </p:nvSpPr>
+        <p:spPr>
+          <a:xfrm>
+            <a:off x="9616399" y="1558309"/>
+            <a:ext cx="509114" cy="253306"/>
+          </a:xfrm>
+          <a:prstGeom prst="roundRect">
+            <a:avLst/>
+          </a:prstGeom>
+          <a:gradFill flip="none" rotWithShape="1">
+            <a:gsLst>
+              <a:gs pos="0">
+                <a:srgbClr val="FF0000">
+                  <a:tint val="66000"/>
+                  <a:satMod val="160000"/>
+                </a:srgbClr>
+              </a:gs>
+              <a:gs pos="50000">
+                <a:srgbClr val="FF0000">
+                  <a:tint val="44500"/>
+                  <a:satMod val="160000"/>
+                </a:srgbClr>
+              </a:gs>
+              <a:gs pos="100000">
+                <a:srgbClr val="FF0000">
+                  <a:tint val="23500"/>
+                  <a:satMod val="160000"/>
+                </a:srgbClr>
+              </a:gs>
+            </a:gsLst>
+            <a:lin ang="0" scaled="1"/>
+            <a:tileRect/>
+          </a:gradFill>
+          <a:ln>
+            <a:solidFill>
+              <a:schemeClr val="tx1"/>
+            </a:solidFill>
+          </a:ln>
+        </p:spPr>
+        <p:style>
+          <a:lnRef idx="2">
+            <a:schemeClr val="accent1">
+              <a:shade val="50000"/>
+            </a:schemeClr>
+          </a:lnRef>
+          <a:fillRef idx="1">
+            <a:schemeClr val="accent1"/>
+          </a:fillRef>
+          <a:effectRef idx="0">
+            <a:schemeClr val="accent1"/>
+          </a:effectRef>
+          <a:fontRef idx="minor">
+            <a:schemeClr val="lt1"/>
+          </a:fontRef>
+        </p:style>
+        <p:txBody>
+          <a:bodyPr rtlCol="0" anchor="b"/>
+          <a:lstStyle/>
+          <a:p>
+            <a:pPr algn="l">
+              <a:lnSpc>
+                <a:spcPct val="200000"/>
+              </a:lnSpc>
+            </a:pPr>
+            <a:endParaRPr lang="ko-KR" altLang="en-US" dirty="0">
+              <a:solidFill>
+                <a:schemeClr val="tx1"/>
+              </a:solidFill>
+            </a:endParaRPr>
+          </a:p>
+        </p:txBody>
+      </p:sp>
+      <p:sp>
+        <p:nvSpPr>
+          <p:cNvPr id="13" name="번개 12">
+            <a:extLst>
+              <a:ext uri="{FF2B5EF4-FFF2-40B4-BE49-F238E27FC236}">
+                <a16:creationId xmlns:a16="http://schemas.microsoft.com/office/drawing/2014/main" id="{BFB9CDC5-1E89-4A5D-9EA8-7144F188FCB7}"/>
+              </a:ext>
+            </a:extLst>
+          </p:cNvPr>
+          <p:cNvSpPr/>
+          <p:nvPr/>
+        </p:nvSpPr>
+        <p:spPr>
+          <a:xfrm rot="7143313">
+            <a:off x="9367862" y="1636220"/>
+            <a:ext cx="188139" cy="171139"/>
+          </a:xfrm>
+          <a:prstGeom prst="lightningBolt">
+            <a:avLst/>
+          </a:prstGeom>
+          <a:solidFill>
+            <a:schemeClr val="accent1">
+              <a:lumMod val="20000"/>
+              <a:lumOff val="80000"/>
+            </a:schemeClr>
+          </a:solidFill>
+          <a:ln>
+            <a:solidFill>
+              <a:schemeClr val="tx1"/>
+            </a:solidFill>
+          </a:ln>
+        </p:spPr>
+        <p:style>
+          <a:lnRef idx="2">
+            <a:schemeClr val="accent1">
+              <a:shade val="50000"/>
+            </a:schemeClr>
+          </a:lnRef>
+          <a:fillRef idx="1">
+            <a:schemeClr val="accent1"/>
+          </a:fillRef>
+          <a:effectRef idx="0">
+            <a:schemeClr val="accent1"/>
+          </a:effectRef>
+          <a:fontRef idx="minor">
+            <a:schemeClr val="lt1"/>
+          </a:fontRef>
+        </p:style>
+        <p:txBody>
+          <a:bodyPr rtlCol="0" anchor="b"/>
+          <a:lstStyle/>
+          <a:p>
+            <a:pPr algn="l">
+              <a:lnSpc>
+                <a:spcPct val="200000"/>
+              </a:lnSpc>
+            </a:pPr>
+            <a:endParaRPr lang="ko-KR" altLang="en-US" dirty="0">
+              <a:solidFill>
+                <a:schemeClr val="tx1"/>
+              </a:solidFill>
+            </a:endParaRPr>
+          </a:p>
+        </p:txBody>
+      </p:sp>
+      <p:sp>
+        <p:nvSpPr>
+          <p:cNvPr id="14" name="TextBox 13">
+            <a:extLst>
+              <a:ext uri="{FF2B5EF4-FFF2-40B4-BE49-F238E27FC236}">
+                <a16:creationId xmlns:a16="http://schemas.microsoft.com/office/drawing/2014/main" id="{AF201AD7-96E7-4419-A624-58DA1FCF8C7E}"/>
+              </a:ext>
+            </a:extLst>
+          </p:cNvPr>
+          <p:cNvSpPr txBox="1"/>
+          <p:nvPr/>
+        </p:nvSpPr>
+        <p:spPr>
+          <a:xfrm>
+            <a:off x="10192624" y="1500296"/>
+            <a:ext cx="1721569" cy="369332"/>
+          </a:xfrm>
+          <a:prstGeom prst="rect">
+            <a:avLst/>
+          </a:prstGeom>
+          <a:noFill/>
+        </p:spPr>
+        <p:txBody>
+          <a:bodyPr wrap="square" rtlCol="0">
+            <a:spAutoFit/>
+          </a:bodyPr>
+          <a:lstStyle/>
+          <a:p>
+            <a:r>
+              <a:rPr lang="en-US" altLang="ko-KR" dirty="0"/>
+              <a:t>: </a:t>
+            </a:r>
+            <a:r>
+              <a:rPr lang="ko-KR" altLang="en-US" dirty="0"/>
+              <a:t>배터리</a:t>
+            </a:r>
+            <a:r>
+              <a:rPr lang="en-US" altLang="ko-KR" dirty="0"/>
+              <a:t>(</a:t>
+            </a:r>
+            <a:r>
+              <a:rPr lang="ko-KR" altLang="en-US" dirty="0"/>
+              <a:t>체력</a:t>
+            </a:r>
+            <a:r>
+              <a:rPr lang="en-US" altLang="ko-KR" dirty="0"/>
+              <a:t>)</a:t>
+            </a:r>
+            <a:endParaRPr lang="ko-KR" altLang="en-US" dirty="0"/>
+          </a:p>
+        </p:txBody>
+      </p:sp>
+      <p:sp>
+        <p:nvSpPr>
+          <p:cNvPr id="15" name="정육면체 14">
+            <a:extLst>
+              <a:ext uri="{FF2B5EF4-FFF2-40B4-BE49-F238E27FC236}">
+                <a16:creationId xmlns:a16="http://schemas.microsoft.com/office/drawing/2014/main" id="{12E498A9-3446-48AC-BB99-00EAA056E5E0}"/>
+              </a:ext>
+            </a:extLst>
+          </p:cNvPr>
+          <p:cNvSpPr/>
+          <p:nvPr/>
+        </p:nvSpPr>
+        <p:spPr>
+          <a:xfrm>
+            <a:off x="9661231" y="2088885"/>
+            <a:ext cx="419449" cy="369332"/>
+          </a:xfrm>
+          <a:prstGeom prst="cube">
+            <a:avLst/>
+          </a:prstGeom>
+          <a:solidFill>
+            <a:schemeClr val="accent4">
+              <a:lumMod val="60000"/>
+              <a:lumOff val="40000"/>
+            </a:schemeClr>
+          </a:solidFill>
+          <a:ln>
+            <a:solidFill>
+              <a:schemeClr val="tx1"/>
+            </a:solidFill>
+          </a:ln>
+        </p:spPr>
+        <p:style>
+          <a:lnRef idx="2">
+            <a:schemeClr val="accent1">
+              <a:shade val="50000"/>
+            </a:schemeClr>
+          </a:lnRef>
+          <a:fillRef idx="1">
+            <a:schemeClr val="accent1"/>
+          </a:fillRef>
+          <a:effectRef idx="0">
+            <a:schemeClr val="accent1"/>
+          </a:effectRef>
+          <a:fontRef idx="minor">
+            <a:schemeClr val="lt1"/>
+          </a:fontRef>
+        </p:style>
+        <p:txBody>
+          <a:bodyPr rtlCol="0" anchor="b"/>
+          <a:lstStyle/>
+          <a:p>
+            <a:pPr algn="l">
+              <a:lnSpc>
+                <a:spcPct val="200000"/>
+              </a:lnSpc>
+            </a:pPr>
+            <a:endParaRPr lang="ko-KR" altLang="en-US" dirty="0">
+              <a:solidFill>
+                <a:schemeClr val="tx1"/>
+              </a:solidFill>
+            </a:endParaRPr>
+          </a:p>
+        </p:txBody>
+      </p:sp>
+      <p:sp>
+        <p:nvSpPr>
+          <p:cNvPr id="16" name="TextBox 15">
+            <a:extLst>
+              <a:ext uri="{FF2B5EF4-FFF2-40B4-BE49-F238E27FC236}">
+                <a16:creationId xmlns:a16="http://schemas.microsoft.com/office/drawing/2014/main" id="{E84ABDB8-D471-4FFF-B219-E1F8C9865629}"/>
+              </a:ext>
+            </a:extLst>
+          </p:cNvPr>
+          <p:cNvSpPr txBox="1"/>
+          <p:nvPr/>
+        </p:nvSpPr>
+        <p:spPr>
+          <a:xfrm>
+            <a:off x="10153217" y="1997910"/>
+            <a:ext cx="1831470" cy="646331"/>
+          </a:xfrm>
+          <a:prstGeom prst="rect">
+            <a:avLst/>
+          </a:prstGeom>
+          <a:noFill/>
+        </p:spPr>
+        <p:txBody>
+          <a:bodyPr wrap="square" rtlCol="0">
+            <a:spAutoFit/>
+          </a:bodyPr>
+          <a:lstStyle/>
+          <a:p>
+            <a:r>
+              <a:rPr lang="en-US" altLang="ko-KR" dirty="0"/>
+              <a:t>: </a:t>
+            </a:r>
+            <a:r>
+              <a:rPr lang="ko-KR" altLang="en-US" dirty="0"/>
+              <a:t>아이템 상자</a:t>
+            </a:r>
+            <a:r>
+              <a:rPr lang="en-US" altLang="ko-KR" dirty="0"/>
+              <a:t>(</a:t>
+            </a:r>
+            <a:r>
+              <a:rPr lang="ko-KR" altLang="en-US" dirty="0"/>
+              <a:t>돋보기</a:t>
+            </a:r>
+            <a:r>
+              <a:rPr lang="en-US" altLang="ko-KR" dirty="0"/>
+              <a:t>,</a:t>
+            </a:r>
+            <a:r>
+              <a:rPr lang="ko-KR" altLang="en-US" dirty="0"/>
+              <a:t>보급품</a:t>
+            </a:r>
+            <a:r>
+              <a:rPr lang="en-US" altLang="ko-KR" dirty="0"/>
+              <a:t>)</a:t>
+            </a:r>
+            <a:endParaRPr lang="ko-KR" altLang="en-US" dirty="0"/>
+          </a:p>
+        </p:txBody>
+      </p:sp>
+      <p:pic>
+        <p:nvPicPr>
+          <p:cNvPr id="2050" name="Picture 2" descr="간단한 드론 아이콘 흑백 | 프리미엄 벡터">
+            <a:extLst>
+              <a:ext uri="{FF2B5EF4-FFF2-40B4-BE49-F238E27FC236}">
+                <a16:creationId xmlns:a16="http://schemas.microsoft.com/office/drawing/2014/main" id="{1909AFF6-641D-4B39-B9D1-0B35BD64D02C}"/>
+              </a:ext>
+            </a:extLst>
+          </p:cNvPr>
+          <p:cNvPicPr>
+            <a:picLocks noChangeAspect="1" noChangeArrowheads="1"/>
+          </p:cNvPicPr>
+          <p:nvPr/>
+        </p:nvPicPr>
+        <p:blipFill>
+          <a:blip r:embed="rId2">
+            <a:extLst>
+              <a:ext uri="{28A0092B-C50C-407E-A947-70E740481C1C}">
+                <a14:useLocalDpi xmlns:a14="http://schemas.microsoft.com/office/drawing/2010/main" val="0"/>
+              </a:ext>
+            </a:extLst>
+          </a:blip>
+          <a:srcRect/>
+          <a:stretch>
+            <a:fillRect/>
+          </a:stretch>
+        </p:blipFill>
+        <p:spPr bwMode="auto">
+          <a:xfrm>
+            <a:off x="3349079" y="5693841"/>
+            <a:ext cx="2705100" cy="1000257"/>
+          </a:xfrm>
+          <a:prstGeom prst="rect">
+            <a:avLst/>
+          </a:prstGeom>
+          <a:noFill/>
+          <a:extLst>
+            <a:ext uri="{909E8E84-426E-40DD-AFC4-6F175D3DCCD1}">
+              <a14:hiddenFill xmlns:a14="http://schemas.microsoft.com/office/drawing/2010/main">
+                <a:solidFill>
+                  <a:srgbClr val="FFFFFF"/>
+                </a:solidFill>
+              </a14:hiddenFill>
+            </a:ext>
+          </a:extLst>
+        </p:spPr>
+      </p:pic>
+      <p:sp>
+        <p:nvSpPr>
+          <p:cNvPr id="18" name="정육면체 17">
+            <a:extLst>
+              <a:ext uri="{FF2B5EF4-FFF2-40B4-BE49-F238E27FC236}">
+                <a16:creationId xmlns:a16="http://schemas.microsoft.com/office/drawing/2014/main" id="{6C9638BE-5659-4217-9F29-764F5046433E}"/>
+              </a:ext>
+            </a:extLst>
+          </p:cNvPr>
+          <p:cNvSpPr/>
+          <p:nvPr/>
+        </p:nvSpPr>
+        <p:spPr>
+          <a:xfrm>
+            <a:off x="1089099" y="3320292"/>
+            <a:ext cx="612397" cy="529948"/>
+          </a:xfrm>
+          <a:prstGeom prst="cube">
+            <a:avLst/>
+          </a:prstGeom>
+          <a:solidFill>
+            <a:schemeClr val="accent4">
+              <a:lumMod val="60000"/>
+              <a:lumOff val="40000"/>
+            </a:schemeClr>
+          </a:solidFill>
+          <a:ln>
+            <a:solidFill>
+              <a:schemeClr val="tx1"/>
+            </a:solidFill>
+          </a:ln>
+        </p:spPr>
+        <p:style>
+          <a:lnRef idx="2">
+            <a:schemeClr val="accent1">
+              <a:shade val="50000"/>
+            </a:schemeClr>
+          </a:lnRef>
+          <a:fillRef idx="1">
+            <a:schemeClr val="accent1"/>
+          </a:fillRef>
+          <a:effectRef idx="0">
+            <a:schemeClr val="accent1"/>
+          </a:effectRef>
+          <a:fontRef idx="minor">
+            <a:schemeClr val="lt1"/>
+          </a:fontRef>
+        </p:style>
+        <p:txBody>
+          <a:bodyPr rtlCol="0" anchor="b"/>
+          <a:lstStyle/>
+          <a:p>
+            <a:pPr algn="l">
+              <a:lnSpc>
+                <a:spcPct val="200000"/>
+              </a:lnSpc>
+            </a:pPr>
+            <a:endParaRPr lang="ko-KR" altLang="en-US" dirty="0">
+              <a:solidFill>
+                <a:schemeClr val="tx1"/>
+              </a:solidFill>
+            </a:endParaRPr>
+          </a:p>
+        </p:txBody>
+      </p:sp>
+      <p:sp>
+        <p:nvSpPr>
+          <p:cNvPr id="19" name="정육면체 18">
+            <a:extLst>
+              <a:ext uri="{FF2B5EF4-FFF2-40B4-BE49-F238E27FC236}">
+                <a16:creationId xmlns:a16="http://schemas.microsoft.com/office/drawing/2014/main" id="{34A7ECDA-1E4B-4BF5-B1A3-F4018AB2C260}"/>
+              </a:ext>
+            </a:extLst>
+          </p:cNvPr>
+          <p:cNvSpPr/>
+          <p:nvPr/>
+        </p:nvSpPr>
+        <p:spPr>
+          <a:xfrm>
+            <a:off x="2462168" y="1677798"/>
+            <a:ext cx="461564" cy="456804"/>
+          </a:xfrm>
+          <a:prstGeom prst="cube">
+            <a:avLst/>
+          </a:prstGeom>
+          <a:solidFill>
+            <a:schemeClr val="accent4">
+              <a:lumMod val="60000"/>
+              <a:lumOff val="40000"/>
+            </a:schemeClr>
+          </a:solidFill>
+          <a:ln>
+            <a:solidFill>
+              <a:schemeClr val="tx1"/>
+            </a:solidFill>
+          </a:ln>
+        </p:spPr>
+        <p:style>
+          <a:lnRef idx="2">
+            <a:schemeClr val="accent1">
+              <a:shade val="50000"/>
+            </a:schemeClr>
+          </a:lnRef>
+          <a:fillRef idx="1">
+            <a:schemeClr val="accent1"/>
+          </a:fillRef>
+          <a:effectRef idx="0">
+            <a:schemeClr val="accent1"/>
+          </a:effectRef>
+          <a:fontRef idx="minor">
+            <a:schemeClr val="lt1"/>
+          </a:fontRef>
+        </p:style>
+        <p:txBody>
+          <a:bodyPr rtlCol="0" anchor="b"/>
+          <a:lstStyle/>
+          <a:p>
+            <a:pPr algn="l">
+              <a:lnSpc>
+                <a:spcPct val="200000"/>
+              </a:lnSpc>
+            </a:pPr>
+            <a:endParaRPr lang="ko-KR" altLang="en-US" dirty="0">
+              <a:solidFill>
+                <a:schemeClr val="tx1"/>
+              </a:solidFill>
+            </a:endParaRPr>
+          </a:p>
+        </p:txBody>
+      </p:sp>
+      <p:sp>
+        <p:nvSpPr>
+          <p:cNvPr id="20" name="정육면체 19">
+            <a:extLst>
+              <a:ext uri="{FF2B5EF4-FFF2-40B4-BE49-F238E27FC236}">
+                <a16:creationId xmlns:a16="http://schemas.microsoft.com/office/drawing/2014/main" id="{262B17A9-1AE5-4BFF-ABAD-8CD61EE06213}"/>
+              </a:ext>
+            </a:extLst>
+          </p:cNvPr>
+          <p:cNvSpPr/>
+          <p:nvPr/>
+        </p:nvSpPr>
+        <p:spPr>
+          <a:xfrm>
+            <a:off x="7376907" y="3927417"/>
+            <a:ext cx="459997" cy="393324"/>
+          </a:xfrm>
+          <a:prstGeom prst="cube">
+            <a:avLst/>
+          </a:prstGeom>
+          <a:solidFill>
+            <a:schemeClr val="accent4">
+              <a:lumMod val="60000"/>
+              <a:lumOff val="40000"/>
+            </a:schemeClr>
+          </a:solidFill>
+          <a:ln>
+            <a:solidFill>
+              <a:schemeClr val="tx1"/>
+            </a:solidFill>
+          </a:ln>
+        </p:spPr>
+        <p:style>
+          <a:lnRef idx="2">
+            <a:schemeClr val="accent1">
+              <a:shade val="50000"/>
+            </a:schemeClr>
+          </a:lnRef>
+          <a:fillRef idx="1">
+            <a:schemeClr val="accent1"/>
+          </a:fillRef>
+          <a:effectRef idx="0">
+            <a:schemeClr val="accent1"/>
+          </a:effectRef>
+          <a:fontRef idx="minor">
+            <a:schemeClr val="lt1"/>
+          </a:fontRef>
+        </p:style>
+        <p:txBody>
+          <a:bodyPr rtlCol="0" anchor="b"/>
+          <a:lstStyle/>
+          <a:p>
+            <a:pPr algn="l">
+              <a:lnSpc>
+                <a:spcPct val="200000"/>
+              </a:lnSpc>
+            </a:pPr>
+            <a:endParaRPr lang="ko-KR" altLang="en-US" dirty="0">
+              <a:solidFill>
+                <a:schemeClr val="tx1"/>
+              </a:solidFill>
+            </a:endParaRPr>
+          </a:p>
+        </p:txBody>
+      </p:sp>
+      <p:sp>
+        <p:nvSpPr>
+          <p:cNvPr id="17" name="이등변 삼각형 16">
+            <a:extLst>
+              <a:ext uri="{FF2B5EF4-FFF2-40B4-BE49-F238E27FC236}">
+                <a16:creationId xmlns:a16="http://schemas.microsoft.com/office/drawing/2014/main" id="{2750AACA-D124-46FA-8464-B9FF72046DFE}"/>
+              </a:ext>
+            </a:extLst>
+          </p:cNvPr>
+          <p:cNvSpPr/>
+          <p:nvPr/>
+        </p:nvSpPr>
+        <p:spPr>
+          <a:xfrm>
+            <a:off x="239156" y="3355983"/>
+            <a:ext cx="684960" cy="1142869"/>
+          </a:xfrm>
+          <a:prstGeom prst="triangle">
+            <a:avLst/>
+          </a:prstGeom>
+          <a:solidFill>
+            <a:schemeClr val="accent6">
+              <a:lumMod val="75000"/>
+            </a:schemeClr>
+          </a:solidFill>
+          <a:ln>
+            <a:solidFill>
+              <a:schemeClr val="tx1"/>
+            </a:solidFill>
+          </a:ln>
+        </p:spPr>
+        <p:style>
+          <a:lnRef idx="2">
+            <a:schemeClr val="accent1">
+              <a:shade val="50000"/>
+            </a:schemeClr>
+          </a:lnRef>
+          <a:fillRef idx="1">
+            <a:schemeClr val="accent1"/>
+          </a:fillRef>
+          <a:effectRef idx="0">
+            <a:schemeClr val="accent1"/>
+          </a:effectRef>
+          <a:fontRef idx="minor">
+            <a:schemeClr val="lt1"/>
+          </a:fontRef>
+        </p:style>
+        <p:txBody>
+          <a:bodyPr rtlCol="0" anchor="b"/>
+          <a:lstStyle/>
+          <a:p>
+            <a:pPr algn="l">
+              <a:lnSpc>
+                <a:spcPct val="200000"/>
+              </a:lnSpc>
+            </a:pPr>
+            <a:endParaRPr lang="ko-KR" altLang="en-US" dirty="0">
+              <a:solidFill>
+                <a:schemeClr val="tx1"/>
+              </a:solidFill>
+            </a:endParaRPr>
+          </a:p>
+        </p:txBody>
+      </p:sp>
+      <p:sp>
+        <p:nvSpPr>
+          <p:cNvPr id="23" name="이등변 삼각형 22">
+            <a:extLst>
+              <a:ext uri="{FF2B5EF4-FFF2-40B4-BE49-F238E27FC236}">
+                <a16:creationId xmlns:a16="http://schemas.microsoft.com/office/drawing/2014/main" id="{E7FFF3E1-3693-4737-B4A4-1B10B05406FA}"/>
+              </a:ext>
+            </a:extLst>
+          </p:cNvPr>
+          <p:cNvSpPr/>
+          <p:nvPr/>
+        </p:nvSpPr>
+        <p:spPr>
+          <a:xfrm>
+            <a:off x="6201286" y="2458217"/>
+            <a:ext cx="612397" cy="970783"/>
+          </a:xfrm>
+          <a:prstGeom prst="triangle">
+            <a:avLst/>
+          </a:prstGeom>
+          <a:solidFill>
+            <a:schemeClr val="accent6">
+              <a:lumMod val="75000"/>
+            </a:schemeClr>
+          </a:solidFill>
+          <a:ln>
+            <a:solidFill>
+              <a:schemeClr val="tx1"/>
+            </a:solidFill>
+          </a:ln>
+        </p:spPr>
+        <p:style>
+          <a:lnRef idx="2">
+            <a:schemeClr val="accent1">
+              <a:shade val="50000"/>
+            </a:schemeClr>
+          </a:lnRef>
+          <a:fillRef idx="1">
+            <a:schemeClr val="accent1"/>
+          </a:fillRef>
+          <a:effectRef idx="0">
+            <a:schemeClr val="accent1"/>
+          </a:effectRef>
+          <a:fontRef idx="minor">
+            <a:schemeClr val="lt1"/>
+          </a:fontRef>
+        </p:style>
+        <p:txBody>
+          <a:bodyPr rtlCol="0" anchor="b"/>
+          <a:lstStyle/>
+          <a:p>
+            <a:pPr algn="l">
+              <a:lnSpc>
+                <a:spcPct val="200000"/>
+              </a:lnSpc>
+            </a:pPr>
+            <a:endParaRPr lang="ko-KR" altLang="en-US" dirty="0">
+              <a:solidFill>
+                <a:schemeClr val="tx1"/>
+              </a:solidFill>
+            </a:endParaRPr>
+          </a:p>
+        </p:txBody>
+      </p:sp>
+      <p:sp>
+        <p:nvSpPr>
+          <p:cNvPr id="24" name="이등변 삼각형 23">
+            <a:extLst>
+              <a:ext uri="{FF2B5EF4-FFF2-40B4-BE49-F238E27FC236}">
+                <a16:creationId xmlns:a16="http://schemas.microsoft.com/office/drawing/2014/main" id="{994BA538-1A75-4CD2-868C-824C4EDECC30}"/>
+              </a:ext>
+            </a:extLst>
+          </p:cNvPr>
+          <p:cNvSpPr/>
+          <p:nvPr/>
+        </p:nvSpPr>
+        <p:spPr>
+          <a:xfrm>
+            <a:off x="9618083" y="2686315"/>
+            <a:ext cx="356427" cy="442780"/>
+          </a:xfrm>
+          <a:prstGeom prst="triangle">
+            <a:avLst/>
+          </a:prstGeom>
+          <a:solidFill>
+            <a:schemeClr val="accent6">
+              <a:lumMod val="75000"/>
+            </a:schemeClr>
+          </a:solidFill>
+          <a:ln>
+            <a:solidFill>
+              <a:schemeClr val="tx1"/>
+            </a:solidFill>
+          </a:ln>
+        </p:spPr>
+        <p:style>
+          <a:lnRef idx="2">
+            <a:schemeClr val="accent1">
+              <a:shade val="50000"/>
+            </a:schemeClr>
+          </a:lnRef>
+          <a:fillRef idx="1">
+            <a:schemeClr val="accent1"/>
+          </a:fillRef>
+          <a:effectRef idx="0">
+            <a:schemeClr val="accent1"/>
+          </a:effectRef>
+          <a:fontRef idx="minor">
+            <a:schemeClr val="lt1"/>
+          </a:fontRef>
+        </p:style>
+        <p:txBody>
+          <a:bodyPr rtlCol="0" anchor="b"/>
+          <a:lstStyle/>
+          <a:p>
+            <a:pPr algn="l">
+              <a:lnSpc>
+                <a:spcPct val="200000"/>
+              </a:lnSpc>
+            </a:pPr>
+            <a:endParaRPr lang="ko-KR" altLang="en-US" dirty="0">
+              <a:solidFill>
+                <a:schemeClr val="tx1"/>
+              </a:solidFill>
+            </a:endParaRPr>
+          </a:p>
+        </p:txBody>
+      </p:sp>
+      <p:sp>
+        <p:nvSpPr>
+          <p:cNvPr id="21" name="TextBox 20">
+            <a:extLst>
+              <a:ext uri="{FF2B5EF4-FFF2-40B4-BE49-F238E27FC236}">
+                <a16:creationId xmlns:a16="http://schemas.microsoft.com/office/drawing/2014/main" id="{58A32A70-025D-4AD2-93BF-8860B91943D9}"/>
+              </a:ext>
+            </a:extLst>
+          </p:cNvPr>
+          <p:cNvSpPr txBox="1"/>
+          <p:nvPr/>
+        </p:nvSpPr>
+        <p:spPr>
+          <a:xfrm>
+            <a:off x="10080680" y="2759763"/>
+            <a:ext cx="2276303" cy="369332"/>
+          </a:xfrm>
+          <a:prstGeom prst="rect">
+            <a:avLst/>
+          </a:prstGeom>
+          <a:noFill/>
+        </p:spPr>
+        <p:txBody>
+          <a:bodyPr wrap="square" rtlCol="0">
+            <a:spAutoFit/>
+          </a:bodyPr>
+          <a:lstStyle/>
+          <a:p>
+            <a:r>
+              <a:rPr lang="en-US" altLang="ko-KR" dirty="0"/>
+              <a:t>: </a:t>
+            </a:r>
+            <a:r>
+              <a:rPr lang="ko-KR" altLang="en-US" dirty="0"/>
+              <a:t>선인장</a:t>
+            </a:r>
+            <a:r>
+              <a:rPr lang="en-US" altLang="ko-KR" dirty="0"/>
+              <a:t>(</a:t>
+            </a:r>
+            <a:r>
+              <a:rPr lang="ko-KR" altLang="en-US" dirty="0"/>
+              <a:t>방해요소</a:t>
+            </a:r>
+            <a:r>
+              <a:rPr lang="en-US" altLang="ko-KR" dirty="0"/>
+              <a:t>)</a:t>
+            </a:r>
+            <a:endParaRPr lang="ko-KR" altLang="en-US" dirty="0"/>
+          </a:p>
+        </p:txBody>
+      </p:sp>
+      <p:sp>
+        <p:nvSpPr>
+          <p:cNvPr id="26" name="이등변 삼각형 25">
+            <a:extLst>
+              <a:ext uri="{FF2B5EF4-FFF2-40B4-BE49-F238E27FC236}">
+                <a16:creationId xmlns:a16="http://schemas.microsoft.com/office/drawing/2014/main" id="{91809E77-3B64-4A58-BB68-FFD01409563B}"/>
+              </a:ext>
+            </a:extLst>
+          </p:cNvPr>
+          <p:cNvSpPr/>
+          <p:nvPr/>
+        </p:nvSpPr>
+        <p:spPr>
+          <a:xfrm>
+            <a:off x="6669763" y="5215224"/>
+            <a:ext cx="566167" cy="665672"/>
+          </a:xfrm>
+          <a:prstGeom prst="triangle">
+            <a:avLst/>
+          </a:prstGeom>
+          <a:solidFill>
+            <a:schemeClr val="accent6">
+              <a:lumMod val="75000"/>
+            </a:schemeClr>
+          </a:solidFill>
+          <a:ln>
+            <a:solidFill>
+              <a:schemeClr val="tx1"/>
+            </a:solidFill>
+          </a:ln>
+        </p:spPr>
+        <p:style>
+          <a:lnRef idx="2">
+            <a:schemeClr val="accent1">
+              <a:shade val="50000"/>
+            </a:schemeClr>
+          </a:lnRef>
+          <a:fillRef idx="1">
+            <a:schemeClr val="accent1"/>
+          </a:fillRef>
+          <a:effectRef idx="0">
+            <a:schemeClr val="accent1"/>
+          </a:effectRef>
+          <a:fontRef idx="minor">
+            <a:schemeClr val="lt1"/>
+          </a:fontRef>
+        </p:style>
+        <p:txBody>
+          <a:bodyPr rtlCol="0" anchor="b"/>
+          <a:lstStyle/>
+          <a:p>
+            <a:pPr algn="l">
+              <a:lnSpc>
+                <a:spcPct val="200000"/>
+              </a:lnSpc>
+            </a:pPr>
+            <a:endParaRPr lang="ko-KR" altLang="en-US" dirty="0">
+              <a:solidFill>
+                <a:schemeClr val="tx1"/>
+              </a:solidFill>
+            </a:endParaRPr>
+          </a:p>
+        </p:txBody>
+      </p:sp>
+      <p:pic>
+        <p:nvPicPr>
+          <p:cNvPr id="2052" name="Picture 4" descr="잘가라잘카">
+            <a:extLst>
+              <a:ext uri="{FF2B5EF4-FFF2-40B4-BE49-F238E27FC236}">
+                <a16:creationId xmlns:a16="http://schemas.microsoft.com/office/drawing/2014/main" id="{6C22A97A-FA0C-4ADA-ACB3-52708AA73007}"/>
+              </a:ext>
+            </a:extLst>
+          </p:cNvPr>
+          <p:cNvPicPr>
+            <a:picLocks noChangeAspect="1" noChangeArrowheads="1"/>
+          </p:cNvPicPr>
+          <p:nvPr/>
+        </p:nvPicPr>
+        <p:blipFill>
+          <a:blip r:embed="rId3">
+            <a:extLst>
+              <a:ext uri="{28A0092B-C50C-407E-A947-70E740481C1C}">
+                <a14:useLocalDpi xmlns:a14="http://schemas.microsoft.com/office/drawing/2010/main" val="0"/>
+              </a:ext>
+            </a:extLst>
+          </a:blip>
+          <a:srcRect/>
+          <a:stretch>
+            <a:fillRect/>
+          </a:stretch>
+        </p:blipFill>
+        <p:spPr bwMode="auto">
+          <a:xfrm>
+            <a:off x="171794" y="1869628"/>
+            <a:ext cx="784561" cy="784561"/>
+          </a:xfrm>
+          <a:prstGeom prst="rect">
+            <a:avLst/>
+          </a:prstGeom>
+          <a:noFill/>
+          <a:extLst>
+            <a:ext uri="{909E8E84-426E-40DD-AFC4-6F175D3DCCD1}">
+              <a14:hiddenFill xmlns:a14="http://schemas.microsoft.com/office/drawing/2010/main">
+                <a:solidFill>
+                  <a:srgbClr val="FFFFFF"/>
+                </a:solidFill>
+              </a14:hiddenFill>
+            </a:ext>
+          </a:extLst>
+        </p:spPr>
+      </p:pic>
+      <p:pic>
+        <p:nvPicPr>
+          <p:cNvPr id="2054" name="Picture 6" descr="잘가라잘카">
+            <a:extLst>
+              <a:ext uri="{FF2B5EF4-FFF2-40B4-BE49-F238E27FC236}">
+                <a16:creationId xmlns:a16="http://schemas.microsoft.com/office/drawing/2014/main" id="{ABA51197-C3FD-4D72-A5BC-1364A4CB7B50}"/>
+              </a:ext>
+            </a:extLst>
+          </p:cNvPr>
+          <p:cNvPicPr>
+            <a:picLocks noChangeAspect="1" noChangeArrowheads="1"/>
+          </p:cNvPicPr>
+          <p:nvPr/>
+        </p:nvPicPr>
+        <p:blipFill>
+          <a:blip r:embed="rId3">
+            <a:extLst>
+              <a:ext uri="{28A0092B-C50C-407E-A947-70E740481C1C}">
+                <a14:useLocalDpi xmlns:a14="http://schemas.microsoft.com/office/drawing/2010/main" val="0"/>
+              </a:ext>
+            </a:extLst>
+          </a:blip>
+          <a:srcRect/>
+          <a:stretch>
+            <a:fillRect/>
+          </a:stretch>
+        </p:blipFill>
+        <p:spPr bwMode="auto">
+          <a:xfrm>
+            <a:off x="4566117" y="2643684"/>
+            <a:ext cx="1424598" cy="1424598"/>
+          </a:xfrm>
+          <a:prstGeom prst="rect">
+            <a:avLst/>
+          </a:prstGeom>
+          <a:noFill/>
+          <a:extLst>
+            <a:ext uri="{909E8E84-426E-40DD-AFC4-6F175D3DCCD1}">
+              <a14:hiddenFill xmlns:a14="http://schemas.microsoft.com/office/drawing/2010/main">
+                <a:solidFill>
+                  <a:srgbClr val="FFFFFF"/>
+                </a:solidFill>
+              </a14:hiddenFill>
+            </a:ext>
+          </a:extLst>
+        </p:spPr>
+      </p:pic>
+      <p:pic>
+        <p:nvPicPr>
+          <p:cNvPr id="30" name="Picture 4" descr="잘가라잘카">
+            <a:extLst>
+              <a:ext uri="{FF2B5EF4-FFF2-40B4-BE49-F238E27FC236}">
+                <a16:creationId xmlns:a16="http://schemas.microsoft.com/office/drawing/2014/main" id="{B7C925A2-8B83-4EDC-8BFE-47F1FA688E84}"/>
+              </a:ext>
+            </a:extLst>
+          </p:cNvPr>
+          <p:cNvPicPr>
+            <a:picLocks noChangeAspect="1" noChangeArrowheads="1"/>
+          </p:cNvPicPr>
+          <p:nvPr/>
+        </p:nvPicPr>
+        <p:blipFill>
+          <a:blip r:embed="rId3">
+            <a:extLst>
+              <a:ext uri="{28A0092B-C50C-407E-A947-70E740481C1C}">
+                <a14:useLocalDpi xmlns:a14="http://schemas.microsoft.com/office/drawing/2010/main" val="0"/>
+              </a:ext>
+            </a:extLst>
+          </a:blip>
+          <a:srcRect/>
+          <a:stretch>
+            <a:fillRect/>
+          </a:stretch>
+        </p:blipFill>
+        <p:spPr bwMode="auto">
+          <a:xfrm>
+            <a:off x="9408063" y="3290761"/>
+            <a:ext cx="784561" cy="784561"/>
+          </a:xfrm>
+          <a:prstGeom prst="rect">
+            <a:avLst/>
+          </a:prstGeom>
+          <a:noFill/>
+          <a:extLst>
+            <a:ext uri="{909E8E84-426E-40DD-AFC4-6F175D3DCCD1}">
+              <a14:hiddenFill xmlns:a14="http://schemas.microsoft.com/office/drawing/2010/main">
+                <a:solidFill>
+                  <a:srgbClr val="FFFFFF"/>
+                </a:solidFill>
+              </a14:hiddenFill>
+            </a:ext>
+          </a:extLst>
+        </p:spPr>
+      </p:pic>
+      <p:sp>
+        <p:nvSpPr>
+          <p:cNvPr id="25" name="TextBox 24">
+            <a:extLst>
+              <a:ext uri="{FF2B5EF4-FFF2-40B4-BE49-F238E27FC236}">
+                <a16:creationId xmlns:a16="http://schemas.microsoft.com/office/drawing/2014/main" id="{8D0730EB-4DEF-43AB-99C4-D00D45C1C136}"/>
+              </a:ext>
+            </a:extLst>
+          </p:cNvPr>
+          <p:cNvSpPr txBox="1"/>
+          <p:nvPr/>
+        </p:nvSpPr>
+        <p:spPr>
+          <a:xfrm>
+            <a:off x="10192623" y="3453668"/>
+            <a:ext cx="1820337" cy="369332"/>
+          </a:xfrm>
+          <a:prstGeom prst="rect">
+            <a:avLst/>
+          </a:prstGeom>
+          <a:noFill/>
+        </p:spPr>
+        <p:txBody>
+          <a:bodyPr wrap="square" rtlCol="0">
+            <a:spAutoFit/>
+          </a:bodyPr>
+          <a:lstStyle/>
+          <a:p>
+            <a:r>
+              <a:rPr lang="en-US" altLang="ko-KR" dirty="0"/>
+              <a:t>:</a:t>
+            </a:r>
+            <a:r>
+              <a:rPr lang="ko-KR" altLang="en-US" dirty="0"/>
+              <a:t>폐차</a:t>
+            </a:r>
+            <a:r>
+              <a:rPr lang="en-US" altLang="ko-KR" dirty="0"/>
+              <a:t>(</a:t>
+            </a:r>
+            <a:r>
+              <a:rPr lang="ko-KR" altLang="en-US" dirty="0"/>
+              <a:t>방해요소</a:t>
+            </a:r>
+            <a:r>
+              <a:rPr lang="en-US" altLang="ko-KR" dirty="0"/>
+              <a:t>)</a:t>
+            </a:r>
+            <a:endParaRPr lang="ko-KR" altLang="en-US" dirty="0"/>
+          </a:p>
+        </p:txBody>
+      </p:sp>
+      <p:pic>
+        <p:nvPicPr>
+          <p:cNvPr id="2056" name="Picture 8" descr="군인 - 무료 사람들개 아이콘">
+            <a:extLst>
+              <a:ext uri="{FF2B5EF4-FFF2-40B4-BE49-F238E27FC236}">
+                <a16:creationId xmlns:a16="http://schemas.microsoft.com/office/drawing/2014/main" id="{AE13B229-DCE5-432F-A252-706886D7A3ED}"/>
+              </a:ext>
+            </a:extLst>
+          </p:cNvPr>
+          <p:cNvPicPr>
+            <a:picLocks noChangeAspect="1" noChangeArrowheads="1"/>
+          </p:cNvPicPr>
+          <p:nvPr/>
+        </p:nvPicPr>
+        <p:blipFill>
+          <a:blip r:embed="rId4">
+            <a:extLst>
+              <a:ext uri="{28A0092B-C50C-407E-A947-70E740481C1C}">
+                <a14:useLocalDpi xmlns:a14="http://schemas.microsoft.com/office/drawing/2010/main" val="0"/>
+              </a:ext>
+            </a:extLst>
+          </a:blip>
+          <a:srcRect/>
+          <a:stretch>
+            <a:fillRect/>
+          </a:stretch>
+        </p:blipFill>
+        <p:spPr bwMode="auto">
+          <a:xfrm>
+            <a:off x="2811905" y="2392147"/>
+            <a:ext cx="291732" cy="291732"/>
+          </a:xfrm>
+          <a:prstGeom prst="rect">
+            <a:avLst/>
+          </a:prstGeom>
+          <a:noFill/>
+          <a:extLst>
+            <a:ext uri="{909E8E84-426E-40DD-AFC4-6F175D3DCCD1}">
+              <a14:hiddenFill xmlns:a14="http://schemas.microsoft.com/office/drawing/2010/main">
+                <a:solidFill>
+                  <a:srgbClr val="FFFFFF"/>
+                </a:solidFill>
+              </a14:hiddenFill>
+            </a:ext>
+          </a:extLst>
+        </p:spPr>
+      </p:pic>
+      <p:pic>
+        <p:nvPicPr>
+          <p:cNvPr id="2058" name="Picture 10" descr="군인 - 무료 사람들개 아이콘">
+            <a:extLst>
+              <a:ext uri="{FF2B5EF4-FFF2-40B4-BE49-F238E27FC236}">
+                <a16:creationId xmlns:a16="http://schemas.microsoft.com/office/drawing/2014/main" id="{9B8F93A1-AB63-4478-B084-91C25B7D391B}"/>
+              </a:ext>
+            </a:extLst>
+          </p:cNvPr>
+          <p:cNvPicPr>
+            <a:picLocks noChangeAspect="1" noChangeArrowheads="1"/>
+          </p:cNvPicPr>
+          <p:nvPr/>
+        </p:nvPicPr>
+        <p:blipFill>
+          <a:blip r:embed="rId4">
+            <a:extLst>
+              <a:ext uri="{28A0092B-C50C-407E-A947-70E740481C1C}">
+                <a14:useLocalDpi xmlns:a14="http://schemas.microsoft.com/office/drawing/2010/main" val="0"/>
+              </a:ext>
+            </a:extLst>
+          </a:blip>
+          <a:srcRect/>
+          <a:stretch>
+            <a:fillRect/>
+          </a:stretch>
+        </p:blipFill>
+        <p:spPr bwMode="auto">
+          <a:xfrm>
+            <a:off x="1799603" y="3981108"/>
+            <a:ext cx="835774" cy="835774"/>
+          </a:xfrm>
+          <a:prstGeom prst="rect">
+            <a:avLst/>
+          </a:prstGeom>
+          <a:noFill/>
+          <a:extLst>
+            <a:ext uri="{909E8E84-426E-40DD-AFC4-6F175D3DCCD1}">
+              <a14:hiddenFill xmlns:a14="http://schemas.microsoft.com/office/drawing/2010/main">
+                <a:solidFill>
+                  <a:srgbClr val="FFFFFF"/>
+                </a:solidFill>
+              </a14:hiddenFill>
+            </a:ext>
+          </a:extLst>
+        </p:spPr>
+      </p:pic>
+      <p:pic>
+        <p:nvPicPr>
+          <p:cNvPr id="35" name="Picture 8" descr="군인 - 무료 사람들개 아이콘">
+            <a:extLst>
+              <a:ext uri="{FF2B5EF4-FFF2-40B4-BE49-F238E27FC236}">
+                <a16:creationId xmlns:a16="http://schemas.microsoft.com/office/drawing/2014/main" id="{EEE26D43-7A1B-4CED-9ADC-49C466AB74F4}"/>
+              </a:ext>
+            </a:extLst>
+          </p:cNvPr>
+          <p:cNvPicPr>
+            <a:picLocks noChangeAspect="1" noChangeArrowheads="1"/>
+          </p:cNvPicPr>
+          <p:nvPr/>
+        </p:nvPicPr>
+        <p:blipFill>
+          <a:blip r:embed="rId4">
+            <a:extLst>
+              <a:ext uri="{28A0092B-C50C-407E-A947-70E740481C1C}">
+                <a14:useLocalDpi xmlns:a14="http://schemas.microsoft.com/office/drawing/2010/main" val="0"/>
+              </a:ext>
+            </a:extLst>
+          </a:blip>
+          <a:srcRect/>
+          <a:stretch>
+            <a:fillRect/>
+          </a:stretch>
+        </p:blipFill>
+        <p:spPr bwMode="auto">
+          <a:xfrm>
+            <a:off x="9582418" y="4144915"/>
+            <a:ext cx="462697" cy="462697"/>
+          </a:xfrm>
+          <a:prstGeom prst="rect">
+            <a:avLst/>
+          </a:prstGeom>
+          <a:noFill/>
+          <a:extLst>
+            <a:ext uri="{909E8E84-426E-40DD-AFC4-6F175D3DCCD1}">
+              <a14:hiddenFill xmlns:a14="http://schemas.microsoft.com/office/drawing/2010/main">
+                <a:solidFill>
+                  <a:srgbClr val="FFFFFF"/>
+                </a:solidFill>
+              </a14:hiddenFill>
+            </a:ext>
+          </a:extLst>
+        </p:spPr>
+      </p:pic>
+      <p:sp>
+        <p:nvSpPr>
+          <p:cNvPr id="28" name="TextBox 27">
+            <a:extLst>
+              <a:ext uri="{FF2B5EF4-FFF2-40B4-BE49-F238E27FC236}">
+                <a16:creationId xmlns:a16="http://schemas.microsoft.com/office/drawing/2014/main" id="{F4478CE0-FF44-4025-BD39-A084E10C53B8}"/>
+              </a:ext>
+            </a:extLst>
+          </p:cNvPr>
+          <p:cNvSpPr txBox="1"/>
+          <p:nvPr/>
+        </p:nvSpPr>
+        <p:spPr>
+          <a:xfrm>
+            <a:off x="10118065" y="4167806"/>
+            <a:ext cx="1820338" cy="369332"/>
+          </a:xfrm>
+          <a:prstGeom prst="rect">
+            <a:avLst/>
+          </a:prstGeom>
+          <a:noFill/>
+        </p:spPr>
+        <p:txBody>
+          <a:bodyPr wrap="square" rtlCol="0">
+            <a:spAutoFit/>
+          </a:bodyPr>
+          <a:lstStyle/>
+          <a:p>
+            <a:r>
+              <a:rPr lang="en-US" altLang="ko-KR" dirty="0"/>
+              <a:t>: </a:t>
+            </a:r>
+            <a:r>
+              <a:rPr lang="ko-KR" altLang="en-US" dirty="0"/>
+              <a:t>사람</a:t>
+            </a:r>
+            <a:r>
+              <a:rPr lang="en-US" altLang="ko-KR" dirty="0"/>
+              <a:t>(</a:t>
+            </a:r>
+            <a:r>
+              <a:rPr lang="ko-KR" altLang="en-US" dirty="0"/>
+              <a:t>방해요소</a:t>
+            </a:r>
+            <a:r>
+              <a:rPr lang="en-US" altLang="ko-KR" dirty="0"/>
+              <a:t>)</a:t>
+            </a:r>
+            <a:endParaRPr lang="ko-KR" altLang="en-US" dirty="0"/>
+          </a:p>
+        </p:txBody>
+      </p:sp>
+      <p:sp>
+        <p:nvSpPr>
+          <p:cNvPr id="29" name="직사각형 28">
+            <a:extLst>
+              <a:ext uri="{FF2B5EF4-FFF2-40B4-BE49-F238E27FC236}">
+                <a16:creationId xmlns:a16="http://schemas.microsoft.com/office/drawing/2014/main" id="{D711D6F8-1F83-4D73-8522-17BB8302085C}"/>
+              </a:ext>
+            </a:extLst>
+          </p:cNvPr>
+          <p:cNvSpPr/>
+          <p:nvPr/>
+        </p:nvSpPr>
+        <p:spPr>
+          <a:xfrm>
+            <a:off x="171794" y="4960189"/>
+            <a:ext cx="2640111" cy="1820173"/>
+          </a:xfrm>
+          <a:prstGeom prst="rect">
+            <a:avLst/>
+          </a:prstGeom>
+          <a:solidFill>
+            <a:schemeClr val="accent3">
+              <a:lumMod val="20000"/>
+              <a:lumOff val="80000"/>
+            </a:schemeClr>
+          </a:solidFill>
+          <a:ln>
+            <a:solidFill>
+              <a:schemeClr val="tx1"/>
+            </a:solidFill>
+          </a:ln>
+        </p:spPr>
+        <p:style>
+          <a:lnRef idx="2">
+            <a:schemeClr val="accent1">
+              <a:shade val="50000"/>
+            </a:schemeClr>
+          </a:lnRef>
+          <a:fillRef idx="1">
+            <a:schemeClr val="accent1"/>
+          </a:fillRef>
+          <a:effectRef idx="0">
+            <a:schemeClr val="accent1"/>
+          </a:effectRef>
+          <a:fontRef idx="minor">
+            <a:schemeClr val="lt1"/>
+          </a:fontRef>
+        </p:style>
+        <p:txBody>
+          <a:bodyPr rtlCol="0" anchor="b"/>
+          <a:lstStyle/>
+          <a:p>
+            <a:pPr algn="l">
+              <a:lnSpc>
+                <a:spcPct val="200000"/>
+              </a:lnSpc>
+            </a:pPr>
+            <a:endParaRPr lang="ko-KR" altLang="en-US" dirty="0">
+              <a:solidFill>
+                <a:schemeClr val="tx1"/>
+              </a:solidFill>
+            </a:endParaRPr>
+          </a:p>
+        </p:txBody>
+      </p:sp>
+      <p:sp>
+        <p:nvSpPr>
+          <p:cNvPr id="31" name="하트 30">
+            <a:extLst>
+              <a:ext uri="{FF2B5EF4-FFF2-40B4-BE49-F238E27FC236}">
+                <a16:creationId xmlns:a16="http://schemas.microsoft.com/office/drawing/2014/main" id="{8C24AE51-4763-43F9-A22D-4F4F2567277E}"/>
+              </a:ext>
+            </a:extLst>
+          </p:cNvPr>
+          <p:cNvSpPr/>
+          <p:nvPr/>
+        </p:nvSpPr>
+        <p:spPr>
+          <a:xfrm>
+            <a:off x="1181819" y="5826650"/>
+            <a:ext cx="266539" cy="165114"/>
+          </a:xfrm>
+          <a:prstGeom prst="heart">
+            <a:avLst/>
+          </a:prstGeom>
+          <a:solidFill>
+            <a:srgbClr val="FF0000"/>
+          </a:solidFill>
+          <a:ln>
+            <a:solidFill>
+              <a:schemeClr val="tx1"/>
+            </a:solidFill>
+          </a:ln>
+        </p:spPr>
+        <p:style>
+          <a:lnRef idx="2">
+            <a:schemeClr val="accent1">
+              <a:shade val="50000"/>
+            </a:schemeClr>
+          </a:lnRef>
+          <a:fillRef idx="1">
+            <a:schemeClr val="accent1"/>
+          </a:fillRef>
+          <a:effectRef idx="0">
+            <a:schemeClr val="accent1"/>
+          </a:effectRef>
+          <a:fontRef idx="minor">
+            <a:schemeClr val="lt1"/>
+          </a:fontRef>
+        </p:style>
+        <p:txBody>
+          <a:bodyPr rtlCol="0" anchor="b"/>
+          <a:lstStyle/>
+          <a:p>
+            <a:pPr algn="l">
+              <a:lnSpc>
+                <a:spcPct val="200000"/>
+              </a:lnSpc>
+            </a:pPr>
+            <a:endParaRPr lang="ko-KR" altLang="en-US" dirty="0">
+              <a:solidFill>
+                <a:schemeClr val="tx1"/>
+              </a:solidFill>
+            </a:endParaRPr>
+          </a:p>
+        </p:txBody>
+      </p:sp>
+      <p:sp>
+        <p:nvSpPr>
+          <p:cNvPr id="32" name="TextBox 31">
+            <a:extLst>
+              <a:ext uri="{FF2B5EF4-FFF2-40B4-BE49-F238E27FC236}">
+                <a16:creationId xmlns:a16="http://schemas.microsoft.com/office/drawing/2014/main" id="{DBF8DD2E-B03D-4115-B655-CE214BD71882}"/>
+              </a:ext>
+            </a:extLst>
+          </p:cNvPr>
+          <p:cNvSpPr txBox="1"/>
+          <p:nvPr/>
+        </p:nvSpPr>
+        <p:spPr>
+          <a:xfrm>
+            <a:off x="1118343" y="5991380"/>
+            <a:ext cx="1121434" cy="215444"/>
+          </a:xfrm>
+          <a:prstGeom prst="rect">
+            <a:avLst/>
+          </a:prstGeom>
+          <a:noFill/>
+        </p:spPr>
+        <p:txBody>
+          <a:bodyPr wrap="square" rtlCol="0">
+            <a:spAutoFit/>
+          </a:bodyPr>
+          <a:lstStyle/>
+          <a:p>
+            <a:r>
+              <a:rPr lang="ko-KR" altLang="en-US" sz="800" dirty="0"/>
+              <a:t>현 위치</a:t>
+            </a:r>
+          </a:p>
+        </p:txBody>
+      </p:sp>
+      <p:sp>
+        <p:nvSpPr>
+          <p:cNvPr id="33" name="자유형: 도형 32">
+            <a:extLst>
+              <a:ext uri="{FF2B5EF4-FFF2-40B4-BE49-F238E27FC236}">
+                <a16:creationId xmlns:a16="http://schemas.microsoft.com/office/drawing/2014/main" id="{725706E0-BF64-492B-9F56-D356E053D44A}"/>
+              </a:ext>
+            </a:extLst>
+          </p:cNvPr>
+          <p:cNvSpPr/>
+          <p:nvPr/>
+        </p:nvSpPr>
+        <p:spPr>
+          <a:xfrm>
+            <a:off x="163902" y="4960189"/>
+            <a:ext cx="1062177" cy="587871"/>
+          </a:xfrm>
+          <a:custGeom>
+            <a:avLst/>
+            <a:gdLst>
+              <a:gd name="connsiteX0" fmla="*/ 0 w 1062177"/>
+              <a:gd name="connsiteY0" fmla="*/ 534837 h 587871"/>
+              <a:gd name="connsiteX1" fmla="*/ 577970 w 1062177"/>
+              <a:gd name="connsiteY1" fmla="*/ 586596 h 587871"/>
+              <a:gd name="connsiteX2" fmla="*/ 862641 w 1062177"/>
+              <a:gd name="connsiteY2" fmla="*/ 543464 h 587871"/>
+              <a:gd name="connsiteX3" fmla="*/ 957532 w 1062177"/>
+              <a:gd name="connsiteY3" fmla="*/ 474453 h 587871"/>
+              <a:gd name="connsiteX4" fmla="*/ 1052423 w 1062177"/>
+              <a:gd name="connsiteY4" fmla="*/ 284671 h 587871"/>
+              <a:gd name="connsiteX5" fmla="*/ 1061049 w 1062177"/>
+              <a:gd name="connsiteY5" fmla="*/ 0 h 587871"/>
+            </a:gdLst>
+            <a:ahLst/>
+            <a:cxnLst>
+              <a:cxn ang="0">
+                <a:pos x="connsiteX0" y="connsiteY0"/>
+              </a:cxn>
+              <a:cxn ang="0">
+                <a:pos x="connsiteX1" y="connsiteY1"/>
+              </a:cxn>
+              <a:cxn ang="0">
+                <a:pos x="connsiteX2" y="connsiteY2"/>
+              </a:cxn>
+              <a:cxn ang="0">
+                <a:pos x="connsiteX3" y="connsiteY3"/>
+              </a:cxn>
+              <a:cxn ang="0">
+                <a:pos x="connsiteX4" y="connsiteY4"/>
+              </a:cxn>
+              <a:cxn ang="0">
+                <a:pos x="connsiteX5" y="connsiteY5"/>
+              </a:cxn>
+            </a:cxnLst>
+            <a:rect l="l" t="t" r="r" b="b"/>
+            <a:pathLst>
+              <a:path w="1062177" h="587871">
+                <a:moveTo>
+                  <a:pt x="0" y="534837"/>
+                </a:moveTo>
+                <a:cubicBezTo>
+                  <a:pt x="103383" y="547145"/>
+                  <a:pt x="436208" y="596372"/>
+                  <a:pt x="577970" y="586596"/>
+                </a:cubicBezTo>
+                <a:cubicBezTo>
+                  <a:pt x="673716" y="579993"/>
+                  <a:pt x="767751" y="557841"/>
+                  <a:pt x="862641" y="543464"/>
+                </a:cubicBezTo>
+                <a:cubicBezTo>
+                  <a:pt x="901877" y="523846"/>
+                  <a:pt x="926515" y="515014"/>
+                  <a:pt x="957532" y="474453"/>
+                </a:cubicBezTo>
+                <a:cubicBezTo>
+                  <a:pt x="985633" y="437705"/>
+                  <a:pt x="1033238" y="326878"/>
+                  <a:pt x="1052423" y="284671"/>
+                </a:cubicBezTo>
+                <a:cubicBezTo>
+                  <a:pt x="1066776" y="126780"/>
+                  <a:pt x="1061049" y="221541"/>
+                  <a:pt x="1061049" y="0"/>
+                </a:cubicBezTo>
+              </a:path>
+            </a:pathLst>
+          </a:custGeom>
+          <a:noFill/>
+          <a:ln>
+            <a:solidFill>
+              <a:schemeClr val="tx1"/>
+            </a:solidFill>
+          </a:ln>
+        </p:spPr>
+        <p:style>
+          <a:lnRef idx="2">
+            <a:schemeClr val="accent1">
+              <a:shade val="50000"/>
+            </a:schemeClr>
+          </a:lnRef>
+          <a:fillRef idx="1">
+            <a:schemeClr val="accent1"/>
+          </a:fillRef>
+          <a:effectRef idx="0">
+            <a:schemeClr val="accent1"/>
+          </a:effectRef>
+          <a:fontRef idx="minor">
+            <a:schemeClr val="lt1"/>
+          </a:fontRef>
+        </p:style>
+        <p:txBody>
+          <a:bodyPr rtlCol="0" anchor="ctr"/>
+          <a:lstStyle/>
+          <a:p>
+            <a:pPr algn="ctr"/>
+            <a:endParaRPr lang="ko-KR" altLang="en-US"/>
+          </a:p>
+        </p:txBody>
+      </p:sp>
+      <p:sp>
+        <p:nvSpPr>
+          <p:cNvPr id="34" name="자유형: 도형 33">
+            <a:extLst>
+              <a:ext uri="{FF2B5EF4-FFF2-40B4-BE49-F238E27FC236}">
+                <a16:creationId xmlns:a16="http://schemas.microsoft.com/office/drawing/2014/main" id="{7F72857F-3771-4464-B9AC-0773DC2F541A}"/>
+              </a:ext>
+            </a:extLst>
+          </p:cNvPr>
+          <p:cNvSpPr/>
+          <p:nvPr/>
+        </p:nvSpPr>
+        <p:spPr>
+          <a:xfrm>
+            <a:off x="2070189" y="5788325"/>
+            <a:ext cx="742022" cy="1000664"/>
+          </a:xfrm>
+          <a:custGeom>
+            <a:avLst/>
+            <a:gdLst>
+              <a:gd name="connsiteX0" fmla="*/ 26030 w 742022"/>
+              <a:gd name="connsiteY0" fmla="*/ 1000664 h 1000664"/>
+              <a:gd name="connsiteX1" fmla="*/ 151 w 742022"/>
+              <a:gd name="connsiteY1" fmla="*/ 923026 h 1000664"/>
+              <a:gd name="connsiteX2" fmla="*/ 60536 w 742022"/>
+              <a:gd name="connsiteY2" fmla="*/ 543464 h 1000664"/>
+              <a:gd name="connsiteX3" fmla="*/ 146800 w 742022"/>
+              <a:gd name="connsiteY3" fmla="*/ 448573 h 1000664"/>
+              <a:gd name="connsiteX4" fmla="*/ 595373 w 742022"/>
+              <a:gd name="connsiteY4" fmla="*/ 284671 h 1000664"/>
+              <a:gd name="connsiteX5" fmla="*/ 664385 w 742022"/>
+              <a:gd name="connsiteY5" fmla="*/ 250166 h 1000664"/>
+              <a:gd name="connsiteX6" fmla="*/ 673011 w 742022"/>
+              <a:gd name="connsiteY6" fmla="*/ 198407 h 1000664"/>
+              <a:gd name="connsiteX7" fmla="*/ 681637 w 742022"/>
+              <a:gd name="connsiteY7" fmla="*/ 86264 h 1000664"/>
+              <a:gd name="connsiteX8" fmla="*/ 707517 w 742022"/>
+              <a:gd name="connsiteY8" fmla="*/ 43132 h 1000664"/>
+              <a:gd name="connsiteX9" fmla="*/ 742022 w 742022"/>
+              <a:gd name="connsiteY9" fmla="*/ 0 h 1000664"/>
+            </a:gdLst>
+            <a:ahLst/>
+            <a:cxnLst>
+              <a:cxn ang="0">
+                <a:pos x="connsiteX0" y="connsiteY0"/>
+              </a:cxn>
+              <a:cxn ang="0">
+                <a:pos x="connsiteX1" y="connsiteY1"/>
+              </a:cxn>
+              <a:cxn ang="0">
+                <a:pos x="connsiteX2" y="connsiteY2"/>
+              </a:cxn>
+              <a:cxn ang="0">
+                <a:pos x="connsiteX3" y="connsiteY3"/>
+              </a:cxn>
+              <a:cxn ang="0">
+                <a:pos x="connsiteX4" y="connsiteY4"/>
+              </a:cxn>
+              <a:cxn ang="0">
+                <a:pos x="connsiteX5" y="connsiteY5"/>
+              </a:cxn>
+              <a:cxn ang="0">
+                <a:pos x="connsiteX6" y="connsiteY6"/>
+              </a:cxn>
+              <a:cxn ang="0">
+                <a:pos x="connsiteX7" y="connsiteY7"/>
+              </a:cxn>
+              <a:cxn ang="0">
+                <a:pos x="connsiteX8" y="connsiteY8"/>
+              </a:cxn>
+              <a:cxn ang="0">
+                <a:pos x="connsiteX9" y="connsiteY9"/>
+              </a:cxn>
+            </a:cxnLst>
+            <a:rect l="l" t="t" r="r" b="b"/>
+            <a:pathLst>
+              <a:path w="742022" h="1000664">
+                <a:moveTo>
+                  <a:pt x="26030" y="1000664"/>
+                </a:moveTo>
+                <a:cubicBezTo>
+                  <a:pt x="17404" y="974785"/>
+                  <a:pt x="-1902" y="950228"/>
+                  <a:pt x="151" y="923026"/>
+                </a:cubicBezTo>
+                <a:cubicBezTo>
+                  <a:pt x="9792" y="795278"/>
+                  <a:pt x="22704" y="665862"/>
+                  <a:pt x="60536" y="543464"/>
+                </a:cubicBezTo>
+                <a:cubicBezTo>
+                  <a:pt x="73159" y="502623"/>
+                  <a:pt x="111232" y="472285"/>
+                  <a:pt x="146800" y="448573"/>
+                </a:cubicBezTo>
+                <a:cubicBezTo>
+                  <a:pt x="316108" y="335701"/>
+                  <a:pt x="398445" y="383132"/>
+                  <a:pt x="595373" y="284671"/>
+                </a:cubicBezTo>
+                <a:lnTo>
+                  <a:pt x="664385" y="250166"/>
+                </a:lnTo>
+                <a:cubicBezTo>
+                  <a:pt x="667260" y="232913"/>
+                  <a:pt x="671180" y="215802"/>
+                  <a:pt x="673011" y="198407"/>
+                </a:cubicBezTo>
+                <a:cubicBezTo>
+                  <a:pt x="676936" y="161122"/>
+                  <a:pt x="673504" y="122863"/>
+                  <a:pt x="681637" y="86264"/>
+                </a:cubicBezTo>
+                <a:cubicBezTo>
+                  <a:pt x="685274" y="69896"/>
+                  <a:pt x="698216" y="57083"/>
+                  <a:pt x="707517" y="43132"/>
+                </a:cubicBezTo>
+                <a:cubicBezTo>
+                  <a:pt x="726398" y="14811"/>
+                  <a:pt x="725899" y="16123"/>
+                  <a:pt x="742022" y="0"/>
+                </a:cubicBezTo>
+              </a:path>
+            </a:pathLst>
+          </a:custGeom>
+          <a:noFill/>
+          <a:ln>
+            <a:solidFill>
+              <a:schemeClr val="tx1"/>
+            </a:solidFill>
+          </a:ln>
+        </p:spPr>
+        <p:style>
+          <a:lnRef idx="2">
+            <a:schemeClr val="accent1">
+              <a:shade val="50000"/>
+            </a:schemeClr>
+          </a:lnRef>
+          <a:fillRef idx="1">
+            <a:schemeClr val="accent1"/>
+          </a:fillRef>
+          <a:effectRef idx="0">
+            <a:schemeClr val="accent1"/>
+          </a:effectRef>
+          <a:fontRef idx="minor">
+            <a:schemeClr val="lt1"/>
+          </a:fontRef>
+        </p:style>
+        <p:txBody>
+          <a:bodyPr rtlCol="0" anchor="ctr"/>
+          <a:lstStyle/>
+          <a:p>
+            <a:pPr algn="ctr"/>
+            <a:endParaRPr lang="ko-KR" altLang="en-US"/>
+          </a:p>
+        </p:txBody>
+      </p:sp>
+      <p:sp>
+        <p:nvSpPr>
+          <p:cNvPr id="37" name="자유형: 도형 36">
+            <a:extLst>
+              <a:ext uri="{FF2B5EF4-FFF2-40B4-BE49-F238E27FC236}">
+                <a16:creationId xmlns:a16="http://schemas.microsoft.com/office/drawing/2014/main" id="{444E2435-6D93-44EF-BE5F-073D0666CFE3}"/>
+              </a:ext>
+            </a:extLst>
+          </p:cNvPr>
+          <p:cNvSpPr/>
+          <p:nvPr/>
+        </p:nvSpPr>
+        <p:spPr>
+          <a:xfrm>
+            <a:off x="1102572" y="6096588"/>
+            <a:ext cx="45231" cy="36793"/>
+          </a:xfrm>
+          <a:custGeom>
+            <a:avLst/>
+            <a:gdLst>
+              <a:gd name="connsiteX0" fmla="*/ 44741 w 45231"/>
+              <a:gd name="connsiteY0" fmla="*/ 2287 h 36793"/>
+              <a:gd name="connsiteX1" fmla="*/ 1609 w 45231"/>
+              <a:gd name="connsiteY1" fmla="*/ 10914 h 36793"/>
+              <a:gd name="connsiteX2" fmla="*/ 18862 w 45231"/>
+              <a:gd name="connsiteY2" fmla="*/ 36793 h 36793"/>
+              <a:gd name="connsiteX3" fmla="*/ 44741 w 45231"/>
+              <a:gd name="connsiteY3" fmla="*/ 2287 h 36793"/>
+            </a:gdLst>
+            <a:ahLst/>
+            <a:cxnLst>
+              <a:cxn ang="0">
+                <a:pos x="connsiteX0" y="connsiteY0"/>
+              </a:cxn>
+              <a:cxn ang="0">
+                <a:pos x="connsiteX1" y="connsiteY1"/>
+              </a:cxn>
+              <a:cxn ang="0">
+                <a:pos x="connsiteX2" y="connsiteY2"/>
+              </a:cxn>
+              <a:cxn ang="0">
+                <a:pos x="connsiteX3" y="connsiteY3"/>
+              </a:cxn>
+            </a:cxnLst>
+            <a:rect l="l" t="t" r="r" b="b"/>
+            <a:pathLst>
+              <a:path w="45231" h="36793">
+                <a:moveTo>
+                  <a:pt x="44741" y="2287"/>
+                </a:moveTo>
+                <a:cubicBezTo>
+                  <a:pt x="41866" y="-2026"/>
+                  <a:pt x="10406" y="-816"/>
+                  <a:pt x="1609" y="10914"/>
+                </a:cubicBezTo>
+                <a:cubicBezTo>
+                  <a:pt x="-4611" y="19208"/>
+                  <a:pt x="8494" y="36793"/>
+                  <a:pt x="18862" y="36793"/>
+                </a:cubicBezTo>
+                <a:cubicBezTo>
+                  <a:pt x="37710" y="36793"/>
+                  <a:pt x="47616" y="6600"/>
+                  <a:pt x="44741" y="2287"/>
+                </a:cubicBezTo>
+                <a:close/>
+              </a:path>
+            </a:pathLst>
+          </a:custGeom>
+          <a:solidFill>
+            <a:schemeClr val="accent1">
+              <a:lumMod val="20000"/>
+              <a:lumOff val="80000"/>
+            </a:schemeClr>
+          </a:solidFill>
+          <a:ln>
+            <a:solidFill>
+              <a:schemeClr val="tx1"/>
+            </a:solidFill>
+          </a:ln>
+        </p:spPr>
+        <p:style>
+          <a:lnRef idx="2">
+            <a:schemeClr val="accent1">
+              <a:shade val="50000"/>
+            </a:schemeClr>
+          </a:lnRef>
+          <a:fillRef idx="1">
+            <a:schemeClr val="accent1"/>
+          </a:fillRef>
+          <a:effectRef idx="0">
+            <a:schemeClr val="accent1"/>
+          </a:effectRef>
+          <a:fontRef idx="minor">
+            <a:schemeClr val="lt1"/>
+          </a:fontRef>
+        </p:style>
+        <p:txBody>
+          <a:bodyPr rtlCol="0" anchor="b"/>
+          <a:lstStyle/>
+          <a:p>
+            <a:pPr algn="l">
+              <a:lnSpc>
+                <a:spcPct val="200000"/>
+              </a:lnSpc>
+            </a:pPr>
+            <a:endParaRPr lang="ko-KR" altLang="en-US" dirty="0">
+              <a:solidFill>
+                <a:schemeClr val="tx1"/>
+              </a:solidFill>
+            </a:endParaRPr>
+          </a:p>
+        </p:txBody>
+      </p:sp>
+      <p:sp>
+        <p:nvSpPr>
+          <p:cNvPr id="39" name="자유형: 도형 38">
+            <a:extLst>
+              <a:ext uri="{FF2B5EF4-FFF2-40B4-BE49-F238E27FC236}">
+                <a16:creationId xmlns:a16="http://schemas.microsoft.com/office/drawing/2014/main" id="{0BA7AAFF-3F44-4FE1-BAF8-61A690A722E5}"/>
+              </a:ext>
+            </a:extLst>
+          </p:cNvPr>
+          <p:cNvSpPr/>
+          <p:nvPr/>
+        </p:nvSpPr>
+        <p:spPr>
+          <a:xfrm>
+            <a:off x="1681184" y="4951562"/>
+            <a:ext cx="1174159" cy="845389"/>
+          </a:xfrm>
+          <a:custGeom>
+            <a:avLst/>
+            <a:gdLst>
+              <a:gd name="connsiteX0" fmla="*/ 285639 w 1174159"/>
+              <a:gd name="connsiteY0" fmla="*/ 0 h 845389"/>
+              <a:gd name="connsiteX1" fmla="*/ 69978 w 1174159"/>
+              <a:gd name="connsiteY1" fmla="*/ 163902 h 845389"/>
+              <a:gd name="connsiteX2" fmla="*/ 9593 w 1174159"/>
+              <a:gd name="connsiteY2" fmla="*/ 267419 h 845389"/>
+              <a:gd name="connsiteX3" fmla="*/ 967 w 1174159"/>
+              <a:gd name="connsiteY3" fmla="*/ 405442 h 845389"/>
+              <a:gd name="connsiteX4" fmla="*/ 35473 w 1174159"/>
+              <a:gd name="connsiteY4" fmla="*/ 560717 h 845389"/>
+              <a:gd name="connsiteX5" fmla="*/ 61352 w 1174159"/>
+              <a:gd name="connsiteY5" fmla="*/ 655608 h 845389"/>
+              <a:gd name="connsiteX6" fmla="*/ 69978 w 1174159"/>
+              <a:gd name="connsiteY6" fmla="*/ 767751 h 845389"/>
+              <a:gd name="connsiteX7" fmla="*/ 354650 w 1174159"/>
+              <a:gd name="connsiteY7" fmla="*/ 845389 h 845389"/>
+              <a:gd name="connsiteX8" fmla="*/ 604816 w 1174159"/>
+              <a:gd name="connsiteY8" fmla="*/ 810883 h 845389"/>
+              <a:gd name="connsiteX9" fmla="*/ 665201 w 1174159"/>
+              <a:gd name="connsiteY9" fmla="*/ 733246 h 845389"/>
+              <a:gd name="connsiteX10" fmla="*/ 716959 w 1174159"/>
+              <a:gd name="connsiteY10" fmla="*/ 646981 h 845389"/>
+              <a:gd name="connsiteX11" fmla="*/ 742839 w 1174159"/>
+              <a:gd name="connsiteY11" fmla="*/ 629729 h 845389"/>
+              <a:gd name="connsiteX12" fmla="*/ 1062016 w 1174159"/>
+              <a:gd name="connsiteY12" fmla="*/ 638355 h 845389"/>
+              <a:gd name="connsiteX13" fmla="*/ 1079269 w 1174159"/>
+              <a:gd name="connsiteY13" fmla="*/ 672861 h 845389"/>
+              <a:gd name="connsiteX14" fmla="*/ 1105148 w 1174159"/>
+              <a:gd name="connsiteY14" fmla="*/ 681487 h 845389"/>
+              <a:gd name="connsiteX15" fmla="*/ 1174159 w 1174159"/>
+              <a:gd name="connsiteY15" fmla="*/ 707366 h 845389"/>
+            </a:gdLst>
+            <a:ahLst/>
+            <a:cxnLst>
+              <a:cxn ang="0">
+                <a:pos x="connsiteX0" y="connsiteY0"/>
+              </a:cxn>
+              <a:cxn ang="0">
+                <a:pos x="connsiteX1" y="connsiteY1"/>
+              </a:cxn>
+              <a:cxn ang="0">
+                <a:pos x="connsiteX2" y="connsiteY2"/>
+              </a:cxn>
+              <a:cxn ang="0">
+                <a:pos x="connsiteX3" y="connsiteY3"/>
+              </a:cxn>
+              <a:cxn ang="0">
+                <a:pos x="connsiteX4" y="connsiteY4"/>
+              </a:cxn>
+              <a:cxn ang="0">
+                <a:pos x="connsiteX5" y="connsiteY5"/>
+              </a:cxn>
+              <a:cxn ang="0">
+                <a:pos x="connsiteX6" y="connsiteY6"/>
+              </a:cxn>
+              <a:cxn ang="0">
+                <a:pos x="connsiteX7" y="connsiteY7"/>
+              </a:cxn>
+              <a:cxn ang="0">
+                <a:pos x="connsiteX8" y="connsiteY8"/>
+              </a:cxn>
+              <a:cxn ang="0">
+                <a:pos x="connsiteX9" y="connsiteY9"/>
+              </a:cxn>
+              <a:cxn ang="0">
+                <a:pos x="connsiteX10" y="connsiteY10"/>
+              </a:cxn>
+              <a:cxn ang="0">
+                <a:pos x="connsiteX11" y="connsiteY11"/>
+              </a:cxn>
+              <a:cxn ang="0">
+                <a:pos x="connsiteX12" y="connsiteY12"/>
+              </a:cxn>
+              <a:cxn ang="0">
+                <a:pos x="connsiteX13" y="connsiteY13"/>
+              </a:cxn>
+              <a:cxn ang="0">
+                <a:pos x="connsiteX14" y="connsiteY14"/>
+              </a:cxn>
+              <a:cxn ang="0">
+                <a:pos x="connsiteX15" y="connsiteY15"/>
+              </a:cxn>
+            </a:cxnLst>
+            <a:rect l="l" t="t" r="r" b="b"/>
+            <a:pathLst>
+              <a:path w="1174159" h="845389">
+                <a:moveTo>
+                  <a:pt x="285639" y="0"/>
+                </a:moveTo>
+                <a:cubicBezTo>
+                  <a:pt x="165179" y="150573"/>
+                  <a:pt x="426550" y="-167200"/>
+                  <a:pt x="69978" y="163902"/>
+                </a:cubicBezTo>
+                <a:cubicBezTo>
+                  <a:pt x="40705" y="191084"/>
+                  <a:pt x="29721" y="232913"/>
+                  <a:pt x="9593" y="267419"/>
+                </a:cubicBezTo>
+                <a:cubicBezTo>
+                  <a:pt x="6718" y="313427"/>
+                  <a:pt x="-3085" y="359523"/>
+                  <a:pt x="967" y="405442"/>
+                </a:cubicBezTo>
+                <a:cubicBezTo>
+                  <a:pt x="5627" y="458258"/>
+                  <a:pt x="23722" y="509015"/>
+                  <a:pt x="35473" y="560717"/>
+                </a:cubicBezTo>
+                <a:cubicBezTo>
+                  <a:pt x="43089" y="594229"/>
+                  <a:pt x="51589" y="621437"/>
+                  <a:pt x="61352" y="655608"/>
+                </a:cubicBezTo>
+                <a:cubicBezTo>
+                  <a:pt x="64227" y="692989"/>
+                  <a:pt x="38501" y="747384"/>
+                  <a:pt x="69978" y="767751"/>
+                </a:cubicBezTo>
+                <a:cubicBezTo>
+                  <a:pt x="152555" y="821183"/>
+                  <a:pt x="354650" y="845389"/>
+                  <a:pt x="354650" y="845389"/>
+                </a:cubicBezTo>
+                <a:cubicBezTo>
+                  <a:pt x="438039" y="833887"/>
+                  <a:pt x="522367" y="827858"/>
+                  <a:pt x="604816" y="810883"/>
+                </a:cubicBezTo>
+                <a:cubicBezTo>
+                  <a:pt x="658680" y="799793"/>
+                  <a:pt x="647920" y="774720"/>
+                  <a:pt x="665201" y="733246"/>
+                </a:cubicBezTo>
+                <a:cubicBezTo>
+                  <a:pt x="676314" y="706574"/>
+                  <a:pt x="695305" y="668635"/>
+                  <a:pt x="716959" y="646981"/>
+                </a:cubicBezTo>
+                <a:cubicBezTo>
+                  <a:pt x="724290" y="639650"/>
+                  <a:pt x="734212" y="635480"/>
+                  <a:pt x="742839" y="629729"/>
+                </a:cubicBezTo>
+                <a:lnTo>
+                  <a:pt x="1062016" y="638355"/>
+                </a:lnTo>
+                <a:cubicBezTo>
+                  <a:pt x="1074771" y="639990"/>
+                  <a:pt x="1070176" y="663768"/>
+                  <a:pt x="1079269" y="672861"/>
+                </a:cubicBezTo>
+                <a:cubicBezTo>
+                  <a:pt x="1085699" y="679291"/>
+                  <a:pt x="1096522" y="678612"/>
+                  <a:pt x="1105148" y="681487"/>
+                </a:cubicBezTo>
+                <a:cubicBezTo>
+                  <a:pt x="1148855" y="714267"/>
+                  <a:pt x="1125277" y="707366"/>
+                  <a:pt x="1174159" y="707366"/>
+                </a:cubicBezTo>
+              </a:path>
+            </a:pathLst>
+          </a:custGeom>
+          <a:noFill/>
+          <a:ln>
+            <a:solidFill>
+              <a:schemeClr val="tx1"/>
+            </a:solidFill>
+          </a:ln>
+        </p:spPr>
+        <p:style>
+          <a:lnRef idx="2">
+            <a:schemeClr val="accent1">
+              <a:shade val="50000"/>
+            </a:schemeClr>
+          </a:lnRef>
+          <a:fillRef idx="1">
+            <a:schemeClr val="accent1"/>
+          </a:fillRef>
+          <a:effectRef idx="0">
+            <a:schemeClr val="accent1"/>
+          </a:effectRef>
+          <a:fontRef idx="minor">
+            <a:schemeClr val="lt1"/>
+          </a:fontRef>
+        </p:style>
+        <p:txBody>
+          <a:bodyPr rtlCol="0" anchor="ctr"/>
+          <a:lstStyle/>
+          <a:p>
+            <a:pPr algn="ctr"/>
+            <a:endParaRPr lang="ko-KR" altLang="en-US"/>
+          </a:p>
+        </p:txBody>
+      </p:sp>
+      <p:sp>
+        <p:nvSpPr>
+          <p:cNvPr id="40" name="자유형: 도형 39">
+            <a:extLst>
+              <a:ext uri="{FF2B5EF4-FFF2-40B4-BE49-F238E27FC236}">
+                <a16:creationId xmlns:a16="http://schemas.microsoft.com/office/drawing/2014/main" id="{0A3675E7-F4E1-4D50-9F3A-C317D39E2460}"/>
+              </a:ext>
+            </a:extLst>
+          </p:cNvPr>
+          <p:cNvSpPr/>
+          <p:nvPr/>
+        </p:nvSpPr>
+        <p:spPr>
+          <a:xfrm>
+            <a:off x="198408" y="6374921"/>
+            <a:ext cx="1311215" cy="439947"/>
+          </a:xfrm>
+          <a:custGeom>
+            <a:avLst/>
+            <a:gdLst>
+              <a:gd name="connsiteX0" fmla="*/ 0 w 1311215"/>
+              <a:gd name="connsiteY0" fmla="*/ 0 h 439947"/>
+              <a:gd name="connsiteX1" fmla="*/ 43132 w 1311215"/>
+              <a:gd name="connsiteY1" fmla="*/ 25879 h 439947"/>
+              <a:gd name="connsiteX2" fmla="*/ 310550 w 1311215"/>
+              <a:gd name="connsiteY2" fmla="*/ 163902 h 439947"/>
+              <a:gd name="connsiteX3" fmla="*/ 448573 w 1311215"/>
+              <a:gd name="connsiteY3" fmla="*/ 267419 h 439947"/>
+              <a:gd name="connsiteX4" fmla="*/ 483079 w 1311215"/>
+              <a:gd name="connsiteY4" fmla="*/ 284671 h 439947"/>
+              <a:gd name="connsiteX5" fmla="*/ 992037 w 1311215"/>
+              <a:gd name="connsiteY5" fmla="*/ 319177 h 439947"/>
+              <a:gd name="connsiteX6" fmla="*/ 1207698 w 1311215"/>
+              <a:gd name="connsiteY6" fmla="*/ 345056 h 439947"/>
+              <a:gd name="connsiteX7" fmla="*/ 1242203 w 1311215"/>
+              <a:gd name="connsiteY7" fmla="*/ 370936 h 439947"/>
+              <a:gd name="connsiteX8" fmla="*/ 1268083 w 1311215"/>
+              <a:gd name="connsiteY8" fmla="*/ 405441 h 439947"/>
+              <a:gd name="connsiteX9" fmla="*/ 1311215 w 1311215"/>
+              <a:gd name="connsiteY9" fmla="*/ 439947 h 439947"/>
+            </a:gdLst>
+            <a:ahLst/>
+            <a:cxnLst>
+              <a:cxn ang="0">
+                <a:pos x="connsiteX0" y="connsiteY0"/>
+              </a:cxn>
+              <a:cxn ang="0">
+                <a:pos x="connsiteX1" y="connsiteY1"/>
+              </a:cxn>
+              <a:cxn ang="0">
+                <a:pos x="connsiteX2" y="connsiteY2"/>
+              </a:cxn>
+              <a:cxn ang="0">
+                <a:pos x="connsiteX3" y="connsiteY3"/>
+              </a:cxn>
+              <a:cxn ang="0">
+                <a:pos x="connsiteX4" y="connsiteY4"/>
+              </a:cxn>
+              <a:cxn ang="0">
+                <a:pos x="connsiteX5" y="connsiteY5"/>
+              </a:cxn>
+              <a:cxn ang="0">
+                <a:pos x="connsiteX6" y="connsiteY6"/>
+              </a:cxn>
+              <a:cxn ang="0">
+                <a:pos x="connsiteX7" y="connsiteY7"/>
+              </a:cxn>
+              <a:cxn ang="0">
+                <a:pos x="connsiteX8" y="connsiteY8"/>
+              </a:cxn>
+              <a:cxn ang="0">
+                <a:pos x="connsiteX9" y="connsiteY9"/>
+              </a:cxn>
+            </a:cxnLst>
+            <a:rect l="l" t="t" r="r" b="b"/>
+            <a:pathLst>
+              <a:path w="1311215" h="439947">
+                <a:moveTo>
+                  <a:pt x="0" y="0"/>
+                </a:moveTo>
+                <a:cubicBezTo>
+                  <a:pt x="14377" y="8626"/>
+                  <a:pt x="28304" y="18053"/>
+                  <a:pt x="43132" y="25879"/>
+                </a:cubicBezTo>
+                <a:cubicBezTo>
+                  <a:pt x="131846" y="72701"/>
+                  <a:pt x="230300" y="103715"/>
+                  <a:pt x="310550" y="163902"/>
+                </a:cubicBezTo>
+                <a:cubicBezTo>
+                  <a:pt x="356558" y="198408"/>
+                  <a:pt x="397134" y="241701"/>
+                  <a:pt x="448573" y="267419"/>
+                </a:cubicBezTo>
+                <a:cubicBezTo>
+                  <a:pt x="460075" y="273170"/>
+                  <a:pt x="470394" y="282557"/>
+                  <a:pt x="483079" y="284671"/>
+                </a:cubicBezTo>
+                <a:cubicBezTo>
+                  <a:pt x="603106" y="304675"/>
+                  <a:pt x="916974" y="315328"/>
+                  <a:pt x="992037" y="319177"/>
+                </a:cubicBezTo>
+                <a:cubicBezTo>
+                  <a:pt x="1063924" y="327803"/>
+                  <a:pt x="1136797" y="330387"/>
+                  <a:pt x="1207698" y="345056"/>
+                </a:cubicBezTo>
+                <a:cubicBezTo>
+                  <a:pt x="1221777" y="347969"/>
+                  <a:pt x="1232037" y="360770"/>
+                  <a:pt x="1242203" y="370936"/>
+                </a:cubicBezTo>
+                <a:cubicBezTo>
+                  <a:pt x="1252369" y="381102"/>
+                  <a:pt x="1258726" y="394525"/>
+                  <a:pt x="1268083" y="405441"/>
+                </a:cubicBezTo>
+                <a:cubicBezTo>
+                  <a:pt x="1290904" y="432066"/>
+                  <a:pt x="1287058" y="427869"/>
+                  <a:pt x="1311215" y="439947"/>
+                </a:cubicBezTo>
+              </a:path>
+            </a:pathLst>
+          </a:custGeom>
+          <a:noFill/>
+          <a:ln>
+            <a:solidFill>
+              <a:schemeClr val="tx1"/>
+            </a:solidFill>
+          </a:ln>
+        </p:spPr>
+        <p:style>
+          <a:lnRef idx="2">
+            <a:schemeClr val="accent1">
+              <a:shade val="50000"/>
+            </a:schemeClr>
+          </a:lnRef>
+          <a:fillRef idx="1">
+            <a:schemeClr val="accent1"/>
+          </a:fillRef>
+          <a:effectRef idx="0">
+            <a:schemeClr val="accent1"/>
+          </a:effectRef>
+          <a:fontRef idx="minor">
+            <a:schemeClr val="lt1"/>
+          </a:fontRef>
+        </p:style>
+        <p:txBody>
+          <a:bodyPr rtlCol="0" anchor="ctr"/>
+          <a:lstStyle/>
+          <a:p>
+            <a:pPr algn="ctr"/>
+            <a:endParaRPr lang="ko-KR" altLang="en-US"/>
+          </a:p>
+        </p:txBody>
+      </p:sp>
+      <p:sp>
+        <p:nvSpPr>
+          <p:cNvPr id="47" name="직사각형 46">
+            <a:extLst>
+              <a:ext uri="{FF2B5EF4-FFF2-40B4-BE49-F238E27FC236}">
+                <a16:creationId xmlns:a16="http://schemas.microsoft.com/office/drawing/2014/main" id="{6833BB83-9DEE-4D7A-83A5-196148A51695}"/>
+              </a:ext>
+            </a:extLst>
+          </p:cNvPr>
+          <p:cNvSpPr/>
+          <p:nvPr/>
+        </p:nvSpPr>
+        <p:spPr>
+          <a:xfrm>
+            <a:off x="9487218" y="4838566"/>
+            <a:ext cx="555395" cy="369332"/>
+          </a:xfrm>
+          <a:prstGeom prst="rect">
+            <a:avLst/>
+          </a:prstGeom>
+          <a:solidFill>
+            <a:schemeClr val="accent3">
+              <a:lumMod val="20000"/>
+              <a:lumOff val="80000"/>
+            </a:schemeClr>
+          </a:solidFill>
+          <a:ln>
+            <a:solidFill>
+              <a:schemeClr val="tx1"/>
+            </a:solidFill>
+          </a:ln>
+        </p:spPr>
+        <p:style>
+          <a:lnRef idx="2">
+            <a:schemeClr val="accent1">
+              <a:shade val="50000"/>
+            </a:schemeClr>
+          </a:lnRef>
+          <a:fillRef idx="1">
+            <a:schemeClr val="accent1"/>
+          </a:fillRef>
+          <a:effectRef idx="0">
+            <a:schemeClr val="accent1"/>
+          </a:effectRef>
+          <a:fontRef idx="minor">
+            <a:schemeClr val="lt1"/>
+          </a:fontRef>
+        </p:style>
+        <p:txBody>
+          <a:bodyPr rtlCol="0" anchor="b"/>
+          <a:lstStyle/>
+          <a:p>
+            <a:pPr algn="l">
+              <a:lnSpc>
+                <a:spcPct val="200000"/>
+              </a:lnSpc>
+            </a:pPr>
+            <a:endParaRPr lang="ko-KR" altLang="en-US" dirty="0">
+              <a:solidFill>
+                <a:schemeClr val="tx1"/>
+              </a:solidFill>
+            </a:endParaRPr>
+          </a:p>
+        </p:txBody>
+      </p:sp>
+      <p:sp>
+        <p:nvSpPr>
+          <p:cNvPr id="41" name="하트 40">
+            <a:extLst>
+              <a:ext uri="{FF2B5EF4-FFF2-40B4-BE49-F238E27FC236}">
+                <a16:creationId xmlns:a16="http://schemas.microsoft.com/office/drawing/2014/main" id="{ED6FCDB1-AB9C-4D1B-812E-21F902140B07}"/>
+              </a:ext>
+            </a:extLst>
+          </p:cNvPr>
+          <p:cNvSpPr/>
+          <p:nvPr/>
+        </p:nvSpPr>
+        <p:spPr>
+          <a:xfrm>
+            <a:off x="9661231" y="4960189"/>
+            <a:ext cx="112497" cy="77637"/>
+          </a:xfrm>
+          <a:prstGeom prst="heart">
+            <a:avLst/>
+          </a:prstGeom>
+          <a:solidFill>
+            <a:srgbClr val="FF0000"/>
+          </a:solidFill>
+          <a:ln>
+            <a:solidFill>
+              <a:schemeClr val="tx1"/>
+            </a:solidFill>
+          </a:ln>
+        </p:spPr>
+        <p:style>
+          <a:lnRef idx="2">
+            <a:schemeClr val="accent1">
+              <a:shade val="50000"/>
+            </a:schemeClr>
+          </a:lnRef>
+          <a:fillRef idx="1">
+            <a:schemeClr val="accent1"/>
+          </a:fillRef>
+          <a:effectRef idx="0">
+            <a:schemeClr val="accent1"/>
+          </a:effectRef>
+          <a:fontRef idx="minor">
+            <a:schemeClr val="lt1"/>
+          </a:fontRef>
+        </p:style>
+        <p:txBody>
+          <a:bodyPr rtlCol="0" anchor="b"/>
+          <a:lstStyle/>
+          <a:p>
+            <a:pPr algn="l">
+              <a:lnSpc>
+                <a:spcPct val="200000"/>
+              </a:lnSpc>
+            </a:pPr>
+            <a:endParaRPr lang="ko-KR" altLang="en-US" dirty="0">
+              <a:solidFill>
+                <a:schemeClr val="tx1"/>
+              </a:solidFill>
+            </a:endParaRPr>
+          </a:p>
+        </p:txBody>
+      </p:sp>
+      <p:sp>
+        <p:nvSpPr>
+          <p:cNvPr id="42" name="TextBox 41">
+            <a:extLst>
+              <a:ext uri="{FF2B5EF4-FFF2-40B4-BE49-F238E27FC236}">
+                <a16:creationId xmlns:a16="http://schemas.microsoft.com/office/drawing/2014/main" id="{E8292F14-5B47-4503-9FBB-ACCF5B5BCAC0}"/>
+              </a:ext>
+            </a:extLst>
+          </p:cNvPr>
+          <p:cNvSpPr txBox="1"/>
+          <p:nvPr/>
+        </p:nvSpPr>
+        <p:spPr>
+          <a:xfrm>
+            <a:off x="9558790" y="5023232"/>
+            <a:ext cx="1118549" cy="169277"/>
+          </a:xfrm>
+          <a:prstGeom prst="rect">
+            <a:avLst/>
+          </a:prstGeom>
+          <a:noFill/>
+        </p:spPr>
+        <p:txBody>
+          <a:bodyPr wrap="square" rtlCol="0">
+            <a:spAutoFit/>
+          </a:bodyPr>
+          <a:lstStyle/>
+          <a:p>
+            <a:r>
+              <a:rPr lang="ko-KR" altLang="en-US" sz="500" dirty="0"/>
+              <a:t>현 위치</a:t>
+            </a:r>
+          </a:p>
+        </p:txBody>
+      </p:sp>
+      <p:sp>
+        <p:nvSpPr>
+          <p:cNvPr id="43" name="자유형: 도형 42">
+            <a:extLst>
+              <a:ext uri="{FF2B5EF4-FFF2-40B4-BE49-F238E27FC236}">
+                <a16:creationId xmlns:a16="http://schemas.microsoft.com/office/drawing/2014/main" id="{6F35D992-2DA1-4037-A2BC-82B6C4754396}"/>
+              </a:ext>
+            </a:extLst>
+          </p:cNvPr>
+          <p:cNvSpPr/>
+          <p:nvPr/>
+        </p:nvSpPr>
+        <p:spPr>
+          <a:xfrm>
+            <a:off x="9506309" y="4865298"/>
+            <a:ext cx="112849" cy="94891"/>
+          </a:xfrm>
+          <a:custGeom>
+            <a:avLst/>
+            <a:gdLst>
+              <a:gd name="connsiteX0" fmla="*/ 0 w 112849"/>
+              <a:gd name="connsiteY0" fmla="*/ 94891 h 94891"/>
+              <a:gd name="connsiteX1" fmla="*/ 112144 w 112849"/>
+              <a:gd name="connsiteY1" fmla="*/ 43132 h 94891"/>
+              <a:gd name="connsiteX2" fmla="*/ 112144 w 112849"/>
+              <a:gd name="connsiteY2" fmla="*/ 0 h 94891"/>
+            </a:gdLst>
+            <a:ahLst/>
+            <a:cxnLst>
+              <a:cxn ang="0">
+                <a:pos x="connsiteX0" y="connsiteY0"/>
+              </a:cxn>
+              <a:cxn ang="0">
+                <a:pos x="connsiteX1" y="connsiteY1"/>
+              </a:cxn>
+              <a:cxn ang="0">
+                <a:pos x="connsiteX2" y="connsiteY2"/>
+              </a:cxn>
+            </a:cxnLst>
+            <a:rect l="l" t="t" r="r" b="b"/>
+            <a:pathLst>
+              <a:path w="112849" h="94891">
+                <a:moveTo>
+                  <a:pt x="0" y="94891"/>
+                </a:moveTo>
+                <a:cubicBezTo>
+                  <a:pt x="86633" y="80452"/>
+                  <a:pt x="104718" y="109961"/>
+                  <a:pt x="112144" y="43132"/>
+                </a:cubicBezTo>
+                <a:cubicBezTo>
+                  <a:pt x="113732" y="28843"/>
+                  <a:pt x="112144" y="14377"/>
+                  <a:pt x="112144" y="0"/>
+                </a:cubicBezTo>
+              </a:path>
+            </a:pathLst>
+          </a:custGeom>
+          <a:noFill/>
+          <a:ln>
+            <a:solidFill>
+              <a:schemeClr val="tx1"/>
+            </a:solidFill>
+          </a:ln>
+        </p:spPr>
+        <p:style>
+          <a:lnRef idx="2">
+            <a:schemeClr val="accent1">
+              <a:shade val="50000"/>
+            </a:schemeClr>
+          </a:lnRef>
+          <a:fillRef idx="1">
+            <a:schemeClr val="accent1"/>
+          </a:fillRef>
+          <a:effectRef idx="0">
+            <a:schemeClr val="accent1"/>
+          </a:effectRef>
+          <a:fontRef idx="minor">
+            <a:schemeClr val="lt1"/>
+          </a:fontRef>
+        </p:style>
+        <p:txBody>
+          <a:bodyPr rtlCol="0" anchor="ctr"/>
+          <a:lstStyle/>
+          <a:p>
+            <a:pPr algn="ctr"/>
+            <a:endParaRPr lang="ko-KR" altLang="en-US"/>
+          </a:p>
+        </p:txBody>
+      </p:sp>
+      <p:sp>
+        <p:nvSpPr>
+          <p:cNvPr id="44" name="자유형: 도형 43">
+            <a:extLst>
+              <a:ext uri="{FF2B5EF4-FFF2-40B4-BE49-F238E27FC236}">
+                <a16:creationId xmlns:a16="http://schemas.microsoft.com/office/drawing/2014/main" id="{AD363BD3-9F01-4C7B-81CA-7985DB8BC498}"/>
+              </a:ext>
+            </a:extLst>
+          </p:cNvPr>
+          <p:cNvSpPr/>
+          <p:nvPr/>
+        </p:nvSpPr>
+        <p:spPr>
+          <a:xfrm>
+            <a:off x="9804344" y="4856672"/>
+            <a:ext cx="236803" cy="181154"/>
+          </a:xfrm>
+          <a:custGeom>
+            <a:avLst/>
+            <a:gdLst>
+              <a:gd name="connsiteX0" fmla="*/ 38396 w 236803"/>
+              <a:gd name="connsiteY0" fmla="*/ 0 h 181154"/>
+              <a:gd name="connsiteX1" fmla="*/ 3890 w 236803"/>
+              <a:gd name="connsiteY1" fmla="*/ 43132 h 181154"/>
+              <a:gd name="connsiteX2" fmla="*/ 21143 w 236803"/>
+              <a:gd name="connsiteY2" fmla="*/ 181154 h 181154"/>
+              <a:gd name="connsiteX3" fmla="*/ 133286 w 236803"/>
+              <a:gd name="connsiteY3" fmla="*/ 146649 h 181154"/>
+              <a:gd name="connsiteX4" fmla="*/ 236803 w 236803"/>
+              <a:gd name="connsiteY4" fmla="*/ 163902 h 181154"/>
+            </a:gdLst>
+            <a:ahLst/>
+            <a:cxnLst>
+              <a:cxn ang="0">
+                <a:pos x="connsiteX0" y="connsiteY0"/>
+              </a:cxn>
+              <a:cxn ang="0">
+                <a:pos x="connsiteX1" y="connsiteY1"/>
+              </a:cxn>
+              <a:cxn ang="0">
+                <a:pos x="connsiteX2" y="connsiteY2"/>
+              </a:cxn>
+              <a:cxn ang="0">
+                <a:pos x="connsiteX3" y="connsiteY3"/>
+              </a:cxn>
+              <a:cxn ang="0">
+                <a:pos x="connsiteX4" y="connsiteY4"/>
+              </a:cxn>
+            </a:cxnLst>
+            <a:rect l="l" t="t" r="r" b="b"/>
+            <a:pathLst>
+              <a:path w="236803" h="181154">
+                <a:moveTo>
+                  <a:pt x="38396" y="0"/>
+                </a:moveTo>
+                <a:cubicBezTo>
+                  <a:pt x="26894" y="14377"/>
+                  <a:pt x="6917" y="24970"/>
+                  <a:pt x="3890" y="43132"/>
+                </a:cubicBezTo>
+                <a:cubicBezTo>
+                  <a:pt x="-6471" y="105294"/>
+                  <a:pt x="5433" y="134029"/>
+                  <a:pt x="21143" y="181154"/>
+                </a:cubicBezTo>
+                <a:cubicBezTo>
+                  <a:pt x="110028" y="151526"/>
+                  <a:pt x="72316" y="161891"/>
+                  <a:pt x="133286" y="146649"/>
+                </a:cubicBezTo>
+                <a:cubicBezTo>
+                  <a:pt x="232227" y="155643"/>
+                  <a:pt x="205720" y="132815"/>
+                  <a:pt x="236803" y="163902"/>
+                </a:cubicBezTo>
+              </a:path>
+            </a:pathLst>
+          </a:custGeom>
+          <a:noFill/>
+          <a:ln>
+            <a:solidFill>
+              <a:schemeClr val="tx1"/>
+            </a:solidFill>
+          </a:ln>
+        </p:spPr>
+        <p:style>
+          <a:lnRef idx="2">
+            <a:schemeClr val="accent1">
+              <a:shade val="50000"/>
+            </a:schemeClr>
+          </a:lnRef>
+          <a:fillRef idx="1">
+            <a:schemeClr val="accent1"/>
+          </a:fillRef>
+          <a:effectRef idx="0">
+            <a:schemeClr val="accent1"/>
+          </a:effectRef>
+          <a:fontRef idx="minor">
+            <a:schemeClr val="lt1"/>
+          </a:fontRef>
+        </p:style>
+        <p:txBody>
+          <a:bodyPr rtlCol="0" anchor="ctr"/>
+          <a:lstStyle/>
+          <a:p>
+            <a:pPr algn="ctr"/>
+            <a:endParaRPr lang="ko-KR" altLang="en-US"/>
+          </a:p>
+        </p:txBody>
+      </p:sp>
+      <p:sp>
+        <p:nvSpPr>
+          <p:cNvPr id="45" name="자유형: 도형 44">
+            <a:extLst>
+              <a:ext uri="{FF2B5EF4-FFF2-40B4-BE49-F238E27FC236}">
+                <a16:creationId xmlns:a16="http://schemas.microsoft.com/office/drawing/2014/main" id="{DE498F59-F851-4C46-A42B-C0EA4A21C09B}"/>
+              </a:ext>
+            </a:extLst>
+          </p:cNvPr>
+          <p:cNvSpPr/>
+          <p:nvPr/>
+        </p:nvSpPr>
+        <p:spPr>
+          <a:xfrm>
+            <a:off x="9497683" y="5080958"/>
+            <a:ext cx="207176" cy="144779"/>
+          </a:xfrm>
+          <a:custGeom>
+            <a:avLst/>
+            <a:gdLst>
+              <a:gd name="connsiteX0" fmla="*/ 0 w 207176"/>
+              <a:gd name="connsiteY0" fmla="*/ 0 h 144779"/>
+              <a:gd name="connsiteX1" fmla="*/ 51759 w 207176"/>
+              <a:gd name="connsiteY1" fmla="*/ 25880 h 144779"/>
+              <a:gd name="connsiteX2" fmla="*/ 112143 w 207176"/>
+              <a:gd name="connsiteY2" fmla="*/ 43133 h 144779"/>
+              <a:gd name="connsiteX3" fmla="*/ 138023 w 207176"/>
+              <a:gd name="connsiteY3" fmla="*/ 51759 h 144779"/>
+              <a:gd name="connsiteX4" fmla="*/ 155275 w 207176"/>
+              <a:gd name="connsiteY4" fmla="*/ 86265 h 144779"/>
+              <a:gd name="connsiteX5" fmla="*/ 163902 w 207176"/>
+              <a:gd name="connsiteY5" fmla="*/ 112144 h 144779"/>
+              <a:gd name="connsiteX6" fmla="*/ 207034 w 207176"/>
+              <a:gd name="connsiteY6" fmla="*/ 120770 h 144779"/>
+            </a:gdLst>
+            <a:ahLst/>
+            <a:cxnLst>
+              <a:cxn ang="0">
+                <a:pos x="connsiteX0" y="connsiteY0"/>
+              </a:cxn>
+              <a:cxn ang="0">
+                <a:pos x="connsiteX1" y="connsiteY1"/>
+              </a:cxn>
+              <a:cxn ang="0">
+                <a:pos x="connsiteX2" y="connsiteY2"/>
+              </a:cxn>
+              <a:cxn ang="0">
+                <a:pos x="connsiteX3" y="connsiteY3"/>
+              </a:cxn>
+              <a:cxn ang="0">
+                <a:pos x="connsiteX4" y="connsiteY4"/>
+              </a:cxn>
+              <a:cxn ang="0">
+                <a:pos x="connsiteX5" y="connsiteY5"/>
+              </a:cxn>
+              <a:cxn ang="0">
+                <a:pos x="connsiteX6" y="connsiteY6"/>
+              </a:cxn>
+            </a:cxnLst>
+            <a:rect l="l" t="t" r="r" b="b"/>
+            <a:pathLst>
+              <a:path w="207176" h="144779">
+                <a:moveTo>
+                  <a:pt x="0" y="0"/>
+                </a:moveTo>
+                <a:cubicBezTo>
+                  <a:pt x="17253" y="8627"/>
+                  <a:pt x="33755" y="18955"/>
+                  <a:pt x="51759" y="25880"/>
+                </a:cubicBezTo>
+                <a:cubicBezTo>
+                  <a:pt x="71297" y="33395"/>
+                  <a:pt x="92092" y="37118"/>
+                  <a:pt x="112143" y="43133"/>
+                </a:cubicBezTo>
+                <a:cubicBezTo>
+                  <a:pt x="120853" y="45746"/>
+                  <a:pt x="129396" y="48884"/>
+                  <a:pt x="138023" y="51759"/>
+                </a:cubicBezTo>
+                <a:cubicBezTo>
+                  <a:pt x="143774" y="63261"/>
+                  <a:pt x="150209" y="74445"/>
+                  <a:pt x="155275" y="86265"/>
+                </a:cubicBezTo>
+                <a:cubicBezTo>
+                  <a:pt x="158857" y="94623"/>
+                  <a:pt x="157472" y="105714"/>
+                  <a:pt x="163902" y="112144"/>
+                </a:cubicBezTo>
+                <a:cubicBezTo>
+                  <a:pt x="211965" y="160207"/>
+                  <a:pt x="207034" y="148196"/>
+                  <a:pt x="207034" y="120770"/>
+                </a:cubicBezTo>
+              </a:path>
+            </a:pathLst>
+          </a:custGeom>
+          <a:noFill/>
+          <a:ln>
+            <a:solidFill>
+              <a:schemeClr val="tx1"/>
+            </a:solidFill>
+          </a:ln>
+        </p:spPr>
+        <p:style>
+          <a:lnRef idx="2">
+            <a:schemeClr val="accent1">
+              <a:shade val="50000"/>
+            </a:schemeClr>
+          </a:lnRef>
+          <a:fillRef idx="1">
+            <a:schemeClr val="accent1"/>
+          </a:fillRef>
+          <a:effectRef idx="0">
+            <a:schemeClr val="accent1"/>
+          </a:effectRef>
+          <a:fontRef idx="minor">
+            <a:schemeClr val="lt1"/>
+          </a:fontRef>
+        </p:style>
+        <p:txBody>
+          <a:bodyPr rtlCol="0" anchor="ctr"/>
+          <a:lstStyle/>
+          <a:p>
+            <a:pPr algn="ctr"/>
+            <a:endParaRPr lang="ko-KR" altLang="en-US"/>
+          </a:p>
+        </p:txBody>
+      </p:sp>
+      <p:sp>
+        <p:nvSpPr>
+          <p:cNvPr id="46" name="자유형: 도형 45">
+            <a:extLst>
+              <a:ext uri="{FF2B5EF4-FFF2-40B4-BE49-F238E27FC236}">
+                <a16:creationId xmlns:a16="http://schemas.microsoft.com/office/drawing/2014/main" id="{DF028674-AB1A-4289-AD0C-5B81B33E35A1}"/>
+              </a:ext>
+            </a:extLst>
+          </p:cNvPr>
+          <p:cNvSpPr/>
+          <p:nvPr/>
+        </p:nvSpPr>
+        <p:spPr>
+          <a:xfrm>
+            <a:off x="9894498" y="5055079"/>
+            <a:ext cx="146649" cy="146649"/>
+          </a:xfrm>
+          <a:custGeom>
+            <a:avLst/>
+            <a:gdLst>
+              <a:gd name="connsiteX0" fmla="*/ 0 w 146649"/>
+              <a:gd name="connsiteY0" fmla="*/ 146649 h 146649"/>
+              <a:gd name="connsiteX1" fmla="*/ 17253 w 146649"/>
+              <a:gd name="connsiteY1" fmla="*/ 86264 h 146649"/>
+              <a:gd name="connsiteX2" fmla="*/ 43132 w 146649"/>
+              <a:gd name="connsiteY2" fmla="*/ 77638 h 146649"/>
+              <a:gd name="connsiteX3" fmla="*/ 94891 w 146649"/>
+              <a:gd name="connsiteY3" fmla="*/ 51759 h 146649"/>
+              <a:gd name="connsiteX4" fmla="*/ 146649 w 146649"/>
+              <a:gd name="connsiteY4" fmla="*/ 0 h 146649"/>
+            </a:gdLst>
+            <a:ahLst/>
+            <a:cxnLst>
+              <a:cxn ang="0">
+                <a:pos x="connsiteX0" y="connsiteY0"/>
+              </a:cxn>
+              <a:cxn ang="0">
+                <a:pos x="connsiteX1" y="connsiteY1"/>
+              </a:cxn>
+              <a:cxn ang="0">
+                <a:pos x="connsiteX2" y="connsiteY2"/>
+              </a:cxn>
+              <a:cxn ang="0">
+                <a:pos x="connsiteX3" y="connsiteY3"/>
+              </a:cxn>
+              <a:cxn ang="0">
+                <a:pos x="connsiteX4" y="connsiteY4"/>
+              </a:cxn>
+            </a:cxnLst>
+            <a:rect l="l" t="t" r="r" b="b"/>
+            <a:pathLst>
+              <a:path w="146649" h="146649">
+                <a:moveTo>
+                  <a:pt x="0" y="146649"/>
+                </a:moveTo>
+                <a:cubicBezTo>
+                  <a:pt x="5751" y="126521"/>
+                  <a:pt x="6158" y="104016"/>
+                  <a:pt x="17253" y="86264"/>
+                </a:cubicBezTo>
+                <a:cubicBezTo>
+                  <a:pt x="22072" y="78553"/>
+                  <a:pt x="34823" y="81331"/>
+                  <a:pt x="43132" y="77638"/>
+                </a:cubicBezTo>
+                <a:cubicBezTo>
+                  <a:pt x="60759" y="69804"/>
+                  <a:pt x="78351" y="61683"/>
+                  <a:pt x="94891" y="51759"/>
+                </a:cubicBezTo>
+                <a:cubicBezTo>
+                  <a:pt x="130555" y="30360"/>
+                  <a:pt x="126566" y="30124"/>
+                  <a:pt x="146649" y="0"/>
+                </a:cubicBezTo>
+              </a:path>
+            </a:pathLst>
+          </a:custGeom>
+          <a:noFill/>
+          <a:ln>
+            <a:solidFill>
+              <a:schemeClr val="tx1"/>
+            </a:solidFill>
+          </a:ln>
+        </p:spPr>
+        <p:style>
+          <a:lnRef idx="2">
+            <a:schemeClr val="accent1">
+              <a:shade val="50000"/>
+            </a:schemeClr>
+          </a:lnRef>
+          <a:fillRef idx="1">
+            <a:schemeClr val="accent1"/>
+          </a:fillRef>
+          <a:effectRef idx="0">
+            <a:schemeClr val="accent1"/>
+          </a:effectRef>
+          <a:fontRef idx="minor">
+            <a:schemeClr val="lt1"/>
+          </a:fontRef>
+        </p:style>
+        <p:txBody>
+          <a:bodyPr rtlCol="0" anchor="ctr"/>
+          <a:lstStyle/>
+          <a:p>
+            <a:pPr algn="ctr"/>
+            <a:endParaRPr lang="ko-KR" altLang="en-US"/>
+          </a:p>
+        </p:txBody>
+      </p:sp>
+      <p:sp>
+        <p:nvSpPr>
+          <p:cNvPr id="48" name="TextBox 47">
+            <a:extLst>
+              <a:ext uri="{FF2B5EF4-FFF2-40B4-BE49-F238E27FC236}">
+                <a16:creationId xmlns:a16="http://schemas.microsoft.com/office/drawing/2014/main" id="{765E271E-04F8-4966-921E-B591135B5B50}"/>
+              </a:ext>
+            </a:extLst>
+          </p:cNvPr>
+          <p:cNvSpPr txBox="1"/>
+          <p:nvPr/>
+        </p:nvSpPr>
+        <p:spPr>
+          <a:xfrm>
+            <a:off x="10108377" y="4804866"/>
+            <a:ext cx="1890061" cy="861774"/>
+          </a:xfrm>
+          <a:prstGeom prst="rect">
+            <a:avLst/>
+          </a:prstGeom>
+          <a:noFill/>
+        </p:spPr>
+        <p:txBody>
+          <a:bodyPr wrap="square" rtlCol="0">
+            <a:spAutoFit/>
+          </a:bodyPr>
+          <a:lstStyle/>
+          <a:p>
+            <a:r>
+              <a:rPr lang="en-US" altLang="ko-KR" dirty="0"/>
+              <a:t>: </a:t>
+            </a:r>
+            <a:r>
+              <a:rPr lang="ko-KR" altLang="en-US" sz="1600" dirty="0" err="1"/>
+              <a:t>미니맵</a:t>
+            </a:r>
+            <a:r>
+              <a:rPr lang="en-US" altLang="ko-KR" sz="1600" dirty="0"/>
+              <a:t>(</a:t>
+            </a:r>
+            <a:r>
+              <a:rPr lang="ko-KR" altLang="en-US" sz="1600" dirty="0"/>
+              <a:t>현재 </a:t>
+            </a:r>
+            <a:r>
+              <a:rPr lang="ko-KR" altLang="en-US" sz="1600" dirty="0" err="1"/>
+              <a:t>드론</a:t>
+            </a:r>
+            <a:r>
+              <a:rPr lang="ko-KR" altLang="en-US" sz="1600" dirty="0"/>
+              <a:t> 사용자의 위치를 보여줌</a:t>
+            </a:r>
+            <a:r>
+              <a:rPr lang="en-US" altLang="ko-KR" sz="1600" dirty="0"/>
+              <a:t>)</a:t>
+            </a:r>
+            <a:endParaRPr lang="ko-KR" altLang="en-US" sz="1600" dirty="0"/>
+          </a:p>
+        </p:txBody>
+      </p:sp>
+      <p:sp>
+        <p:nvSpPr>
+          <p:cNvPr id="50" name="사각형: 둥근 모서리 49">
+            <a:extLst>
+              <a:ext uri="{FF2B5EF4-FFF2-40B4-BE49-F238E27FC236}">
+                <a16:creationId xmlns:a16="http://schemas.microsoft.com/office/drawing/2014/main" id="{07C17BC4-A9B7-40C8-8424-B111C2E77DF5}"/>
+              </a:ext>
+            </a:extLst>
+          </p:cNvPr>
+          <p:cNvSpPr/>
+          <p:nvPr/>
+        </p:nvSpPr>
+        <p:spPr>
+          <a:xfrm>
+            <a:off x="7695927" y="5374257"/>
+            <a:ext cx="1413537" cy="1319841"/>
+          </a:xfrm>
+          <a:prstGeom prst="roundRect">
+            <a:avLst/>
+          </a:prstGeom>
+          <a:solidFill>
+            <a:schemeClr val="accent4">
+              <a:lumMod val="75000"/>
+            </a:schemeClr>
+          </a:solidFill>
+          <a:ln>
+            <a:solidFill>
+              <a:schemeClr val="tx1"/>
+            </a:solidFill>
+          </a:ln>
+        </p:spPr>
+        <p:style>
+          <a:lnRef idx="2">
+            <a:schemeClr val="accent1">
+              <a:shade val="50000"/>
+            </a:schemeClr>
+          </a:lnRef>
+          <a:fillRef idx="1">
+            <a:schemeClr val="accent1"/>
+          </a:fillRef>
+          <a:effectRef idx="0">
+            <a:schemeClr val="accent1"/>
+          </a:effectRef>
+          <a:fontRef idx="minor">
+            <a:schemeClr val="lt1"/>
+          </a:fontRef>
+        </p:style>
+        <p:txBody>
+          <a:bodyPr rtlCol="0" anchor="b"/>
+          <a:lstStyle/>
+          <a:p>
+            <a:pPr algn="l">
+              <a:lnSpc>
+                <a:spcPct val="200000"/>
+              </a:lnSpc>
+            </a:pPr>
+            <a:endParaRPr lang="ko-KR" altLang="en-US" dirty="0">
+              <a:solidFill>
+                <a:schemeClr val="tx1"/>
+              </a:solidFill>
+            </a:endParaRPr>
+          </a:p>
+        </p:txBody>
+      </p:sp>
+      <p:sp>
+        <p:nvSpPr>
+          <p:cNvPr id="51" name="TextBox 50">
+            <a:extLst>
+              <a:ext uri="{FF2B5EF4-FFF2-40B4-BE49-F238E27FC236}">
+                <a16:creationId xmlns:a16="http://schemas.microsoft.com/office/drawing/2014/main" id="{10C126F9-6DF8-44D8-9F6B-C1AC88BDC805}"/>
+              </a:ext>
+            </a:extLst>
+          </p:cNvPr>
+          <p:cNvSpPr txBox="1"/>
+          <p:nvPr/>
+        </p:nvSpPr>
+        <p:spPr>
+          <a:xfrm>
+            <a:off x="7815452" y="5374256"/>
+            <a:ext cx="1195842" cy="215444"/>
+          </a:xfrm>
+          <a:prstGeom prst="rect">
+            <a:avLst/>
+          </a:prstGeom>
+          <a:noFill/>
+        </p:spPr>
+        <p:txBody>
+          <a:bodyPr wrap="square" rtlCol="0">
+            <a:spAutoFit/>
+          </a:bodyPr>
+          <a:lstStyle/>
+          <a:p>
+            <a:r>
+              <a:rPr lang="ko-KR" altLang="en-US" sz="800" dirty="0"/>
+              <a:t>현재 획득한 아이템</a:t>
+            </a:r>
+          </a:p>
+        </p:txBody>
+      </p:sp>
+      <p:pic>
+        <p:nvPicPr>
+          <p:cNvPr id="2062" name="Picture 14" descr="돋보기 - 무료 도구 및기구개 아이콘">
+            <a:extLst>
+              <a:ext uri="{FF2B5EF4-FFF2-40B4-BE49-F238E27FC236}">
+                <a16:creationId xmlns:a16="http://schemas.microsoft.com/office/drawing/2014/main" id="{55E75729-AE9E-4155-BCC0-7EF11C679A44}"/>
+              </a:ext>
+            </a:extLst>
+          </p:cNvPr>
+          <p:cNvPicPr>
+            <a:picLocks noChangeAspect="1" noChangeArrowheads="1"/>
+          </p:cNvPicPr>
+          <p:nvPr/>
+        </p:nvPicPr>
+        <p:blipFill>
+          <a:blip r:embed="rId5">
+            <a:extLst>
+              <a:ext uri="{28A0092B-C50C-407E-A947-70E740481C1C}">
+                <a14:useLocalDpi xmlns:a14="http://schemas.microsoft.com/office/drawing/2010/main" val="0"/>
+              </a:ext>
+            </a:extLst>
+          </a:blip>
+          <a:srcRect/>
+          <a:stretch>
+            <a:fillRect/>
+          </a:stretch>
+        </p:blipFill>
+        <p:spPr bwMode="auto">
+          <a:xfrm rot="5400000" flipV="1">
+            <a:off x="7798184" y="5637799"/>
+            <a:ext cx="243097" cy="243097"/>
+          </a:xfrm>
+          <a:prstGeom prst="rect">
+            <a:avLst/>
+          </a:prstGeom>
+          <a:noFill/>
+          <a:extLst>
+            <a:ext uri="{909E8E84-426E-40DD-AFC4-6F175D3DCCD1}">
+              <a14:hiddenFill xmlns:a14="http://schemas.microsoft.com/office/drawing/2010/main">
+                <a:solidFill>
+                  <a:srgbClr val="FFFFFF"/>
+                </a:solidFill>
+              </a14:hiddenFill>
+            </a:ext>
+          </a:extLst>
+        </p:spPr>
+      </p:pic>
+      <p:sp>
+        <p:nvSpPr>
+          <p:cNvPr id="59" name="사각형: 둥근 모서리 58">
+            <a:extLst>
+              <a:ext uri="{FF2B5EF4-FFF2-40B4-BE49-F238E27FC236}">
+                <a16:creationId xmlns:a16="http://schemas.microsoft.com/office/drawing/2014/main" id="{C2D9F312-4258-40FA-B3B9-6F3F075E615D}"/>
+              </a:ext>
+            </a:extLst>
+          </p:cNvPr>
+          <p:cNvSpPr/>
+          <p:nvPr/>
+        </p:nvSpPr>
+        <p:spPr>
+          <a:xfrm>
+            <a:off x="9461931" y="5766877"/>
+            <a:ext cx="545175" cy="439947"/>
+          </a:xfrm>
+          <a:prstGeom prst="roundRect">
+            <a:avLst/>
+          </a:prstGeom>
+          <a:solidFill>
+            <a:schemeClr val="accent4">
+              <a:lumMod val="75000"/>
+            </a:schemeClr>
+          </a:solidFill>
+          <a:ln>
+            <a:solidFill>
+              <a:schemeClr val="tx1"/>
+            </a:solidFill>
+          </a:ln>
+        </p:spPr>
+        <p:style>
+          <a:lnRef idx="2">
+            <a:schemeClr val="accent1">
+              <a:shade val="50000"/>
+            </a:schemeClr>
+          </a:lnRef>
+          <a:fillRef idx="1">
+            <a:schemeClr val="accent1"/>
+          </a:fillRef>
+          <a:effectRef idx="0">
+            <a:schemeClr val="accent1"/>
+          </a:effectRef>
+          <a:fontRef idx="minor">
+            <a:schemeClr val="lt1"/>
+          </a:fontRef>
+        </p:style>
+        <p:txBody>
+          <a:bodyPr rtlCol="0" anchor="b"/>
+          <a:lstStyle/>
+          <a:p>
+            <a:pPr algn="l">
+              <a:lnSpc>
+                <a:spcPct val="200000"/>
+              </a:lnSpc>
+            </a:pPr>
+            <a:endParaRPr lang="ko-KR" altLang="en-US" dirty="0">
+              <a:solidFill>
+                <a:schemeClr val="tx1"/>
+              </a:solidFill>
+            </a:endParaRPr>
+          </a:p>
+        </p:txBody>
+      </p:sp>
+      <p:sp>
+        <p:nvSpPr>
+          <p:cNvPr id="52" name="TextBox 51">
+            <a:extLst>
+              <a:ext uri="{FF2B5EF4-FFF2-40B4-BE49-F238E27FC236}">
+                <a16:creationId xmlns:a16="http://schemas.microsoft.com/office/drawing/2014/main" id="{C8FE3C6C-FEF6-4210-9E6A-180F7EEF5B26}"/>
+              </a:ext>
+            </a:extLst>
+          </p:cNvPr>
+          <p:cNvSpPr txBox="1"/>
+          <p:nvPr/>
+        </p:nvSpPr>
+        <p:spPr>
+          <a:xfrm>
+            <a:off x="9419405" y="5768741"/>
+            <a:ext cx="630225" cy="153888"/>
+          </a:xfrm>
+          <a:prstGeom prst="rect">
+            <a:avLst/>
+          </a:prstGeom>
+          <a:noFill/>
+        </p:spPr>
+        <p:txBody>
+          <a:bodyPr wrap="square" rtlCol="0">
+            <a:spAutoFit/>
+          </a:bodyPr>
+          <a:lstStyle/>
+          <a:p>
+            <a:r>
+              <a:rPr lang="ko-KR" altLang="en-US" sz="400" dirty="0"/>
+              <a:t>현재 획득한 아이템</a:t>
+            </a:r>
+          </a:p>
+        </p:txBody>
+      </p:sp>
+      <p:pic>
+        <p:nvPicPr>
+          <p:cNvPr id="61" name="Picture 14" descr="돋보기 - 무료 도구 및기구개 아이콘">
+            <a:extLst>
+              <a:ext uri="{FF2B5EF4-FFF2-40B4-BE49-F238E27FC236}">
+                <a16:creationId xmlns:a16="http://schemas.microsoft.com/office/drawing/2014/main" id="{61F24426-FF13-46C6-BB42-7D76A35DCBF7}"/>
+              </a:ext>
+            </a:extLst>
+          </p:cNvPr>
+          <p:cNvPicPr>
+            <a:picLocks noChangeAspect="1" noChangeArrowheads="1"/>
+          </p:cNvPicPr>
+          <p:nvPr/>
+        </p:nvPicPr>
+        <p:blipFill>
+          <a:blip r:embed="rId5">
+            <a:extLst>
+              <a:ext uri="{28A0092B-C50C-407E-A947-70E740481C1C}">
+                <a14:useLocalDpi xmlns:a14="http://schemas.microsoft.com/office/drawing/2010/main" val="0"/>
+              </a:ext>
+            </a:extLst>
+          </a:blip>
+          <a:srcRect/>
+          <a:stretch>
+            <a:fillRect/>
+          </a:stretch>
+        </p:blipFill>
+        <p:spPr bwMode="auto">
+          <a:xfrm rot="5400000" flipV="1">
+            <a:off x="9533687" y="5938626"/>
+            <a:ext cx="165423" cy="165423"/>
+          </a:xfrm>
+          <a:prstGeom prst="rect">
+            <a:avLst/>
+          </a:prstGeom>
+          <a:noFill/>
+          <a:extLst>
+            <a:ext uri="{909E8E84-426E-40DD-AFC4-6F175D3DCCD1}">
+              <a14:hiddenFill xmlns:a14="http://schemas.microsoft.com/office/drawing/2010/main">
+                <a:solidFill>
+                  <a:srgbClr val="FFFFFF"/>
+                </a:solidFill>
+              </a14:hiddenFill>
+            </a:ext>
+          </a:extLst>
+        </p:spPr>
+      </p:pic>
+      <p:sp>
+        <p:nvSpPr>
+          <p:cNvPr id="53" name="TextBox 52">
+            <a:extLst>
+              <a:ext uri="{FF2B5EF4-FFF2-40B4-BE49-F238E27FC236}">
+                <a16:creationId xmlns:a16="http://schemas.microsoft.com/office/drawing/2014/main" id="{A364BC03-70C4-4845-97D3-8209A8633E20}"/>
+              </a:ext>
+            </a:extLst>
+          </p:cNvPr>
+          <p:cNvSpPr txBox="1"/>
+          <p:nvPr/>
+        </p:nvSpPr>
+        <p:spPr>
+          <a:xfrm>
+            <a:off x="10189695" y="5782733"/>
+            <a:ext cx="1794992" cy="861774"/>
+          </a:xfrm>
+          <a:prstGeom prst="rect">
+            <a:avLst/>
+          </a:prstGeom>
+          <a:noFill/>
+        </p:spPr>
+        <p:txBody>
+          <a:bodyPr wrap="square" rtlCol="0">
+            <a:spAutoFit/>
+          </a:bodyPr>
+          <a:lstStyle/>
+          <a:p>
+            <a:r>
+              <a:rPr lang="en-US" altLang="ko-KR" dirty="0"/>
+              <a:t>:</a:t>
+            </a:r>
+            <a:r>
+              <a:rPr lang="ko-KR" altLang="en-US" sz="1600" dirty="0"/>
+              <a:t>사용자가 실시간으로 획득한 아이템을 보여줌</a:t>
+            </a:r>
+          </a:p>
+        </p:txBody>
+      </p:sp>
+      <p:pic>
+        <p:nvPicPr>
+          <p:cNvPr id="63" name="Picture 10" descr="군인 - 무료 사람들개 아이콘">
+            <a:extLst>
+              <a:ext uri="{FF2B5EF4-FFF2-40B4-BE49-F238E27FC236}">
+                <a16:creationId xmlns:a16="http://schemas.microsoft.com/office/drawing/2014/main" id="{2FB2D0E5-A698-4943-9FFA-8FACDF78E8A2}"/>
+              </a:ext>
+            </a:extLst>
+          </p:cNvPr>
+          <p:cNvPicPr>
+            <a:picLocks noChangeAspect="1" noChangeArrowheads="1"/>
+          </p:cNvPicPr>
+          <p:nvPr/>
+        </p:nvPicPr>
+        <p:blipFill>
+          <a:blip r:embed="rId4">
+            <a:extLst>
+              <a:ext uri="{28A0092B-C50C-407E-A947-70E740481C1C}">
+                <a14:useLocalDpi xmlns:a14="http://schemas.microsoft.com/office/drawing/2010/main" val="0"/>
+              </a:ext>
+            </a:extLst>
+          </a:blip>
+          <a:srcRect/>
+          <a:stretch>
+            <a:fillRect/>
+          </a:stretch>
+        </p:blipFill>
+        <p:spPr bwMode="auto">
+          <a:xfrm>
+            <a:off x="6734252" y="2458217"/>
+            <a:ext cx="545985" cy="545985"/>
+          </a:xfrm>
+          <a:prstGeom prst="rect">
+            <a:avLst/>
+          </a:prstGeom>
+          <a:noFill/>
+          <a:extLst>
+            <a:ext uri="{909E8E84-426E-40DD-AFC4-6F175D3DCCD1}">
+              <a14:hiddenFill xmlns:a14="http://schemas.microsoft.com/office/drawing/2010/main">
+                <a:solidFill>
+                  <a:srgbClr val="FFFFFF"/>
+                </a:solidFill>
+              </a14:hiddenFill>
+            </a:ext>
+          </a:extLst>
+        </p:spPr>
+      </p:pic>
     </p:spTree>
     <p:extLst>
       <p:ext uri="{BB962C8B-B14F-4D97-AF65-F5344CB8AC3E}">
-        <p14:creationId xmlns:p14="http://schemas.microsoft.com/office/powerpoint/2010/main" val="2108159418"/>
+        <p14:creationId xmlns:p14="http://schemas.microsoft.com/office/powerpoint/2010/main" val="1528453822"/>
       </p:ext>
     </p:extLst>
   </p:cSld>
@@ -3963,6 +7920,1014 @@
                   <a:schemeClr val="tx1"/>
                 </a:solidFill>
               </a:rPr>
+              <a:t>G.002 </a:t>
+            </a:r>
+            <a:r>
+              <a:rPr lang="ko-KR" altLang="en-US" sz="3200" dirty="0">
+                <a:solidFill>
+                  <a:schemeClr val="tx1"/>
+                </a:solidFill>
+              </a:rPr>
+              <a:t>클리어 화면</a:t>
+            </a:r>
+            <a:endParaRPr lang="en-US" altLang="ko-KR" sz="3200" dirty="0">
+              <a:solidFill>
+                <a:schemeClr val="tx1"/>
+              </a:solidFill>
+            </a:endParaRPr>
+          </a:p>
+        </p:txBody>
+      </p:sp>
+      <p:sp>
+        <p:nvSpPr>
+          <p:cNvPr id="6" name="TextBox 5">
+            <a:extLst>
+              <a:ext uri="{FF2B5EF4-FFF2-40B4-BE49-F238E27FC236}">
+                <a16:creationId xmlns:a16="http://schemas.microsoft.com/office/drawing/2014/main" id="{6BDFCE3C-F02A-483D-B18B-89221DA60F6B}"/>
+              </a:ext>
+            </a:extLst>
+          </p:cNvPr>
+          <p:cNvSpPr txBox="1"/>
+          <p:nvPr/>
+        </p:nvSpPr>
+        <p:spPr>
+          <a:xfrm>
+            <a:off x="9303026" y="946298"/>
+            <a:ext cx="992579" cy="369332"/>
+          </a:xfrm>
+          <a:prstGeom prst="rect">
+            <a:avLst/>
+          </a:prstGeom>
+          <a:noFill/>
+        </p:spPr>
+        <p:txBody>
+          <a:bodyPr wrap="none" rtlCol="0">
+            <a:spAutoFit/>
+          </a:bodyPr>
+          <a:lstStyle/>
+          <a:p>
+            <a:pPr marL="342900" indent="-342900">
+              <a:buAutoNum type="arabicPeriod"/>
+            </a:pPr>
+            <a:r>
+              <a:rPr lang="ko-KR" altLang="en-US" dirty="0">
+                <a:solidFill>
+                  <a:srgbClr val="FF0000"/>
+                </a:solidFill>
+              </a:rPr>
+              <a:t>설명</a:t>
+            </a:r>
+            <a:endParaRPr lang="en-US" altLang="ko-KR" dirty="0">
+              <a:solidFill>
+                <a:srgbClr val="FF0000"/>
+              </a:solidFill>
+            </a:endParaRPr>
+          </a:p>
+        </p:txBody>
+      </p:sp>
+      <p:sp>
+        <p:nvSpPr>
+          <p:cNvPr id="2" name="화살표: 오른쪽 1">
+            <a:extLst>
+              <a:ext uri="{FF2B5EF4-FFF2-40B4-BE49-F238E27FC236}">
+                <a16:creationId xmlns:a16="http://schemas.microsoft.com/office/drawing/2014/main" id="{6E1F502E-5C57-4488-AE06-FB51C97559DD}"/>
+              </a:ext>
+            </a:extLst>
+          </p:cNvPr>
+          <p:cNvSpPr/>
+          <p:nvPr/>
+        </p:nvSpPr>
+        <p:spPr>
+          <a:xfrm>
+            <a:off x="6560191" y="5519956"/>
+            <a:ext cx="1308682" cy="721453"/>
+          </a:xfrm>
+          <a:prstGeom prst="rightArrow">
+            <a:avLst/>
+          </a:prstGeom>
+          <a:solidFill>
+            <a:schemeClr val="accent3">
+              <a:lumMod val="20000"/>
+              <a:lumOff val="80000"/>
+            </a:schemeClr>
+          </a:solidFill>
+          <a:ln>
+            <a:solidFill>
+              <a:schemeClr val="tx1"/>
+            </a:solidFill>
+          </a:ln>
+        </p:spPr>
+        <p:style>
+          <a:lnRef idx="2">
+            <a:schemeClr val="accent1">
+              <a:shade val="50000"/>
+            </a:schemeClr>
+          </a:lnRef>
+          <a:fillRef idx="1">
+            <a:schemeClr val="accent1"/>
+          </a:fillRef>
+          <a:effectRef idx="0">
+            <a:schemeClr val="accent1"/>
+          </a:effectRef>
+          <a:fontRef idx="minor">
+            <a:schemeClr val="lt1"/>
+          </a:fontRef>
+        </p:style>
+        <p:txBody>
+          <a:bodyPr rtlCol="0" anchor="b"/>
+          <a:lstStyle/>
+          <a:p>
+            <a:pPr algn="l">
+              <a:lnSpc>
+                <a:spcPct val="200000"/>
+              </a:lnSpc>
+            </a:pPr>
+            <a:endParaRPr lang="ko-KR" altLang="en-US" dirty="0">
+              <a:solidFill>
+                <a:schemeClr val="tx1"/>
+              </a:solidFill>
+            </a:endParaRPr>
+          </a:p>
+        </p:txBody>
+      </p:sp>
+      <p:sp>
+        <p:nvSpPr>
+          <p:cNvPr id="7" name="화살표: 오른쪽 6">
+            <a:extLst>
+              <a:ext uri="{FF2B5EF4-FFF2-40B4-BE49-F238E27FC236}">
+                <a16:creationId xmlns:a16="http://schemas.microsoft.com/office/drawing/2014/main" id="{6959FA29-187D-48EC-8521-F58F9E1D67A0}"/>
+              </a:ext>
+            </a:extLst>
+          </p:cNvPr>
+          <p:cNvSpPr/>
+          <p:nvPr/>
+        </p:nvSpPr>
+        <p:spPr>
+          <a:xfrm rot="10800000">
+            <a:off x="1184246" y="5430168"/>
+            <a:ext cx="1308682" cy="721453"/>
+          </a:xfrm>
+          <a:prstGeom prst="rightArrow">
+            <a:avLst/>
+          </a:prstGeom>
+          <a:solidFill>
+            <a:schemeClr val="accent3">
+              <a:lumMod val="20000"/>
+              <a:lumOff val="80000"/>
+            </a:schemeClr>
+          </a:solidFill>
+          <a:ln>
+            <a:solidFill>
+              <a:schemeClr val="tx1"/>
+            </a:solidFill>
+          </a:ln>
+        </p:spPr>
+        <p:style>
+          <a:lnRef idx="2">
+            <a:schemeClr val="accent1">
+              <a:shade val="50000"/>
+            </a:schemeClr>
+          </a:lnRef>
+          <a:fillRef idx="1">
+            <a:schemeClr val="accent1"/>
+          </a:fillRef>
+          <a:effectRef idx="0">
+            <a:schemeClr val="accent1"/>
+          </a:effectRef>
+          <a:fontRef idx="minor">
+            <a:schemeClr val="lt1"/>
+          </a:fontRef>
+        </p:style>
+        <p:txBody>
+          <a:bodyPr rtlCol="0" anchor="b"/>
+          <a:lstStyle/>
+          <a:p>
+            <a:pPr algn="l">
+              <a:lnSpc>
+                <a:spcPct val="200000"/>
+              </a:lnSpc>
+            </a:pPr>
+            <a:endParaRPr lang="ko-KR" altLang="en-US" dirty="0">
+              <a:solidFill>
+                <a:schemeClr val="tx1"/>
+              </a:solidFill>
+            </a:endParaRPr>
+          </a:p>
+        </p:txBody>
+      </p:sp>
+      <p:sp>
+        <p:nvSpPr>
+          <p:cNvPr id="3" name="TextBox 2">
+            <a:extLst>
+              <a:ext uri="{FF2B5EF4-FFF2-40B4-BE49-F238E27FC236}">
+                <a16:creationId xmlns:a16="http://schemas.microsoft.com/office/drawing/2014/main" id="{4A4DF902-EC0B-4663-B943-5225CD092DD1}"/>
+              </a:ext>
+            </a:extLst>
+          </p:cNvPr>
+          <p:cNvSpPr txBox="1"/>
+          <p:nvPr/>
+        </p:nvSpPr>
+        <p:spPr>
+          <a:xfrm>
+            <a:off x="9454393" y="1510018"/>
+            <a:ext cx="2483141" cy="369332"/>
+          </a:xfrm>
+          <a:prstGeom prst="rect">
+            <a:avLst/>
+          </a:prstGeom>
+          <a:noFill/>
+        </p:spPr>
+        <p:txBody>
+          <a:bodyPr wrap="square" rtlCol="0">
+            <a:spAutoFit/>
+          </a:bodyPr>
+          <a:lstStyle/>
+          <a:p>
+            <a:r>
+              <a:rPr lang="en-US" altLang="ko-KR" dirty="0"/>
+              <a:t>   : </a:t>
+            </a:r>
+            <a:r>
+              <a:rPr lang="ko-KR" altLang="en-US" dirty="0"/>
+              <a:t>다음 화면</a:t>
+            </a:r>
+            <a:r>
+              <a:rPr lang="en-US" altLang="ko-KR" dirty="0"/>
+              <a:t>(</a:t>
+            </a:r>
+            <a:r>
+              <a:rPr lang="ko-KR" altLang="en-US" dirty="0"/>
+              <a:t>단계</a:t>
+            </a:r>
+            <a:r>
+              <a:rPr lang="en-US" altLang="ko-KR" dirty="0"/>
+              <a:t>)</a:t>
+            </a:r>
+            <a:endParaRPr lang="ko-KR" altLang="en-US" dirty="0"/>
+          </a:p>
+        </p:txBody>
+      </p:sp>
+      <p:sp>
+        <p:nvSpPr>
+          <p:cNvPr id="8" name="화살표: 오른쪽 7">
+            <a:extLst>
+              <a:ext uri="{FF2B5EF4-FFF2-40B4-BE49-F238E27FC236}">
+                <a16:creationId xmlns:a16="http://schemas.microsoft.com/office/drawing/2014/main" id="{6C042BDC-B25A-4112-ADB0-EAAD8BFD6CB4}"/>
+              </a:ext>
+            </a:extLst>
+          </p:cNvPr>
+          <p:cNvSpPr/>
+          <p:nvPr/>
+        </p:nvSpPr>
+        <p:spPr>
+          <a:xfrm>
+            <a:off x="9563450" y="1619075"/>
+            <a:ext cx="167779" cy="142613"/>
+          </a:xfrm>
+          <a:prstGeom prst="rightArrow">
+            <a:avLst/>
+          </a:prstGeom>
+          <a:solidFill>
+            <a:schemeClr val="accent3">
+              <a:lumMod val="20000"/>
+              <a:lumOff val="80000"/>
+            </a:schemeClr>
+          </a:solidFill>
+          <a:ln>
+            <a:solidFill>
+              <a:schemeClr val="tx1"/>
+            </a:solidFill>
+          </a:ln>
+        </p:spPr>
+        <p:style>
+          <a:lnRef idx="2">
+            <a:schemeClr val="accent1">
+              <a:shade val="50000"/>
+            </a:schemeClr>
+          </a:lnRef>
+          <a:fillRef idx="1">
+            <a:schemeClr val="accent1"/>
+          </a:fillRef>
+          <a:effectRef idx="0">
+            <a:schemeClr val="accent1"/>
+          </a:effectRef>
+          <a:fontRef idx="minor">
+            <a:schemeClr val="lt1"/>
+          </a:fontRef>
+        </p:style>
+        <p:txBody>
+          <a:bodyPr rtlCol="0" anchor="b"/>
+          <a:lstStyle/>
+          <a:p>
+            <a:pPr algn="l">
+              <a:lnSpc>
+                <a:spcPct val="200000"/>
+              </a:lnSpc>
+            </a:pPr>
+            <a:endParaRPr lang="ko-KR" altLang="en-US" dirty="0">
+              <a:solidFill>
+                <a:schemeClr val="tx1"/>
+              </a:solidFill>
+            </a:endParaRPr>
+          </a:p>
+        </p:txBody>
+      </p:sp>
+      <p:sp>
+        <p:nvSpPr>
+          <p:cNvPr id="10" name="화살표: 오른쪽 9">
+            <a:extLst>
+              <a:ext uri="{FF2B5EF4-FFF2-40B4-BE49-F238E27FC236}">
+                <a16:creationId xmlns:a16="http://schemas.microsoft.com/office/drawing/2014/main" id="{F35CC15C-1AA3-42F6-9411-D10DE1F8258F}"/>
+              </a:ext>
+            </a:extLst>
+          </p:cNvPr>
+          <p:cNvSpPr/>
+          <p:nvPr/>
+        </p:nvSpPr>
+        <p:spPr>
+          <a:xfrm rot="10800000">
+            <a:off x="9563449" y="2073737"/>
+            <a:ext cx="167779" cy="166123"/>
+          </a:xfrm>
+          <a:prstGeom prst="rightArrow">
+            <a:avLst>
+              <a:gd name="adj1" fmla="val 50000"/>
+              <a:gd name="adj2" fmla="val 55660"/>
+            </a:avLst>
+          </a:prstGeom>
+          <a:solidFill>
+            <a:schemeClr val="accent3">
+              <a:lumMod val="20000"/>
+              <a:lumOff val="80000"/>
+            </a:schemeClr>
+          </a:solidFill>
+          <a:ln>
+            <a:solidFill>
+              <a:schemeClr val="tx1"/>
+            </a:solidFill>
+          </a:ln>
+        </p:spPr>
+        <p:style>
+          <a:lnRef idx="2">
+            <a:schemeClr val="accent1">
+              <a:shade val="50000"/>
+            </a:schemeClr>
+          </a:lnRef>
+          <a:fillRef idx="1">
+            <a:schemeClr val="accent1"/>
+          </a:fillRef>
+          <a:effectRef idx="0">
+            <a:schemeClr val="accent1"/>
+          </a:effectRef>
+          <a:fontRef idx="minor">
+            <a:schemeClr val="lt1"/>
+          </a:fontRef>
+        </p:style>
+        <p:txBody>
+          <a:bodyPr rtlCol="0" anchor="b"/>
+          <a:lstStyle/>
+          <a:p>
+            <a:pPr algn="l">
+              <a:lnSpc>
+                <a:spcPct val="200000"/>
+              </a:lnSpc>
+            </a:pPr>
+            <a:endParaRPr lang="ko-KR" altLang="en-US" dirty="0">
+              <a:solidFill>
+                <a:schemeClr val="tx1"/>
+              </a:solidFill>
+            </a:endParaRPr>
+          </a:p>
+        </p:txBody>
+      </p:sp>
+      <p:sp>
+        <p:nvSpPr>
+          <p:cNvPr id="11" name="TextBox 10">
+            <a:extLst>
+              <a:ext uri="{FF2B5EF4-FFF2-40B4-BE49-F238E27FC236}">
+                <a16:creationId xmlns:a16="http://schemas.microsoft.com/office/drawing/2014/main" id="{FC243CD5-CFAC-42EA-A951-87A1DE850788}"/>
+              </a:ext>
+            </a:extLst>
+          </p:cNvPr>
+          <p:cNvSpPr txBox="1"/>
+          <p:nvPr/>
+        </p:nvSpPr>
+        <p:spPr>
+          <a:xfrm>
+            <a:off x="9731228" y="1972132"/>
+            <a:ext cx="1795245" cy="369332"/>
+          </a:xfrm>
+          <a:prstGeom prst="rect">
+            <a:avLst/>
+          </a:prstGeom>
+          <a:noFill/>
+        </p:spPr>
+        <p:txBody>
+          <a:bodyPr wrap="square" rtlCol="0">
+            <a:spAutoFit/>
+          </a:bodyPr>
+          <a:lstStyle/>
+          <a:p>
+            <a:r>
+              <a:rPr lang="en-US" altLang="ko-KR" dirty="0"/>
+              <a:t>: </a:t>
+            </a:r>
+            <a:r>
+              <a:rPr lang="ko-KR" altLang="en-US" sz="1700" dirty="0"/>
+              <a:t>이전 화면</a:t>
+            </a:r>
+            <a:r>
+              <a:rPr lang="en-US" altLang="ko-KR" sz="1700" dirty="0"/>
+              <a:t>(</a:t>
+            </a:r>
+            <a:r>
+              <a:rPr lang="ko-KR" altLang="en-US" sz="1700" dirty="0"/>
+              <a:t>단계</a:t>
+            </a:r>
+            <a:r>
+              <a:rPr lang="en-US" altLang="ko-KR" sz="1700" dirty="0"/>
+              <a:t>)</a:t>
+            </a:r>
+            <a:endParaRPr lang="ko-KR" altLang="en-US" sz="1700" dirty="0"/>
+          </a:p>
+        </p:txBody>
+      </p:sp>
+      <p:sp>
+        <p:nvSpPr>
+          <p:cNvPr id="13" name="타원 12">
+            <a:extLst>
+              <a:ext uri="{FF2B5EF4-FFF2-40B4-BE49-F238E27FC236}">
+                <a16:creationId xmlns:a16="http://schemas.microsoft.com/office/drawing/2014/main" id="{DEA82695-230B-4374-8BF4-9FD2FA726D61}"/>
+              </a:ext>
+            </a:extLst>
+          </p:cNvPr>
+          <p:cNvSpPr/>
+          <p:nvPr/>
+        </p:nvSpPr>
+        <p:spPr>
+          <a:xfrm>
+            <a:off x="2614655" y="1619075"/>
+            <a:ext cx="3573710" cy="2203153"/>
+          </a:xfrm>
+          <a:prstGeom prst="ellipse">
+            <a:avLst/>
+          </a:prstGeom>
+          <a:solidFill>
+            <a:schemeClr val="accent1">
+              <a:lumMod val="20000"/>
+              <a:lumOff val="80000"/>
+            </a:schemeClr>
+          </a:solidFill>
+          <a:ln>
+            <a:solidFill>
+              <a:schemeClr val="tx1"/>
+            </a:solidFill>
+          </a:ln>
+        </p:spPr>
+        <p:style>
+          <a:lnRef idx="2">
+            <a:schemeClr val="accent1">
+              <a:shade val="50000"/>
+            </a:schemeClr>
+          </a:lnRef>
+          <a:fillRef idx="1">
+            <a:schemeClr val="accent1"/>
+          </a:fillRef>
+          <a:effectRef idx="0">
+            <a:schemeClr val="accent1"/>
+          </a:effectRef>
+          <a:fontRef idx="minor">
+            <a:schemeClr val="lt1"/>
+          </a:fontRef>
+        </p:style>
+        <p:txBody>
+          <a:bodyPr rtlCol="0" anchor="b"/>
+          <a:lstStyle/>
+          <a:p>
+            <a:pPr algn="l">
+              <a:lnSpc>
+                <a:spcPct val="200000"/>
+              </a:lnSpc>
+            </a:pPr>
+            <a:endParaRPr lang="ko-KR" altLang="en-US" dirty="0">
+              <a:solidFill>
+                <a:schemeClr val="tx1"/>
+              </a:solidFill>
+              <a:effectLst>
+                <a:outerShdw blurRad="50800" dist="38100" dir="2700000" algn="tl" rotWithShape="0">
+                  <a:prstClr val="black">
+                    <a:alpha val="40000"/>
+                  </a:prstClr>
+                </a:outerShdw>
+              </a:effectLst>
+            </a:endParaRPr>
+          </a:p>
+        </p:txBody>
+      </p:sp>
+      <p:sp>
+        <p:nvSpPr>
+          <p:cNvPr id="15" name="직사각형 14">
+            <a:extLst>
+              <a:ext uri="{FF2B5EF4-FFF2-40B4-BE49-F238E27FC236}">
+                <a16:creationId xmlns:a16="http://schemas.microsoft.com/office/drawing/2014/main" id="{BD79F97C-F8D7-46FE-A8E4-6AAD842C3A96}"/>
+              </a:ext>
+            </a:extLst>
+          </p:cNvPr>
+          <p:cNvSpPr/>
+          <p:nvPr/>
+        </p:nvSpPr>
+        <p:spPr>
+          <a:xfrm>
+            <a:off x="2650084" y="2341464"/>
+            <a:ext cx="3280934" cy="707886"/>
+          </a:xfrm>
+          <a:prstGeom prst="rect">
+            <a:avLst/>
+          </a:prstGeom>
+          <a:noFill/>
+        </p:spPr>
+        <p:txBody>
+          <a:bodyPr wrap="square" lIns="91440" tIns="45720" rIns="91440" bIns="45720">
+            <a:spAutoFit/>
+          </a:bodyPr>
+          <a:lstStyle/>
+          <a:p>
+            <a:pPr algn="ctr"/>
+            <a:r>
+              <a:rPr lang="ko-KR" altLang="en-US" sz="4000" b="1" cap="none" spc="50" dirty="0">
+                <a:ln w="9525" cmpd="sng">
+                  <a:solidFill>
+                    <a:schemeClr val="accent1"/>
+                  </a:solidFill>
+                  <a:prstDash val="solid"/>
+                </a:ln>
+                <a:solidFill>
+                  <a:srgbClr val="70AD47">
+                    <a:tint val="1000"/>
+                  </a:srgbClr>
+                </a:solidFill>
+                <a:effectLst>
+                  <a:glow rad="38100">
+                    <a:schemeClr val="accent1">
+                      <a:alpha val="40000"/>
+                    </a:schemeClr>
+                  </a:glow>
+                </a:effectLst>
+              </a:rPr>
+              <a:t>성공 메시지</a:t>
+            </a:r>
+            <a:endParaRPr lang="en-US" altLang="ko-KR" sz="4000" b="1" cap="none" spc="50" dirty="0">
+              <a:ln w="9525" cmpd="sng">
+                <a:solidFill>
+                  <a:schemeClr val="accent1"/>
+                </a:solidFill>
+                <a:prstDash val="solid"/>
+              </a:ln>
+              <a:solidFill>
+                <a:srgbClr val="70AD47">
+                  <a:tint val="1000"/>
+                </a:srgbClr>
+              </a:solidFill>
+              <a:effectLst>
+                <a:glow rad="38100">
+                  <a:schemeClr val="accent1">
+                    <a:alpha val="40000"/>
+                  </a:schemeClr>
+                </a:glow>
+              </a:effectLst>
+            </a:endParaRPr>
+          </a:p>
+        </p:txBody>
+      </p:sp>
+      <p:sp>
+        <p:nvSpPr>
+          <p:cNvPr id="16" name="타원 15">
+            <a:extLst>
+              <a:ext uri="{FF2B5EF4-FFF2-40B4-BE49-F238E27FC236}">
+                <a16:creationId xmlns:a16="http://schemas.microsoft.com/office/drawing/2014/main" id="{97DD2D48-7A51-4EFC-993D-D11054E1665C}"/>
+              </a:ext>
+            </a:extLst>
+          </p:cNvPr>
+          <p:cNvSpPr/>
+          <p:nvPr/>
+        </p:nvSpPr>
+        <p:spPr>
+          <a:xfrm>
+            <a:off x="8539992" y="1057013"/>
+            <a:ext cx="508567" cy="562062"/>
+          </a:xfrm>
+          <a:prstGeom prst="ellipse">
+            <a:avLst/>
+          </a:prstGeom>
+          <a:solidFill>
+            <a:schemeClr val="accent4">
+              <a:lumMod val="20000"/>
+              <a:lumOff val="80000"/>
+            </a:schemeClr>
+          </a:solidFill>
+          <a:ln>
+            <a:solidFill>
+              <a:schemeClr val="tx1"/>
+            </a:solidFill>
+          </a:ln>
+        </p:spPr>
+        <p:style>
+          <a:lnRef idx="2">
+            <a:schemeClr val="accent1">
+              <a:shade val="50000"/>
+            </a:schemeClr>
+          </a:lnRef>
+          <a:fillRef idx="1">
+            <a:schemeClr val="accent1"/>
+          </a:fillRef>
+          <a:effectRef idx="0">
+            <a:schemeClr val="accent1"/>
+          </a:effectRef>
+          <a:fontRef idx="minor">
+            <a:schemeClr val="lt1"/>
+          </a:fontRef>
+        </p:style>
+        <p:txBody>
+          <a:bodyPr rtlCol="0" anchor="b"/>
+          <a:lstStyle/>
+          <a:p>
+            <a:pPr algn="l">
+              <a:lnSpc>
+                <a:spcPct val="200000"/>
+              </a:lnSpc>
+            </a:pPr>
+            <a:endParaRPr lang="ko-KR" altLang="en-US" dirty="0">
+              <a:solidFill>
+                <a:schemeClr val="tx1"/>
+              </a:solidFill>
+            </a:endParaRPr>
+          </a:p>
+        </p:txBody>
+      </p:sp>
+      <p:sp>
+        <p:nvSpPr>
+          <p:cNvPr id="17" name="직사각형 16">
+            <a:extLst>
+              <a:ext uri="{FF2B5EF4-FFF2-40B4-BE49-F238E27FC236}">
+                <a16:creationId xmlns:a16="http://schemas.microsoft.com/office/drawing/2014/main" id="{B75516C1-CD48-40AC-8DF1-55B0D8EC42C8}"/>
+              </a:ext>
+            </a:extLst>
+          </p:cNvPr>
+          <p:cNvSpPr/>
+          <p:nvPr/>
+        </p:nvSpPr>
+        <p:spPr>
+          <a:xfrm>
+            <a:off x="8623396" y="1109908"/>
+            <a:ext cx="341760" cy="400110"/>
+          </a:xfrm>
+          <a:prstGeom prst="rect">
+            <a:avLst/>
+          </a:prstGeom>
+          <a:noFill/>
+        </p:spPr>
+        <p:txBody>
+          <a:bodyPr wrap="none" lIns="91440" tIns="45720" rIns="91440" bIns="45720">
+            <a:spAutoFit/>
+            <a:scene3d>
+              <a:camera prst="orthographicFront"/>
+              <a:lightRig rig="harsh" dir="t"/>
+            </a:scene3d>
+            <a:sp3d extrusionH="57150" prstMaterial="matte">
+              <a:bevelT w="63500" h="12700" prst="angle"/>
+              <a:contourClr>
+                <a:schemeClr val="bg1">
+                  <a:lumMod val="65000"/>
+                </a:schemeClr>
+              </a:contourClr>
+            </a:sp3d>
+          </a:bodyPr>
+          <a:lstStyle/>
+          <a:p>
+            <a:pPr algn="ctr"/>
+            <a:r>
+              <a:rPr lang="en-US" altLang="ko-KR" sz="2000" b="1" dirty="0">
+                <a:ln/>
+                <a:solidFill>
+                  <a:schemeClr val="accent3"/>
+                </a:solidFill>
+              </a:rPr>
+              <a:t>||</a:t>
+            </a:r>
+            <a:endParaRPr lang="en-US" altLang="ko-KR" sz="2000" b="1" cap="none" spc="0" dirty="0">
+              <a:ln/>
+              <a:solidFill>
+                <a:schemeClr val="accent3"/>
+              </a:solidFill>
+              <a:effectLst/>
+            </a:endParaRPr>
+          </a:p>
+        </p:txBody>
+      </p:sp>
+      <p:sp>
+        <p:nvSpPr>
+          <p:cNvPr id="18" name="타원 17">
+            <a:extLst>
+              <a:ext uri="{FF2B5EF4-FFF2-40B4-BE49-F238E27FC236}">
+                <a16:creationId xmlns:a16="http://schemas.microsoft.com/office/drawing/2014/main" id="{096A7A6E-A6A3-4C6C-8600-8260A81BF662}"/>
+              </a:ext>
+            </a:extLst>
+          </p:cNvPr>
+          <p:cNvSpPr/>
+          <p:nvPr/>
+        </p:nvSpPr>
+        <p:spPr>
+          <a:xfrm>
+            <a:off x="9491210" y="2546887"/>
+            <a:ext cx="302226" cy="322192"/>
+          </a:xfrm>
+          <a:prstGeom prst="ellipse">
+            <a:avLst/>
+          </a:prstGeom>
+          <a:solidFill>
+            <a:schemeClr val="accent4">
+              <a:lumMod val="20000"/>
+              <a:lumOff val="80000"/>
+            </a:schemeClr>
+          </a:solidFill>
+          <a:ln>
+            <a:solidFill>
+              <a:schemeClr val="tx1"/>
+            </a:solidFill>
+          </a:ln>
+        </p:spPr>
+        <p:style>
+          <a:lnRef idx="2">
+            <a:schemeClr val="accent1">
+              <a:shade val="50000"/>
+            </a:schemeClr>
+          </a:lnRef>
+          <a:fillRef idx="1">
+            <a:schemeClr val="accent1"/>
+          </a:fillRef>
+          <a:effectRef idx="0">
+            <a:schemeClr val="accent1"/>
+          </a:effectRef>
+          <a:fontRef idx="minor">
+            <a:schemeClr val="lt1"/>
+          </a:fontRef>
+        </p:style>
+        <p:txBody>
+          <a:bodyPr rtlCol="0" anchor="b"/>
+          <a:lstStyle/>
+          <a:p>
+            <a:pPr algn="ctr"/>
+            <a:endParaRPr lang="en-US" altLang="ko-KR" sz="1800" b="1" cap="none" spc="0" dirty="0">
+              <a:ln/>
+              <a:solidFill>
+                <a:schemeClr val="accent3"/>
+              </a:solidFill>
+              <a:effectLst/>
+            </a:endParaRPr>
+          </a:p>
+        </p:txBody>
+      </p:sp>
+      <p:sp>
+        <p:nvSpPr>
+          <p:cNvPr id="19" name="직사각형 18">
+            <a:extLst>
+              <a:ext uri="{FF2B5EF4-FFF2-40B4-BE49-F238E27FC236}">
+                <a16:creationId xmlns:a16="http://schemas.microsoft.com/office/drawing/2014/main" id="{948A00E8-6F96-45E2-AAB9-E2E2D4D9F9F4}"/>
+              </a:ext>
+            </a:extLst>
+          </p:cNvPr>
+          <p:cNvSpPr/>
+          <p:nvPr/>
+        </p:nvSpPr>
+        <p:spPr>
+          <a:xfrm>
+            <a:off x="9505540" y="2571666"/>
+            <a:ext cx="271229" cy="261610"/>
+          </a:xfrm>
+          <a:prstGeom prst="rect">
+            <a:avLst/>
+          </a:prstGeom>
+          <a:noFill/>
+        </p:spPr>
+        <p:txBody>
+          <a:bodyPr wrap="none" lIns="91440" tIns="45720" rIns="91440" bIns="45720">
+            <a:spAutoFit/>
+            <a:scene3d>
+              <a:camera prst="orthographicFront"/>
+              <a:lightRig rig="harsh" dir="t"/>
+            </a:scene3d>
+            <a:sp3d extrusionH="57150" prstMaterial="matte">
+              <a:bevelT w="63500" h="12700" prst="angle"/>
+              <a:contourClr>
+                <a:schemeClr val="bg1">
+                  <a:lumMod val="65000"/>
+                </a:schemeClr>
+              </a:contourClr>
+            </a:sp3d>
+          </a:bodyPr>
+          <a:lstStyle/>
+          <a:p>
+            <a:pPr algn="ctr"/>
+            <a:r>
+              <a:rPr lang="en-US" altLang="ko-KR" sz="1100" b="1" cap="none" spc="0" dirty="0">
+                <a:ln/>
+                <a:solidFill>
+                  <a:schemeClr val="accent3"/>
+                </a:solidFill>
+                <a:effectLst/>
+              </a:rPr>
+              <a:t>||</a:t>
+            </a:r>
+          </a:p>
+        </p:txBody>
+      </p:sp>
+      <p:sp>
+        <p:nvSpPr>
+          <p:cNvPr id="20" name="TextBox 19">
+            <a:extLst>
+              <a:ext uri="{FF2B5EF4-FFF2-40B4-BE49-F238E27FC236}">
+                <a16:creationId xmlns:a16="http://schemas.microsoft.com/office/drawing/2014/main" id="{D37B3182-E322-4267-ACA4-E8267E04AD4F}"/>
+              </a:ext>
+            </a:extLst>
+          </p:cNvPr>
+          <p:cNvSpPr txBox="1"/>
+          <p:nvPr/>
+        </p:nvSpPr>
+        <p:spPr>
+          <a:xfrm>
+            <a:off x="9800792" y="2517805"/>
+            <a:ext cx="2391208" cy="369332"/>
+          </a:xfrm>
+          <a:prstGeom prst="rect">
+            <a:avLst/>
+          </a:prstGeom>
+          <a:noFill/>
+        </p:spPr>
+        <p:txBody>
+          <a:bodyPr wrap="square" rtlCol="0">
+            <a:spAutoFit/>
+          </a:bodyPr>
+          <a:lstStyle/>
+          <a:p>
+            <a:r>
+              <a:rPr lang="en-US" altLang="ko-KR" dirty="0"/>
+              <a:t>: </a:t>
+            </a:r>
+            <a:r>
+              <a:rPr lang="ko-KR" altLang="en-US" dirty="0"/>
+              <a:t>옵션 버튼</a:t>
+            </a:r>
+          </a:p>
+        </p:txBody>
+      </p:sp>
+    </p:spTree>
+    <p:extLst>
+      <p:ext uri="{BB962C8B-B14F-4D97-AF65-F5344CB8AC3E}">
+        <p14:creationId xmlns:p14="http://schemas.microsoft.com/office/powerpoint/2010/main" val="2108159418"/>
+      </p:ext>
+    </p:extLst>
+  </p:cSld>
+  <p:clrMapOvr>
+    <a:masterClrMapping/>
+  </p:clrMapOvr>
+</p:sld>
+</file>
+
+<file path=ppt/slides/slide5.xml><?xml version="1.0" encoding="utf-8"?>
+<p:sld xmlns:a="http://schemas.openxmlformats.org/drawingml/2006/main" xmlns:r="http://schemas.openxmlformats.org/officeDocument/2006/relationships" xmlns:p="http://schemas.openxmlformats.org/presentationml/2006/main">
+  <p:cSld>
+    <p:spTree>
+      <p:nvGrpSpPr>
+        <p:cNvPr id="1" name=""/>
+        <p:cNvGrpSpPr/>
+        <p:nvPr/>
+      </p:nvGrpSpPr>
+      <p:grpSpPr>
+        <a:xfrm>
+          <a:off x="0" y="0"/>
+          <a:ext cx="0" cy="0"/>
+          <a:chOff x="0" y="0"/>
+          <a:chExt cx="0" cy="0"/>
+        </a:xfrm>
+      </p:grpSpPr>
+      <p:sp>
+        <p:nvSpPr>
+          <p:cNvPr id="4" name="직사각형 3">
+            <a:extLst>
+              <a:ext uri="{FF2B5EF4-FFF2-40B4-BE49-F238E27FC236}">
+                <a16:creationId xmlns:a16="http://schemas.microsoft.com/office/drawing/2014/main" id="{AB82F29E-6727-4232-9750-081ACD31342C}"/>
+              </a:ext>
+            </a:extLst>
+          </p:cNvPr>
+          <p:cNvSpPr/>
+          <p:nvPr/>
+        </p:nvSpPr>
+        <p:spPr>
+          <a:xfrm>
+            <a:off x="9303026" y="842481"/>
+            <a:ext cx="2888974" cy="6015519"/>
+          </a:xfrm>
+          <a:prstGeom prst="rect">
+            <a:avLst/>
+          </a:prstGeom>
+          <a:noFill/>
+          <a:ln>
+            <a:solidFill>
+              <a:schemeClr val="tx1"/>
+            </a:solidFill>
+          </a:ln>
+        </p:spPr>
+        <p:style>
+          <a:lnRef idx="2">
+            <a:schemeClr val="accent1">
+              <a:shade val="50000"/>
+            </a:schemeClr>
+          </a:lnRef>
+          <a:fillRef idx="1">
+            <a:schemeClr val="accent1"/>
+          </a:fillRef>
+          <a:effectRef idx="0">
+            <a:schemeClr val="accent1"/>
+          </a:effectRef>
+          <a:fontRef idx="minor">
+            <a:schemeClr val="lt1"/>
+          </a:fontRef>
+        </p:style>
+        <p:txBody>
+          <a:bodyPr rtlCol="0" anchor="b"/>
+          <a:lstStyle/>
+          <a:p>
+            <a:pPr algn="l">
+              <a:lnSpc>
+                <a:spcPct val="200000"/>
+              </a:lnSpc>
+            </a:pPr>
+            <a:endParaRPr lang="ko-KR" altLang="en-US" dirty="0">
+              <a:solidFill>
+                <a:schemeClr val="tx1"/>
+              </a:solidFill>
+            </a:endParaRPr>
+          </a:p>
+        </p:txBody>
+      </p:sp>
+      <p:sp>
+        <p:nvSpPr>
+          <p:cNvPr id="5" name="직사각형 4">
+            <a:extLst>
+              <a:ext uri="{FF2B5EF4-FFF2-40B4-BE49-F238E27FC236}">
+                <a16:creationId xmlns:a16="http://schemas.microsoft.com/office/drawing/2014/main" id="{9D98C250-4997-4443-A17C-CD58BC4CA7A8}"/>
+              </a:ext>
+            </a:extLst>
+          </p:cNvPr>
+          <p:cNvSpPr/>
+          <p:nvPr/>
+        </p:nvSpPr>
+        <p:spPr>
+          <a:xfrm>
+            <a:off x="0" y="0"/>
+            <a:ext cx="12192000" cy="842481"/>
+          </a:xfrm>
+          <a:prstGeom prst="rect">
+            <a:avLst/>
+          </a:prstGeom>
+          <a:noFill/>
+          <a:ln>
+            <a:solidFill>
+              <a:schemeClr val="tx1"/>
+            </a:solidFill>
+          </a:ln>
+        </p:spPr>
+        <p:style>
+          <a:lnRef idx="2">
+            <a:schemeClr val="accent1">
+              <a:shade val="50000"/>
+            </a:schemeClr>
+          </a:lnRef>
+          <a:fillRef idx="1">
+            <a:schemeClr val="accent1"/>
+          </a:fillRef>
+          <a:effectRef idx="0">
+            <a:schemeClr val="accent1"/>
+          </a:effectRef>
+          <a:fontRef idx="minor">
+            <a:schemeClr val="lt1"/>
+          </a:fontRef>
+        </p:style>
+        <p:txBody>
+          <a:bodyPr rtlCol="0" anchor="b"/>
+          <a:lstStyle/>
+          <a:p>
+            <a:pPr algn="l">
+              <a:lnSpc>
+                <a:spcPct val="150000"/>
+              </a:lnSpc>
+            </a:pPr>
+            <a:r>
+              <a:rPr lang="en-US" altLang="ko-KR" sz="3200" dirty="0">
+                <a:solidFill>
+                  <a:schemeClr val="tx1"/>
+                </a:solidFill>
+              </a:rPr>
               <a:t>G.003 </a:t>
             </a:r>
             <a:r>
@@ -4025,6 +8990,602 @@
                 <a:srgbClr val="FF0000"/>
               </a:solidFill>
             </a:endParaRPr>
+          </a:p>
+        </p:txBody>
+      </p:sp>
+      <p:sp>
+        <p:nvSpPr>
+          <p:cNvPr id="2" name="타원 1">
+            <a:extLst>
+              <a:ext uri="{FF2B5EF4-FFF2-40B4-BE49-F238E27FC236}">
+                <a16:creationId xmlns:a16="http://schemas.microsoft.com/office/drawing/2014/main" id="{1E5B2ED9-4538-4518-88C9-D0C17F1EE8E9}"/>
+              </a:ext>
+            </a:extLst>
+          </p:cNvPr>
+          <p:cNvSpPr/>
+          <p:nvPr/>
+        </p:nvSpPr>
+        <p:spPr>
+          <a:xfrm>
+            <a:off x="2843868" y="1493240"/>
+            <a:ext cx="3330429" cy="2080470"/>
+          </a:xfrm>
+          <a:prstGeom prst="ellipse">
+            <a:avLst/>
+          </a:prstGeom>
+          <a:solidFill>
+            <a:schemeClr val="accent2">
+              <a:lumMod val="40000"/>
+              <a:lumOff val="60000"/>
+            </a:schemeClr>
+          </a:solidFill>
+          <a:ln>
+            <a:solidFill>
+              <a:schemeClr val="tx1"/>
+            </a:solidFill>
+          </a:ln>
+        </p:spPr>
+        <p:style>
+          <a:lnRef idx="2">
+            <a:schemeClr val="accent1">
+              <a:shade val="50000"/>
+            </a:schemeClr>
+          </a:lnRef>
+          <a:fillRef idx="1">
+            <a:schemeClr val="accent1"/>
+          </a:fillRef>
+          <a:effectRef idx="0">
+            <a:schemeClr val="accent1"/>
+          </a:effectRef>
+          <a:fontRef idx="minor">
+            <a:schemeClr val="lt1"/>
+          </a:fontRef>
+        </p:style>
+        <p:txBody>
+          <a:bodyPr rtlCol="0" anchor="b"/>
+          <a:lstStyle/>
+          <a:p>
+            <a:pPr algn="l">
+              <a:lnSpc>
+                <a:spcPct val="200000"/>
+              </a:lnSpc>
+            </a:pPr>
+            <a:endParaRPr lang="ko-KR" altLang="en-US" dirty="0">
+              <a:solidFill>
+                <a:schemeClr val="tx1"/>
+              </a:solidFill>
+            </a:endParaRPr>
+          </a:p>
+        </p:txBody>
+      </p:sp>
+      <p:sp>
+        <p:nvSpPr>
+          <p:cNvPr id="3" name="직사각형 2">
+            <a:extLst>
+              <a:ext uri="{FF2B5EF4-FFF2-40B4-BE49-F238E27FC236}">
+                <a16:creationId xmlns:a16="http://schemas.microsoft.com/office/drawing/2014/main" id="{C056F683-01B6-4AA4-A097-50A82DD76561}"/>
+              </a:ext>
+            </a:extLst>
+          </p:cNvPr>
+          <p:cNvSpPr/>
+          <p:nvPr/>
+        </p:nvSpPr>
+        <p:spPr>
+          <a:xfrm>
+            <a:off x="2695460" y="2117976"/>
+            <a:ext cx="3478837" cy="830997"/>
+          </a:xfrm>
+          <a:prstGeom prst="rect">
+            <a:avLst/>
+          </a:prstGeom>
+          <a:noFill/>
+        </p:spPr>
+        <p:txBody>
+          <a:bodyPr wrap="none" lIns="91440" tIns="45720" rIns="91440" bIns="45720">
+            <a:spAutoFit/>
+          </a:bodyPr>
+          <a:lstStyle/>
+          <a:p>
+            <a:pPr algn="ctr"/>
+            <a:r>
+              <a:rPr lang="ko-KR" altLang="en-US" sz="4800" b="1" cap="none" spc="0" dirty="0">
+                <a:ln w="10160">
+                  <a:solidFill>
+                    <a:schemeClr val="accent5"/>
+                  </a:solidFill>
+                  <a:prstDash val="solid"/>
+                </a:ln>
+                <a:solidFill>
+                  <a:srgbClr val="FFFFFF"/>
+                </a:solidFill>
+                <a:effectLst>
+                  <a:outerShdw blurRad="38100" dist="22860" dir="5400000" algn="tl" rotWithShape="0">
+                    <a:srgbClr val="000000">
+                      <a:alpha val="30000"/>
+                    </a:srgbClr>
+                  </a:outerShdw>
+                </a:effectLst>
+              </a:rPr>
+              <a:t>실패 메시지</a:t>
+            </a:r>
+            <a:endParaRPr lang="en-US" altLang="ko-KR" sz="4800" b="1" cap="none" spc="0" dirty="0">
+              <a:ln w="10160">
+                <a:solidFill>
+                  <a:schemeClr val="accent5"/>
+                </a:solidFill>
+                <a:prstDash val="solid"/>
+              </a:ln>
+              <a:solidFill>
+                <a:srgbClr val="FFFFFF"/>
+              </a:solidFill>
+              <a:effectLst>
+                <a:outerShdw blurRad="38100" dist="22860" dir="5400000" algn="tl" rotWithShape="0">
+                  <a:srgbClr val="000000">
+                    <a:alpha val="30000"/>
+                  </a:srgbClr>
+                </a:outerShdw>
+              </a:effectLst>
+            </a:endParaRPr>
+          </a:p>
+        </p:txBody>
+      </p:sp>
+      <p:sp>
+        <p:nvSpPr>
+          <p:cNvPr id="7" name="화살표: 오른쪽 6">
+            <a:extLst>
+              <a:ext uri="{FF2B5EF4-FFF2-40B4-BE49-F238E27FC236}">
+                <a16:creationId xmlns:a16="http://schemas.microsoft.com/office/drawing/2014/main" id="{F65C5F37-DD60-43EA-B8BB-CDCF085909BB}"/>
+              </a:ext>
+            </a:extLst>
+          </p:cNvPr>
+          <p:cNvSpPr/>
+          <p:nvPr/>
+        </p:nvSpPr>
+        <p:spPr>
+          <a:xfrm rot="10800000">
+            <a:off x="720978" y="5486398"/>
+            <a:ext cx="1333850" cy="734374"/>
+          </a:xfrm>
+          <a:prstGeom prst="rightArrow">
+            <a:avLst/>
+          </a:prstGeom>
+          <a:solidFill>
+            <a:schemeClr val="accent3">
+              <a:lumMod val="20000"/>
+              <a:lumOff val="80000"/>
+            </a:schemeClr>
+          </a:solidFill>
+          <a:ln>
+            <a:solidFill>
+              <a:schemeClr val="tx1"/>
+            </a:solidFill>
+          </a:ln>
+        </p:spPr>
+        <p:style>
+          <a:lnRef idx="2">
+            <a:schemeClr val="accent1">
+              <a:shade val="50000"/>
+            </a:schemeClr>
+          </a:lnRef>
+          <a:fillRef idx="1">
+            <a:schemeClr val="accent1"/>
+          </a:fillRef>
+          <a:effectRef idx="0">
+            <a:schemeClr val="accent1"/>
+          </a:effectRef>
+          <a:fontRef idx="minor">
+            <a:schemeClr val="lt1"/>
+          </a:fontRef>
+        </p:style>
+        <p:txBody>
+          <a:bodyPr rtlCol="0" anchor="b"/>
+          <a:lstStyle/>
+          <a:p>
+            <a:pPr algn="l">
+              <a:lnSpc>
+                <a:spcPct val="200000"/>
+              </a:lnSpc>
+            </a:pPr>
+            <a:endParaRPr lang="ko-KR" altLang="en-US" dirty="0">
+              <a:solidFill>
+                <a:schemeClr val="tx1"/>
+              </a:solidFill>
+            </a:endParaRPr>
+          </a:p>
+        </p:txBody>
+      </p:sp>
+      <p:sp>
+        <p:nvSpPr>
+          <p:cNvPr id="8" name="타원 7">
+            <a:extLst>
+              <a:ext uri="{FF2B5EF4-FFF2-40B4-BE49-F238E27FC236}">
+                <a16:creationId xmlns:a16="http://schemas.microsoft.com/office/drawing/2014/main" id="{6805814C-837F-4212-98D2-F9C0027C32AD}"/>
+              </a:ext>
+            </a:extLst>
+          </p:cNvPr>
+          <p:cNvSpPr/>
+          <p:nvPr/>
+        </p:nvSpPr>
+        <p:spPr>
+          <a:xfrm>
+            <a:off x="8486268" y="1034599"/>
+            <a:ext cx="553673" cy="562062"/>
+          </a:xfrm>
+          <a:prstGeom prst="ellipse">
+            <a:avLst/>
+          </a:prstGeom>
+          <a:solidFill>
+            <a:schemeClr val="accent4">
+              <a:lumMod val="20000"/>
+              <a:lumOff val="80000"/>
+            </a:schemeClr>
+          </a:solidFill>
+          <a:ln>
+            <a:solidFill>
+              <a:schemeClr val="tx1"/>
+            </a:solidFill>
+          </a:ln>
+        </p:spPr>
+        <p:style>
+          <a:lnRef idx="2">
+            <a:schemeClr val="accent1">
+              <a:shade val="50000"/>
+            </a:schemeClr>
+          </a:lnRef>
+          <a:fillRef idx="1">
+            <a:schemeClr val="accent1"/>
+          </a:fillRef>
+          <a:effectRef idx="0">
+            <a:schemeClr val="accent1"/>
+          </a:effectRef>
+          <a:fontRef idx="minor">
+            <a:schemeClr val="lt1"/>
+          </a:fontRef>
+        </p:style>
+        <p:txBody>
+          <a:bodyPr rtlCol="0" anchor="b"/>
+          <a:lstStyle/>
+          <a:p>
+            <a:pPr algn="l">
+              <a:lnSpc>
+                <a:spcPct val="200000"/>
+              </a:lnSpc>
+            </a:pPr>
+            <a:endParaRPr lang="ko-KR" altLang="en-US" dirty="0">
+              <a:solidFill>
+                <a:schemeClr val="tx1"/>
+              </a:solidFill>
+            </a:endParaRPr>
+          </a:p>
+        </p:txBody>
+      </p:sp>
+      <p:sp>
+        <p:nvSpPr>
+          <p:cNvPr id="9" name="직사각형 8">
+            <a:extLst>
+              <a:ext uri="{FF2B5EF4-FFF2-40B4-BE49-F238E27FC236}">
+                <a16:creationId xmlns:a16="http://schemas.microsoft.com/office/drawing/2014/main" id="{141068EF-7523-46AB-AEDB-8D1F209B9060}"/>
+              </a:ext>
+            </a:extLst>
+          </p:cNvPr>
+          <p:cNvSpPr/>
+          <p:nvPr/>
+        </p:nvSpPr>
+        <p:spPr>
+          <a:xfrm>
+            <a:off x="8576195" y="1054645"/>
+            <a:ext cx="373820" cy="461665"/>
+          </a:xfrm>
+          <a:prstGeom prst="rect">
+            <a:avLst/>
+          </a:prstGeom>
+          <a:noFill/>
+        </p:spPr>
+        <p:txBody>
+          <a:bodyPr wrap="none" lIns="91440" tIns="45720" rIns="91440" bIns="45720">
+            <a:spAutoFit/>
+            <a:scene3d>
+              <a:camera prst="orthographicFront"/>
+              <a:lightRig rig="harsh" dir="t"/>
+            </a:scene3d>
+            <a:sp3d extrusionH="57150" prstMaterial="matte">
+              <a:bevelT w="63500" h="12700" prst="angle"/>
+              <a:contourClr>
+                <a:schemeClr val="bg1">
+                  <a:lumMod val="65000"/>
+                </a:schemeClr>
+              </a:contourClr>
+            </a:sp3d>
+          </a:bodyPr>
+          <a:lstStyle/>
+          <a:p>
+            <a:pPr algn="ctr"/>
+            <a:r>
+              <a:rPr lang="en-US" altLang="ko-KR" sz="2400" b="1" cap="none" spc="0" dirty="0">
+                <a:ln/>
+                <a:solidFill>
+                  <a:schemeClr val="accent3"/>
+                </a:solidFill>
+                <a:effectLst/>
+              </a:rPr>
+              <a:t>||</a:t>
+            </a:r>
+          </a:p>
+        </p:txBody>
+      </p:sp>
+      <p:sp>
+        <p:nvSpPr>
+          <p:cNvPr id="10" name="화살표: 오른쪽 9">
+            <a:extLst>
+              <a:ext uri="{FF2B5EF4-FFF2-40B4-BE49-F238E27FC236}">
+                <a16:creationId xmlns:a16="http://schemas.microsoft.com/office/drawing/2014/main" id="{B87E27E6-6CFB-44B6-955F-333E2C107FD4}"/>
+              </a:ext>
+            </a:extLst>
+          </p:cNvPr>
+          <p:cNvSpPr/>
+          <p:nvPr/>
+        </p:nvSpPr>
+        <p:spPr>
+          <a:xfrm rot="10800000">
+            <a:off x="9496338" y="1493240"/>
+            <a:ext cx="268447" cy="191722"/>
+          </a:xfrm>
+          <a:prstGeom prst="rightArrow">
+            <a:avLst/>
+          </a:prstGeom>
+          <a:solidFill>
+            <a:schemeClr val="accent3">
+              <a:lumMod val="20000"/>
+              <a:lumOff val="80000"/>
+            </a:schemeClr>
+          </a:solidFill>
+          <a:ln>
+            <a:solidFill>
+              <a:schemeClr val="tx1"/>
+            </a:solidFill>
+          </a:ln>
+        </p:spPr>
+        <p:style>
+          <a:lnRef idx="2">
+            <a:schemeClr val="accent1">
+              <a:shade val="50000"/>
+            </a:schemeClr>
+          </a:lnRef>
+          <a:fillRef idx="1">
+            <a:schemeClr val="accent1"/>
+          </a:fillRef>
+          <a:effectRef idx="0">
+            <a:schemeClr val="accent1"/>
+          </a:effectRef>
+          <a:fontRef idx="minor">
+            <a:schemeClr val="lt1"/>
+          </a:fontRef>
+        </p:style>
+        <p:txBody>
+          <a:bodyPr rtlCol="0" anchor="b"/>
+          <a:lstStyle/>
+          <a:p>
+            <a:pPr algn="l">
+              <a:lnSpc>
+                <a:spcPct val="200000"/>
+              </a:lnSpc>
+            </a:pPr>
+            <a:endParaRPr lang="ko-KR" altLang="en-US" dirty="0">
+              <a:solidFill>
+                <a:schemeClr val="tx1"/>
+              </a:solidFill>
+            </a:endParaRPr>
+          </a:p>
+        </p:txBody>
+      </p:sp>
+      <p:sp>
+        <p:nvSpPr>
+          <p:cNvPr id="11" name="TextBox 10">
+            <a:extLst>
+              <a:ext uri="{FF2B5EF4-FFF2-40B4-BE49-F238E27FC236}">
+                <a16:creationId xmlns:a16="http://schemas.microsoft.com/office/drawing/2014/main" id="{71AB5194-1999-4DE4-88A4-C6C7142FE04D}"/>
+              </a:ext>
+            </a:extLst>
+          </p:cNvPr>
+          <p:cNvSpPr txBox="1"/>
+          <p:nvPr/>
+        </p:nvSpPr>
+        <p:spPr>
+          <a:xfrm>
+            <a:off x="9799314" y="1404435"/>
+            <a:ext cx="2392685" cy="353943"/>
+          </a:xfrm>
+          <a:prstGeom prst="rect">
+            <a:avLst/>
+          </a:prstGeom>
+          <a:noFill/>
+        </p:spPr>
+        <p:txBody>
+          <a:bodyPr wrap="square" rtlCol="0">
+            <a:spAutoFit/>
+          </a:bodyPr>
+          <a:lstStyle/>
+          <a:p>
+            <a:r>
+              <a:rPr lang="en-US" altLang="ko-KR" sz="1700" dirty="0"/>
+              <a:t>: </a:t>
+            </a:r>
+            <a:r>
+              <a:rPr lang="ko-KR" altLang="en-US" sz="1700" dirty="0"/>
+              <a:t>이전 화면</a:t>
+            </a:r>
+            <a:r>
+              <a:rPr lang="en-US" altLang="ko-KR" sz="1700" dirty="0"/>
+              <a:t>(</a:t>
+            </a:r>
+            <a:r>
+              <a:rPr lang="ko-KR" altLang="en-US" sz="1700" dirty="0"/>
+              <a:t>단계</a:t>
+            </a:r>
+            <a:r>
+              <a:rPr lang="en-US" altLang="ko-KR" sz="1700" dirty="0"/>
+              <a:t>)</a:t>
+            </a:r>
+            <a:endParaRPr lang="ko-KR" altLang="en-US" sz="1700" dirty="0"/>
+          </a:p>
+        </p:txBody>
+      </p:sp>
+      <p:sp>
+        <p:nvSpPr>
+          <p:cNvPr id="12" name="타원 11">
+            <a:extLst>
+              <a:ext uri="{FF2B5EF4-FFF2-40B4-BE49-F238E27FC236}">
+                <a16:creationId xmlns:a16="http://schemas.microsoft.com/office/drawing/2014/main" id="{BD11A847-AEAC-49D9-A207-8CD0102F5BB2}"/>
+              </a:ext>
+            </a:extLst>
+          </p:cNvPr>
+          <p:cNvSpPr/>
+          <p:nvPr/>
+        </p:nvSpPr>
+        <p:spPr>
+          <a:xfrm>
+            <a:off x="9472515" y="1933310"/>
+            <a:ext cx="353683" cy="369332"/>
+          </a:xfrm>
+          <a:prstGeom prst="ellipse">
+            <a:avLst/>
+          </a:prstGeom>
+          <a:solidFill>
+            <a:schemeClr val="accent4">
+              <a:lumMod val="20000"/>
+              <a:lumOff val="80000"/>
+            </a:schemeClr>
+          </a:solidFill>
+          <a:ln>
+            <a:solidFill>
+              <a:schemeClr val="tx1"/>
+            </a:solidFill>
+          </a:ln>
+        </p:spPr>
+        <p:style>
+          <a:lnRef idx="2">
+            <a:schemeClr val="accent1">
+              <a:shade val="50000"/>
+            </a:schemeClr>
+          </a:lnRef>
+          <a:fillRef idx="1">
+            <a:schemeClr val="accent1"/>
+          </a:fillRef>
+          <a:effectRef idx="0">
+            <a:schemeClr val="accent1"/>
+          </a:effectRef>
+          <a:fontRef idx="minor">
+            <a:schemeClr val="lt1"/>
+          </a:fontRef>
+        </p:style>
+        <p:txBody>
+          <a:bodyPr rtlCol="0" anchor="b"/>
+          <a:lstStyle/>
+          <a:p>
+            <a:pPr algn="l">
+              <a:lnSpc>
+                <a:spcPct val="200000"/>
+              </a:lnSpc>
+            </a:pPr>
+            <a:endParaRPr lang="ko-KR" altLang="en-US" dirty="0">
+              <a:solidFill>
+                <a:schemeClr val="tx1"/>
+              </a:solidFill>
+            </a:endParaRPr>
+          </a:p>
+        </p:txBody>
+      </p:sp>
+      <p:sp>
+        <p:nvSpPr>
+          <p:cNvPr id="13" name="직사각형 12">
+            <a:extLst>
+              <a:ext uri="{FF2B5EF4-FFF2-40B4-BE49-F238E27FC236}">
+                <a16:creationId xmlns:a16="http://schemas.microsoft.com/office/drawing/2014/main" id="{CB26ABF7-B630-4140-8C73-CC17CD23680D}"/>
+              </a:ext>
+            </a:extLst>
+          </p:cNvPr>
+          <p:cNvSpPr/>
+          <p:nvPr/>
+        </p:nvSpPr>
+        <p:spPr>
+          <a:xfrm>
+            <a:off x="9498976" y="1979476"/>
+            <a:ext cx="280846" cy="276999"/>
+          </a:xfrm>
+          <a:prstGeom prst="rect">
+            <a:avLst/>
+          </a:prstGeom>
+          <a:noFill/>
+        </p:spPr>
+        <p:txBody>
+          <a:bodyPr wrap="square" lIns="91440" tIns="45720" rIns="91440" bIns="45720">
+            <a:spAutoFit/>
+            <a:scene3d>
+              <a:camera prst="orthographicFront"/>
+              <a:lightRig rig="harsh" dir="t"/>
+            </a:scene3d>
+            <a:sp3d extrusionH="57150" prstMaterial="matte">
+              <a:bevelT w="63500" h="12700" prst="angle"/>
+              <a:contourClr>
+                <a:schemeClr val="bg1">
+                  <a:lumMod val="65000"/>
+                </a:schemeClr>
+              </a:contourClr>
+            </a:sp3d>
+          </a:bodyPr>
+          <a:lstStyle/>
+          <a:p>
+            <a:pPr algn="ctr"/>
+            <a:r>
+              <a:rPr lang="en-US" altLang="ko-KR" sz="1200" b="1" cap="none" spc="0" dirty="0">
+                <a:ln/>
+                <a:solidFill>
+                  <a:schemeClr val="accent3"/>
+                </a:solidFill>
+                <a:effectLst/>
+              </a:rPr>
+              <a:t>||</a:t>
+            </a:r>
+          </a:p>
+        </p:txBody>
+      </p:sp>
+      <p:sp>
+        <p:nvSpPr>
+          <p:cNvPr id="14" name="TextBox 13">
+            <a:extLst>
+              <a:ext uri="{FF2B5EF4-FFF2-40B4-BE49-F238E27FC236}">
+                <a16:creationId xmlns:a16="http://schemas.microsoft.com/office/drawing/2014/main" id="{757D9EC9-415D-4F13-8AFF-5C028F83B34B}"/>
+              </a:ext>
+            </a:extLst>
+          </p:cNvPr>
+          <p:cNvSpPr txBox="1"/>
+          <p:nvPr/>
+        </p:nvSpPr>
+        <p:spPr>
+          <a:xfrm>
+            <a:off x="9852659" y="1933309"/>
+            <a:ext cx="2026496" cy="369332"/>
+          </a:xfrm>
+          <a:prstGeom prst="rect">
+            <a:avLst/>
+          </a:prstGeom>
+          <a:noFill/>
+        </p:spPr>
+        <p:txBody>
+          <a:bodyPr wrap="square" rtlCol="0">
+            <a:spAutoFit/>
+          </a:bodyPr>
+          <a:lstStyle/>
+          <a:p>
+            <a:r>
+              <a:rPr lang="en-US" altLang="ko-KR" dirty="0"/>
+              <a:t>: </a:t>
+            </a:r>
+            <a:r>
+              <a:rPr lang="ko-KR" altLang="en-US" dirty="0"/>
+              <a:t>옵션 버튼</a:t>
+            </a:r>
+            <a:endParaRPr lang="en-US" altLang="ko-KR" dirty="0"/>
           </a:p>
         </p:txBody>
       </p:sp>
@@ -4041,7 +9602,7 @@
 </p:sld>
 </file>
 
-<file path=ppt/slides/slide5.xml><?xml version="1.0" encoding="utf-8"?>
+<file path=ppt/slides/slide6.xml><?xml version="1.0" encoding="utf-8"?>
 <p:sld xmlns:a="http://schemas.openxmlformats.org/drawingml/2006/main" xmlns:r="http://schemas.openxmlformats.org/officeDocument/2006/relationships" xmlns:p="http://schemas.openxmlformats.org/presentationml/2006/main">
   <p:cSld>
     <p:spTree>
@@ -4244,6 +9805,418 @@
                 <a:srgbClr val="FF0000"/>
               </a:solidFill>
             </a:endParaRPr>
+          </a:p>
+        </p:txBody>
+      </p:sp>
+      <p:sp>
+        <p:nvSpPr>
+          <p:cNvPr id="2" name="사각형: 둥근 모서리 1">
+            <a:extLst>
+              <a:ext uri="{FF2B5EF4-FFF2-40B4-BE49-F238E27FC236}">
+                <a16:creationId xmlns:a16="http://schemas.microsoft.com/office/drawing/2014/main" id="{4EDC8E02-4E3A-4F40-AEF6-59D8B6863F5E}"/>
+              </a:ext>
+            </a:extLst>
+          </p:cNvPr>
+          <p:cNvSpPr/>
+          <p:nvPr/>
+        </p:nvSpPr>
+        <p:spPr>
+          <a:xfrm>
+            <a:off x="2248067" y="2143080"/>
+            <a:ext cx="4806892" cy="1048624"/>
+          </a:xfrm>
+          <a:prstGeom prst="roundRect">
+            <a:avLst/>
+          </a:prstGeom>
+          <a:solidFill>
+            <a:schemeClr val="accent4">
+              <a:lumMod val="20000"/>
+              <a:lumOff val="80000"/>
+            </a:schemeClr>
+          </a:solidFill>
+          <a:ln>
+            <a:solidFill>
+              <a:schemeClr val="tx1"/>
+            </a:solidFill>
+          </a:ln>
+        </p:spPr>
+        <p:style>
+          <a:lnRef idx="2">
+            <a:schemeClr val="accent1">
+              <a:shade val="50000"/>
+            </a:schemeClr>
+          </a:lnRef>
+          <a:fillRef idx="1">
+            <a:schemeClr val="accent1"/>
+          </a:fillRef>
+          <a:effectRef idx="0">
+            <a:schemeClr val="accent1"/>
+          </a:effectRef>
+          <a:fontRef idx="minor">
+            <a:schemeClr val="lt1"/>
+          </a:fontRef>
+        </p:style>
+        <p:txBody>
+          <a:bodyPr rtlCol="0" anchor="b"/>
+          <a:lstStyle/>
+          <a:p>
+            <a:pPr algn="l">
+              <a:lnSpc>
+                <a:spcPct val="200000"/>
+              </a:lnSpc>
+            </a:pPr>
+            <a:endParaRPr lang="ko-KR" altLang="en-US" dirty="0">
+              <a:solidFill>
+                <a:schemeClr val="tx1"/>
+              </a:solidFill>
+            </a:endParaRPr>
+          </a:p>
+        </p:txBody>
+      </p:sp>
+      <p:sp>
+        <p:nvSpPr>
+          <p:cNvPr id="7" name="사각형: 둥근 모서리 6">
+            <a:extLst>
+              <a:ext uri="{FF2B5EF4-FFF2-40B4-BE49-F238E27FC236}">
+                <a16:creationId xmlns:a16="http://schemas.microsoft.com/office/drawing/2014/main" id="{6ECF4D68-93D9-4BA0-9E63-A1CE8676CEC4}"/>
+              </a:ext>
+            </a:extLst>
+          </p:cNvPr>
+          <p:cNvSpPr/>
+          <p:nvPr/>
+        </p:nvSpPr>
+        <p:spPr>
+          <a:xfrm>
+            <a:off x="2248067" y="3841544"/>
+            <a:ext cx="4806892" cy="1048624"/>
+          </a:xfrm>
+          <a:prstGeom prst="roundRect">
+            <a:avLst/>
+          </a:prstGeom>
+          <a:solidFill>
+            <a:schemeClr val="accent4">
+              <a:lumMod val="20000"/>
+              <a:lumOff val="80000"/>
+            </a:schemeClr>
+          </a:solidFill>
+          <a:ln>
+            <a:solidFill>
+              <a:schemeClr val="tx1"/>
+            </a:solidFill>
+          </a:ln>
+        </p:spPr>
+        <p:style>
+          <a:lnRef idx="2">
+            <a:schemeClr val="accent1">
+              <a:shade val="50000"/>
+            </a:schemeClr>
+          </a:lnRef>
+          <a:fillRef idx="1">
+            <a:schemeClr val="accent1"/>
+          </a:fillRef>
+          <a:effectRef idx="0">
+            <a:schemeClr val="accent1"/>
+          </a:effectRef>
+          <a:fontRef idx="minor">
+            <a:schemeClr val="lt1"/>
+          </a:fontRef>
+        </p:style>
+        <p:txBody>
+          <a:bodyPr rtlCol="0" anchor="b"/>
+          <a:lstStyle/>
+          <a:p>
+            <a:pPr algn="l">
+              <a:lnSpc>
+                <a:spcPct val="200000"/>
+              </a:lnSpc>
+            </a:pPr>
+            <a:endParaRPr lang="ko-KR" altLang="en-US" dirty="0">
+              <a:solidFill>
+                <a:schemeClr val="tx1"/>
+              </a:solidFill>
+            </a:endParaRPr>
+          </a:p>
+        </p:txBody>
+      </p:sp>
+      <p:sp>
+        <p:nvSpPr>
+          <p:cNvPr id="3" name="직사각형 2">
+            <a:extLst>
+              <a:ext uri="{FF2B5EF4-FFF2-40B4-BE49-F238E27FC236}">
+                <a16:creationId xmlns:a16="http://schemas.microsoft.com/office/drawing/2014/main" id="{EB71DB93-0D5E-4013-B196-CE5481972341}"/>
+              </a:ext>
+            </a:extLst>
+          </p:cNvPr>
+          <p:cNvSpPr/>
+          <p:nvPr/>
+        </p:nvSpPr>
+        <p:spPr>
+          <a:xfrm>
+            <a:off x="3071593" y="2143080"/>
+            <a:ext cx="3159840" cy="923330"/>
+          </a:xfrm>
+          <a:prstGeom prst="rect">
+            <a:avLst/>
+          </a:prstGeom>
+          <a:noFill/>
+        </p:spPr>
+        <p:txBody>
+          <a:bodyPr wrap="none" lIns="91440" tIns="45720" rIns="91440" bIns="45720">
+            <a:spAutoFit/>
+          </a:bodyPr>
+          <a:lstStyle/>
+          <a:p>
+            <a:pPr algn="ctr"/>
+            <a:r>
+              <a:rPr lang="en-US" altLang="ko-KR" sz="5400" b="1" dirty="0">
+                <a:ln w="10160">
+                  <a:solidFill>
+                    <a:schemeClr val="accent5"/>
+                  </a:solidFill>
+                  <a:prstDash val="solid"/>
+                </a:ln>
+                <a:solidFill>
+                  <a:srgbClr val="FFFFFF"/>
+                </a:solidFill>
+                <a:effectLst>
+                  <a:outerShdw blurRad="38100" dist="22860" dir="5400000" algn="tl" rotWithShape="0">
+                    <a:srgbClr val="000000">
+                      <a:alpha val="30000"/>
+                    </a:srgbClr>
+                  </a:outerShdw>
+                </a:effectLst>
+              </a:rPr>
+              <a:t>Continue</a:t>
+            </a:r>
+            <a:endParaRPr lang="en-US" altLang="ko-KR" sz="5400" b="1" cap="none" spc="0" dirty="0">
+              <a:ln w="10160">
+                <a:solidFill>
+                  <a:schemeClr val="accent5"/>
+                </a:solidFill>
+                <a:prstDash val="solid"/>
+              </a:ln>
+              <a:solidFill>
+                <a:srgbClr val="FFFFFF"/>
+              </a:solidFill>
+              <a:effectLst>
+                <a:outerShdw blurRad="38100" dist="22860" dir="5400000" algn="tl" rotWithShape="0">
+                  <a:srgbClr val="000000">
+                    <a:alpha val="30000"/>
+                  </a:srgbClr>
+                </a:outerShdw>
+              </a:effectLst>
+            </a:endParaRPr>
+          </a:p>
+        </p:txBody>
+      </p:sp>
+      <p:sp>
+        <p:nvSpPr>
+          <p:cNvPr id="10" name="직사각형 9">
+            <a:extLst>
+              <a:ext uri="{FF2B5EF4-FFF2-40B4-BE49-F238E27FC236}">
+                <a16:creationId xmlns:a16="http://schemas.microsoft.com/office/drawing/2014/main" id="{AA189D9D-ADF5-41BF-9CC1-81697CD9E66A}"/>
+              </a:ext>
+            </a:extLst>
+          </p:cNvPr>
+          <p:cNvSpPr/>
+          <p:nvPr/>
+        </p:nvSpPr>
+        <p:spPr>
+          <a:xfrm>
+            <a:off x="3701712" y="3904191"/>
+            <a:ext cx="1949573" cy="923330"/>
+          </a:xfrm>
+          <a:prstGeom prst="rect">
+            <a:avLst/>
+          </a:prstGeom>
+          <a:noFill/>
+        </p:spPr>
+        <p:txBody>
+          <a:bodyPr wrap="none" lIns="91440" tIns="45720" rIns="91440" bIns="45720">
+            <a:spAutoFit/>
+          </a:bodyPr>
+          <a:lstStyle/>
+          <a:p>
+            <a:pPr algn="ctr"/>
+            <a:r>
+              <a:rPr lang="en-US" altLang="ko-KR" sz="5400" b="1" cap="none" spc="0" dirty="0">
+                <a:ln w="10160">
+                  <a:solidFill>
+                    <a:schemeClr val="accent5"/>
+                  </a:solidFill>
+                  <a:prstDash val="solid"/>
+                </a:ln>
+                <a:solidFill>
+                  <a:srgbClr val="FFFFFF"/>
+                </a:solidFill>
+                <a:effectLst>
+                  <a:outerShdw blurRad="38100" dist="22860" dir="5400000" algn="tl" rotWithShape="0">
+                    <a:srgbClr val="000000">
+                      <a:alpha val="30000"/>
+                    </a:srgbClr>
+                  </a:outerShdw>
+                </a:effectLst>
+              </a:rPr>
+              <a:t>Close</a:t>
+            </a:r>
+          </a:p>
+        </p:txBody>
+      </p:sp>
+      <p:sp>
+        <p:nvSpPr>
+          <p:cNvPr id="11" name="타원 10">
+            <a:extLst>
+              <a:ext uri="{FF2B5EF4-FFF2-40B4-BE49-F238E27FC236}">
+                <a16:creationId xmlns:a16="http://schemas.microsoft.com/office/drawing/2014/main" id="{F8C9DA0A-17D9-4DEF-8DF9-2535F875FB3C}"/>
+              </a:ext>
+            </a:extLst>
+          </p:cNvPr>
+          <p:cNvSpPr/>
+          <p:nvPr/>
+        </p:nvSpPr>
+        <p:spPr>
+          <a:xfrm>
+            <a:off x="8464492" y="1130964"/>
+            <a:ext cx="511728" cy="488111"/>
+          </a:xfrm>
+          <a:prstGeom prst="ellipse">
+            <a:avLst/>
+          </a:prstGeom>
+          <a:solidFill>
+            <a:schemeClr val="accent4">
+              <a:lumMod val="20000"/>
+              <a:lumOff val="80000"/>
+            </a:schemeClr>
+          </a:solidFill>
+          <a:ln>
+            <a:solidFill>
+              <a:schemeClr val="tx1"/>
+            </a:solidFill>
+          </a:ln>
+        </p:spPr>
+        <p:style>
+          <a:lnRef idx="2">
+            <a:schemeClr val="accent1">
+              <a:shade val="50000"/>
+            </a:schemeClr>
+          </a:lnRef>
+          <a:fillRef idx="1">
+            <a:schemeClr val="accent1"/>
+          </a:fillRef>
+          <a:effectRef idx="0">
+            <a:schemeClr val="accent1"/>
+          </a:effectRef>
+          <a:fontRef idx="minor">
+            <a:schemeClr val="lt1"/>
+          </a:fontRef>
+        </p:style>
+        <p:txBody>
+          <a:bodyPr rtlCol="0" anchor="b"/>
+          <a:lstStyle/>
+          <a:p>
+            <a:pPr algn="l">
+              <a:lnSpc>
+                <a:spcPct val="200000"/>
+              </a:lnSpc>
+            </a:pPr>
+            <a:endParaRPr lang="ko-KR" altLang="en-US" dirty="0">
+              <a:solidFill>
+                <a:schemeClr val="tx1"/>
+              </a:solidFill>
+            </a:endParaRPr>
+          </a:p>
+        </p:txBody>
+      </p:sp>
+      <p:sp>
+        <p:nvSpPr>
+          <p:cNvPr id="12" name="직사각형 11">
+            <a:extLst>
+              <a:ext uri="{FF2B5EF4-FFF2-40B4-BE49-F238E27FC236}">
+                <a16:creationId xmlns:a16="http://schemas.microsoft.com/office/drawing/2014/main" id="{4C50B9D2-C3EA-4E2E-9554-C3D4B354C061}"/>
+              </a:ext>
+            </a:extLst>
+          </p:cNvPr>
+          <p:cNvSpPr/>
+          <p:nvPr/>
+        </p:nvSpPr>
+        <p:spPr>
+          <a:xfrm>
+            <a:off x="8549476" y="1174964"/>
+            <a:ext cx="341760" cy="400110"/>
+          </a:xfrm>
+          <a:prstGeom prst="rect">
+            <a:avLst/>
+          </a:prstGeom>
+          <a:noFill/>
+        </p:spPr>
+        <p:txBody>
+          <a:bodyPr wrap="none" lIns="91440" tIns="45720" rIns="91440" bIns="45720">
+            <a:spAutoFit/>
+            <a:scene3d>
+              <a:camera prst="orthographicFront"/>
+              <a:lightRig rig="harsh" dir="t"/>
+            </a:scene3d>
+            <a:sp3d extrusionH="57150" prstMaterial="matte">
+              <a:bevelT w="63500" h="12700" prst="angle"/>
+              <a:contourClr>
+                <a:schemeClr val="bg1">
+                  <a:lumMod val="65000"/>
+                </a:schemeClr>
+              </a:contourClr>
+            </a:sp3d>
+          </a:bodyPr>
+          <a:lstStyle/>
+          <a:p>
+            <a:pPr algn="ctr"/>
+            <a:r>
+              <a:rPr lang="en-US" altLang="ko-KR" sz="2000" b="1" cap="none" spc="0" dirty="0">
+                <a:ln/>
+                <a:solidFill>
+                  <a:schemeClr val="accent3"/>
+                </a:solidFill>
+                <a:effectLst/>
+              </a:rPr>
+              <a:t>||</a:t>
+            </a:r>
+          </a:p>
+        </p:txBody>
+      </p:sp>
+      <p:sp>
+        <p:nvSpPr>
+          <p:cNvPr id="13" name="TextBox 12">
+            <a:extLst>
+              <a:ext uri="{FF2B5EF4-FFF2-40B4-BE49-F238E27FC236}">
+                <a16:creationId xmlns:a16="http://schemas.microsoft.com/office/drawing/2014/main" id="{7AE05244-F15C-4111-9E95-F39DD3578C99}"/>
+              </a:ext>
+            </a:extLst>
+          </p:cNvPr>
+          <p:cNvSpPr txBox="1"/>
+          <p:nvPr/>
+        </p:nvSpPr>
+        <p:spPr>
+          <a:xfrm>
+            <a:off x="9412448" y="1442906"/>
+            <a:ext cx="2635365" cy="1200329"/>
+          </a:xfrm>
+          <a:prstGeom prst="rect">
+            <a:avLst/>
+          </a:prstGeom>
+          <a:noFill/>
+        </p:spPr>
+        <p:txBody>
+          <a:bodyPr wrap="square" rtlCol="0">
+            <a:spAutoFit/>
+          </a:bodyPr>
+          <a:lstStyle/>
+          <a:p>
+            <a:r>
+              <a:rPr lang="en-US" altLang="ko-KR" dirty="0"/>
+              <a:t>: </a:t>
+            </a:r>
+            <a:r>
+              <a:rPr lang="ko-KR" altLang="en-US" dirty="0"/>
+              <a:t>옵션을 눌렀을 때 게임을 계속 진행할 것인지 게임을 종료할 것인지 묻는 화면</a:t>
+            </a:r>
           </a:p>
         </p:txBody>
       </p:sp>
